--- a/Slides/06_pypdf2.pptx
+++ b/Slides/06_pypdf2.pptx
@@ -8,7 +8,8 @@
     <p:sldId id="256" r:id="rId2"/>
     <p:sldId id="269" r:id="rId3"/>
     <p:sldId id="270" r:id="rId4"/>
-    <p:sldId id="271" r:id="rId5"/>
+    <p:sldId id="272" r:id="rId5"/>
+    <p:sldId id="274" r:id="rId6"/>
   </p:sldIdLst>
   <p:sldSz cx="12192000" cy="6858000"/>
   <p:notesSz cx="6858000" cy="9144000"/>
@@ -115,6 +116,3018 @@
 </p:presentation>
 </file>
 
+<file path=ppt/diagrams/colors1.xml><?xml version="1.0" encoding="utf-8"?>
+<dgm:colorsDef xmlns:dgm="http://schemas.openxmlformats.org/drawingml/2006/diagram" xmlns:a="http://schemas.openxmlformats.org/drawingml/2006/main" uniqueId="urn:microsoft.com/office/officeart/2005/8/colors/colorful2">
+  <dgm:title val=""/>
+  <dgm:desc val=""/>
+  <dgm:catLst>
+    <dgm:cat type="colorful" pri="10200"/>
+  </dgm:catLst>
+  <dgm:styleLbl name="node0">
+    <dgm:fillClrLst meth="repeat">
+      <a:schemeClr val="accent1"/>
+    </dgm:fillClrLst>
+    <dgm:linClrLst meth="repeat">
+      <a:schemeClr val="lt1"/>
+    </dgm:linClrLst>
+    <dgm:effectClrLst/>
+    <dgm:txLinClrLst/>
+    <dgm:txFillClrLst/>
+    <dgm:txEffectClrLst/>
+  </dgm:styleLbl>
+  <dgm:styleLbl name="node1">
+    <dgm:fillClrLst>
+      <a:schemeClr val="accent2"/>
+      <a:schemeClr val="accent3"/>
+    </dgm:fillClrLst>
+    <dgm:linClrLst meth="repeat">
+      <a:schemeClr val="lt1"/>
+    </dgm:linClrLst>
+    <dgm:effectClrLst/>
+    <dgm:txLinClrLst/>
+    <dgm:txFillClrLst/>
+    <dgm:txEffectClrLst/>
+  </dgm:styleLbl>
+  <dgm:styleLbl name="alignNode1">
+    <dgm:fillClrLst>
+      <a:schemeClr val="accent2"/>
+      <a:schemeClr val="accent3"/>
+    </dgm:fillClrLst>
+    <dgm:linClrLst>
+      <a:schemeClr val="accent2"/>
+      <a:schemeClr val="accent3"/>
+    </dgm:linClrLst>
+    <dgm:effectClrLst/>
+    <dgm:txLinClrLst/>
+    <dgm:txFillClrLst/>
+    <dgm:txEffectClrLst/>
+  </dgm:styleLbl>
+  <dgm:styleLbl name="lnNode1">
+    <dgm:fillClrLst>
+      <a:schemeClr val="accent2"/>
+      <a:schemeClr val="accent3"/>
+    </dgm:fillClrLst>
+    <dgm:linClrLst meth="repeat">
+      <a:schemeClr val="lt1"/>
+    </dgm:linClrLst>
+    <dgm:effectClrLst/>
+    <dgm:txLinClrLst/>
+    <dgm:txFillClrLst/>
+    <dgm:txEffectClrLst/>
+  </dgm:styleLbl>
+  <dgm:styleLbl name="vennNode1">
+    <dgm:fillClrLst>
+      <a:schemeClr val="accent2">
+        <a:alpha val="50000"/>
+      </a:schemeClr>
+      <a:schemeClr val="accent3">
+        <a:alpha val="50000"/>
+      </a:schemeClr>
+    </dgm:fillClrLst>
+    <dgm:linClrLst meth="repeat">
+      <a:schemeClr val="lt1"/>
+    </dgm:linClrLst>
+    <dgm:effectClrLst/>
+    <dgm:txLinClrLst/>
+    <dgm:txFillClrLst/>
+    <dgm:txEffectClrLst/>
+  </dgm:styleLbl>
+  <dgm:styleLbl name="node2">
+    <dgm:fillClrLst>
+      <a:schemeClr val="accent3"/>
+    </dgm:fillClrLst>
+    <dgm:linClrLst meth="repeat">
+      <a:schemeClr val="lt1"/>
+    </dgm:linClrLst>
+    <dgm:effectClrLst/>
+    <dgm:txLinClrLst/>
+    <dgm:txFillClrLst/>
+    <dgm:txEffectClrLst/>
+  </dgm:styleLbl>
+  <dgm:styleLbl name="node3">
+    <dgm:fillClrLst>
+      <a:schemeClr val="accent4"/>
+    </dgm:fillClrLst>
+    <dgm:linClrLst meth="repeat">
+      <a:schemeClr val="lt1"/>
+    </dgm:linClrLst>
+    <dgm:effectClrLst/>
+    <dgm:txLinClrLst/>
+    <dgm:txFillClrLst/>
+    <dgm:txEffectClrLst/>
+  </dgm:styleLbl>
+  <dgm:styleLbl name="node4">
+    <dgm:fillClrLst>
+      <a:schemeClr val="accent5"/>
+    </dgm:fillClrLst>
+    <dgm:linClrLst meth="repeat">
+      <a:schemeClr val="lt1"/>
+    </dgm:linClrLst>
+    <dgm:effectClrLst/>
+    <dgm:txLinClrLst/>
+    <dgm:txFillClrLst/>
+    <dgm:txEffectClrLst/>
+  </dgm:styleLbl>
+  <dgm:styleLbl name="fgImgPlace1">
+    <dgm:fillClrLst>
+      <a:schemeClr val="accent2">
+        <a:tint val="50000"/>
+      </a:schemeClr>
+      <a:schemeClr val="accent3">
+        <a:tint val="50000"/>
+      </a:schemeClr>
+    </dgm:fillClrLst>
+    <dgm:linClrLst meth="repeat">
+      <a:schemeClr val="lt1"/>
+    </dgm:linClrLst>
+    <dgm:effectClrLst/>
+    <dgm:txLinClrLst/>
+    <dgm:txFillClrLst meth="repeat">
+      <a:schemeClr val="lt1"/>
+    </dgm:txFillClrLst>
+    <dgm:txEffectClrLst/>
+  </dgm:styleLbl>
+  <dgm:styleLbl name="alignImgPlace1">
+    <dgm:fillClrLst>
+      <a:schemeClr val="accent2">
+        <a:tint val="50000"/>
+      </a:schemeClr>
+      <a:schemeClr val="accent3">
+        <a:tint val="20000"/>
+      </a:schemeClr>
+    </dgm:fillClrLst>
+    <dgm:linClrLst meth="repeat">
+      <a:schemeClr val="lt1"/>
+    </dgm:linClrLst>
+    <dgm:effectClrLst/>
+    <dgm:txLinClrLst/>
+    <dgm:txFillClrLst meth="repeat">
+      <a:schemeClr val="lt1"/>
+    </dgm:txFillClrLst>
+    <dgm:txEffectClrLst/>
+  </dgm:styleLbl>
+  <dgm:styleLbl name="bgImgPlace1">
+    <dgm:fillClrLst>
+      <a:schemeClr val="accent2">
+        <a:tint val="50000"/>
+      </a:schemeClr>
+      <a:schemeClr val="accent3">
+        <a:tint val="20000"/>
+      </a:schemeClr>
+    </dgm:fillClrLst>
+    <dgm:linClrLst meth="repeat">
+      <a:schemeClr val="lt1"/>
+    </dgm:linClrLst>
+    <dgm:effectClrLst/>
+    <dgm:txLinClrLst/>
+    <dgm:txFillClrLst meth="repeat">
+      <a:schemeClr val="lt1"/>
+    </dgm:txFillClrLst>
+    <dgm:txEffectClrLst/>
+  </dgm:styleLbl>
+  <dgm:styleLbl name="sibTrans2D1">
+    <dgm:fillClrLst>
+      <a:schemeClr val="accent2"/>
+      <a:schemeClr val="accent3"/>
+    </dgm:fillClrLst>
+    <dgm:linClrLst meth="repeat">
+      <a:schemeClr val="lt1"/>
+    </dgm:linClrLst>
+    <dgm:effectClrLst/>
+    <dgm:txLinClrLst/>
+    <dgm:txFillClrLst/>
+    <dgm:txEffectClrLst/>
+  </dgm:styleLbl>
+  <dgm:styleLbl name="fgSibTrans2D1">
+    <dgm:fillClrLst>
+      <a:schemeClr val="accent2"/>
+      <a:schemeClr val="accent3"/>
+    </dgm:fillClrLst>
+    <dgm:linClrLst meth="repeat">
+      <a:schemeClr val="lt1"/>
+    </dgm:linClrLst>
+    <dgm:effectClrLst/>
+    <dgm:txLinClrLst/>
+    <dgm:txFillClrLst meth="repeat">
+      <a:schemeClr val="lt1"/>
+    </dgm:txFillClrLst>
+    <dgm:txEffectClrLst/>
+  </dgm:styleLbl>
+  <dgm:styleLbl name="bgSibTrans2D1">
+    <dgm:fillClrLst>
+      <a:schemeClr val="accent2"/>
+      <a:schemeClr val="accent3"/>
+    </dgm:fillClrLst>
+    <dgm:linClrLst meth="repeat">
+      <a:schemeClr val="lt1"/>
+    </dgm:linClrLst>
+    <dgm:effectClrLst/>
+    <dgm:txLinClrLst/>
+    <dgm:txFillClrLst meth="repeat">
+      <a:schemeClr val="lt1"/>
+    </dgm:txFillClrLst>
+    <dgm:txEffectClrLst/>
+  </dgm:styleLbl>
+  <dgm:styleLbl name="sibTrans1D1">
+    <dgm:fillClrLst/>
+    <dgm:linClrLst>
+      <a:schemeClr val="accent2"/>
+      <a:schemeClr val="accent3"/>
+    </dgm:linClrLst>
+    <dgm:effectClrLst/>
+    <dgm:txLinClrLst/>
+    <dgm:txFillClrLst meth="repeat">
+      <a:schemeClr val="tx1"/>
+    </dgm:txFillClrLst>
+    <dgm:txEffectClrLst/>
+  </dgm:styleLbl>
+  <dgm:styleLbl name="callout">
+    <dgm:fillClrLst meth="repeat">
+      <a:schemeClr val="accent2"/>
+    </dgm:fillClrLst>
+    <dgm:linClrLst meth="repeat">
+      <a:schemeClr val="accent2">
+        <a:tint val="50000"/>
+      </a:schemeClr>
+    </dgm:linClrLst>
+    <dgm:effectClrLst/>
+    <dgm:txLinClrLst/>
+    <dgm:txFillClrLst meth="repeat">
+      <a:schemeClr val="tx1"/>
+    </dgm:txFillClrLst>
+    <dgm:txEffectClrLst/>
+  </dgm:styleLbl>
+  <dgm:styleLbl name="asst0">
+    <dgm:fillClrLst meth="repeat">
+      <a:schemeClr val="accent2"/>
+    </dgm:fillClrLst>
+    <dgm:linClrLst meth="repeat">
+      <a:schemeClr val="lt1">
+        <a:shade val="80000"/>
+      </a:schemeClr>
+    </dgm:linClrLst>
+    <dgm:effectClrLst/>
+    <dgm:txLinClrLst/>
+    <dgm:txFillClrLst/>
+    <dgm:txEffectClrLst/>
+  </dgm:styleLbl>
+  <dgm:styleLbl name="asst1">
+    <dgm:fillClrLst meth="repeat">
+      <a:schemeClr val="accent3"/>
+    </dgm:fillClrLst>
+    <dgm:linClrLst meth="repeat">
+      <a:schemeClr val="lt1">
+        <a:shade val="80000"/>
+      </a:schemeClr>
+    </dgm:linClrLst>
+    <dgm:effectClrLst/>
+    <dgm:txLinClrLst/>
+    <dgm:txFillClrLst/>
+    <dgm:txEffectClrLst/>
+  </dgm:styleLbl>
+  <dgm:styleLbl name="asst2">
+    <dgm:fillClrLst>
+      <a:schemeClr val="accent4"/>
+    </dgm:fillClrLst>
+    <dgm:linClrLst meth="repeat">
+      <a:schemeClr val="lt1"/>
+    </dgm:linClrLst>
+    <dgm:effectClrLst/>
+    <dgm:txLinClrLst/>
+    <dgm:txFillClrLst/>
+    <dgm:txEffectClrLst/>
+  </dgm:styleLbl>
+  <dgm:styleLbl name="asst3">
+    <dgm:fillClrLst>
+      <a:schemeClr val="accent5"/>
+    </dgm:fillClrLst>
+    <dgm:linClrLst meth="repeat">
+      <a:schemeClr val="lt1"/>
+    </dgm:linClrLst>
+    <dgm:effectClrLst/>
+    <dgm:txLinClrLst/>
+    <dgm:txFillClrLst/>
+    <dgm:txEffectClrLst/>
+  </dgm:styleLbl>
+  <dgm:styleLbl name="asst4">
+    <dgm:fillClrLst>
+      <a:schemeClr val="accent6"/>
+    </dgm:fillClrLst>
+    <dgm:linClrLst meth="repeat">
+      <a:schemeClr val="lt1"/>
+    </dgm:linClrLst>
+    <dgm:effectClrLst/>
+    <dgm:txLinClrLst/>
+    <dgm:txFillClrLst/>
+    <dgm:txEffectClrLst/>
+  </dgm:styleLbl>
+  <dgm:styleLbl name="parChTrans2D1">
+    <dgm:fillClrLst meth="repeat">
+      <a:schemeClr val="accent2"/>
+    </dgm:fillClrLst>
+    <dgm:linClrLst meth="repeat">
+      <a:schemeClr val="lt1"/>
+    </dgm:linClrLst>
+    <dgm:effectClrLst/>
+    <dgm:txLinClrLst/>
+    <dgm:txFillClrLst meth="repeat">
+      <a:schemeClr val="lt1"/>
+    </dgm:txFillClrLst>
+    <dgm:txEffectClrLst/>
+  </dgm:styleLbl>
+  <dgm:styleLbl name="parChTrans2D2">
+    <dgm:fillClrLst meth="repeat">
+      <a:schemeClr val="accent3"/>
+    </dgm:fillClrLst>
+    <dgm:linClrLst meth="repeat">
+      <a:schemeClr val="lt1"/>
+    </dgm:linClrLst>
+    <dgm:effectClrLst/>
+    <dgm:txLinClrLst/>
+    <dgm:txFillClrLst/>
+    <dgm:txEffectClrLst/>
+  </dgm:styleLbl>
+  <dgm:styleLbl name="parChTrans2D3">
+    <dgm:fillClrLst meth="repeat">
+      <a:schemeClr val="accent4"/>
+    </dgm:fillClrLst>
+    <dgm:linClrLst meth="repeat">
+      <a:schemeClr val="lt1"/>
+    </dgm:linClrLst>
+    <dgm:effectClrLst/>
+    <dgm:txLinClrLst/>
+    <dgm:txFillClrLst/>
+    <dgm:txEffectClrLst/>
+  </dgm:styleLbl>
+  <dgm:styleLbl name="parChTrans2D4">
+    <dgm:fillClrLst meth="repeat">
+      <a:schemeClr val="accent5"/>
+    </dgm:fillClrLst>
+    <dgm:linClrLst meth="repeat">
+      <a:schemeClr val="lt1"/>
+    </dgm:linClrLst>
+    <dgm:effectClrLst/>
+    <dgm:txLinClrLst/>
+    <dgm:txFillClrLst meth="repeat">
+      <a:schemeClr val="lt1"/>
+    </dgm:txFillClrLst>
+    <dgm:txEffectClrLst/>
+  </dgm:styleLbl>
+  <dgm:styleLbl name="parChTrans1D1">
+    <dgm:fillClrLst meth="repeat">
+      <a:schemeClr val="accent2"/>
+    </dgm:fillClrLst>
+    <dgm:linClrLst meth="repeat">
+      <a:schemeClr val="accent2"/>
+    </dgm:linClrLst>
+    <dgm:effectClrLst/>
+    <dgm:txLinClrLst/>
+    <dgm:txFillClrLst meth="repeat">
+      <a:schemeClr val="tx1"/>
+    </dgm:txFillClrLst>
+    <dgm:txEffectClrLst/>
+  </dgm:styleLbl>
+  <dgm:styleLbl name="parChTrans1D2">
+    <dgm:fillClrLst meth="repeat">
+      <a:schemeClr val="accent2">
+        <a:tint val="90000"/>
+      </a:schemeClr>
+    </dgm:fillClrLst>
+    <dgm:linClrLst meth="repeat">
+      <a:schemeClr val="accent3"/>
+    </dgm:linClrLst>
+    <dgm:effectClrLst/>
+    <dgm:txLinClrLst/>
+    <dgm:txFillClrLst meth="repeat">
+      <a:schemeClr val="tx1"/>
+    </dgm:txFillClrLst>
+    <dgm:txEffectClrLst/>
+  </dgm:styleLbl>
+  <dgm:styleLbl name="parChTrans1D3">
+    <dgm:fillClrLst meth="repeat">
+      <a:schemeClr val="accent2">
+        <a:tint val="70000"/>
+      </a:schemeClr>
+    </dgm:fillClrLst>
+    <dgm:linClrLst meth="repeat">
+      <a:schemeClr val="accent4"/>
+    </dgm:linClrLst>
+    <dgm:effectClrLst/>
+    <dgm:txLinClrLst/>
+    <dgm:txFillClrLst meth="repeat">
+      <a:schemeClr val="tx1"/>
+    </dgm:txFillClrLst>
+    <dgm:txEffectClrLst/>
+  </dgm:styleLbl>
+  <dgm:styleLbl name="parChTrans1D4">
+    <dgm:fillClrLst meth="repeat">
+      <a:schemeClr val="accent2">
+        <a:tint val="50000"/>
+      </a:schemeClr>
+    </dgm:fillClrLst>
+    <dgm:linClrLst meth="repeat">
+      <a:schemeClr val="accent5"/>
+    </dgm:linClrLst>
+    <dgm:effectClrLst/>
+    <dgm:txLinClrLst/>
+    <dgm:txFillClrLst meth="repeat">
+      <a:schemeClr val="tx1"/>
+    </dgm:txFillClrLst>
+    <dgm:txEffectClrLst/>
+  </dgm:styleLbl>
+  <dgm:styleLbl name="fgAcc1">
+    <dgm:fillClrLst meth="repeat">
+      <a:schemeClr val="lt1">
+        <a:alpha val="90000"/>
+      </a:schemeClr>
+    </dgm:fillClrLst>
+    <dgm:linClrLst>
+      <a:schemeClr val="accent2"/>
+      <a:schemeClr val="accent3"/>
+    </dgm:linClrLst>
+    <dgm:effectClrLst/>
+    <dgm:txLinClrLst/>
+    <dgm:txFillClrLst meth="repeat">
+      <a:schemeClr val="dk1"/>
+    </dgm:txFillClrLst>
+    <dgm:txEffectClrLst/>
+  </dgm:styleLbl>
+  <dgm:styleLbl name="conFgAcc1">
+    <dgm:fillClrLst meth="repeat">
+      <a:schemeClr val="lt1">
+        <a:alpha val="90000"/>
+      </a:schemeClr>
+    </dgm:fillClrLst>
+    <dgm:linClrLst>
+      <a:schemeClr val="accent2"/>
+      <a:schemeClr val="accent3"/>
+    </dgm:linClrLst>
+    <dgm:effectClrLst/>
+    <dgm:txLinClrLst/>
+    <dgm:txFillClrLst meth="repeat">
+      <a:schemeClr val="dk1"/>
+    </dgm:txFillClrLst>
+    <dgm:txEffectClrLst/>
+  </dgm:styleLbl>
+  <dgm:styleLbl name="alignAcc1">
+    <dgm:fillClrLst meth="repeat">
+      <a:schemeClr val="lt1">
+        <a:alpha val="90000"/>
+      </a:schemeClr>
+    </dgm:fillClrLst>
+    <dgm:linClrLst>
+      <a:schemeClr val="accent2"/>
+      <a:schemeClr val="accent3"/>
+    </dgm:linClrLst>
+    <dgm:effectClrLst/>
+    <dgm:txLinClrLst/>
+    <dgm:txFillClrLst meth="repeat">
+      <a:schemeClr val="dk1"/>
+    </dgm:txFillClrLst>
+    <dgm:txEffectClrLst/>
+  </dgm:styleLbl>
+  <dgm:styleLbl name="trAlignAcc1">
+    <dgm:fillClrLst meth="repeat">
+      <a:schemeClr val="lt1">
+        <a:alpha val="40000"/>
+      </a:schemeClr>
+    </dgm:fillClrLst>
+    <dgm:linClrLst meth="repeat">
+      <a:schemeClr val="accent2"/>
+    </dgm:linClrLst>
+    <dgm:effectClrLst/>
+    <dgm:txLinClrLst/>
+    <dgm:txFillClrLst meth="repeat">
+      <a:schemeClr val="dk1"/>
+    </dgm:txFillClrLst>
+    <dgm:txEffectClrLst/>
+  </dgm:styleLbl>
+  <dgm:styleLbl name="bgAcc1">
+    <dgm:fillClrLst meth="repeat">
+      <a:schemeClr val="lt1">
+        <a:alpha val="90000"/>
+      </a:schemeClr>
+    </dgm:fillClrLst>
+    <dgm:linClrLst>
+      <a:schemeClr val="accent2"/>
+      <a:schemeClr val="accent3"/>
+    </dgm:linClrLst>
+    <dgm:effectClrLst/>
+    <dgm:txLinClrLst/>
+    <dgm:txFillClrLst meth="repeat">
+      <a:schemeClr val="dk1"/>
+    </dgm:txFillClrLst>
+    <dgm:txEffectClrLst/>
+  </dgm:styleLbl>
+  <dgm:styleLbl name="solidFgAcc1">
+    <dgm:fillClrLst meth="repeat">
+      <a:schemeClr val="lt1"/>
+    </dgm:fillClrLst>
+    <dgm:linClrLst>
+      <a:schemeClr val="accent2"/>
+      <a:schemeClr val="accent3"/>
+    </dgm:linClrLst>
+    <dgm:effectClrLst/>
+    <dgm:txLinClrLst/>
+    <dgm:txFillClrLst meth="repeat">
+      <a:schemeClr val="dk1"/>
+    </dgm:txFillClrLst>
+    <dgm:txEffectClrLst/>
+  </dgm:styleLbl>
+  <dgm:styleLbl name="solidAlignAcc1">
+    <dgm:fillClrLst meth="repeat">
+      <a:schemeClr val="lt1"/>
+    </dgm:fillClrLst>
+    <dgm:linClrLst>
+      <a:schemeClr val="accent2"/>
+      <a:schemeClr val="accent3"/>
+    </dgm:linClrLst>
+    <dgm:effectClrLst/>
+    <dgm:txLinClrLst/>
+    <dgm:txFillClrLst meth="repeat">
+      <a:schemeClr val="dk1"/>
+    </dgm:txFillClrLst>
+    <dgm:txEffectClrLst/>
+  </dgm:styleLbl>
+  <dgm:styleLbl name="solidBgAcc1">
+    <dgm:fillClrLst meth="repeat">
+      <a:schemeClr val="lt1"/>
+    </dgm:fillClrLst>
+    <dgm:linClrLst>
+      <a:schemeClr val="accent2"/>
+      <a:schemeClr val="accent3"/>
+    </dgm:linClrLst>
+    <dgm:effectClrLst/>
+    <dgm:txLinClrLst/>
+    <dgm:txFillClrLst meth="repeat">
+      <a:schemeClr val="dk1"/>
+    </dgm:txFillClrLst>
+    <dgm:txEffectClrLst/>
+  </dgm:styleLbl>
+  <dgm:styleLbl name="fgAccFollowNode1">
+    <dgm:fillClrLst>
+      <a:schemeClr val="accent2">
+        <a:tint val="40000"/>
+        <a:alpha val="90000"/>
+      </a:schemeClr>
+      <a:schemeClr val="accent3">
+        <a:tint val="40000"/>
+        <a:alpha val="90000"/>
+      </a:schemeClr>
+    </dgm:fillClrLst>
+    <dgm:linClrLst>
+      <a:schemeClr val="accent2">
+        <a:tint val="40000"/>
+        <a:alpha val="90000"/>
+      </a:schemeClr>
+      <a:schemeClr val="accent3">
+        <a:tint val="40000"/>
+        <a:alpha val="90000"/>
+      </a:schemeClr>
+    </dgm:linClrLst>
+    <dgm:effectClrLst/>
+    <dgm:txLinClrLst/>
+    <dgm:txFillClrLst meth="repeat">
+      <a:schemeClr val="dk1"/>
+    </dgm:txFillClrLst>
+    <dgm:txEffectClrLst/>
+  </dgm:styleLbl>
+  <dgm:styleLbl name="alignAccFollowNode1">
+    <dgm:fillClrLst>
+      <a:schemeClr val="accent2">
+        <a:tint val="40000"/>
+        <a:alpha val="90000"/>
+      </a:schemeClr>
+      <a:schemeClr val="accent3">
+        <a:tint val="40000"/>
+        <a:alpha val="90000"/>
+      </a:schemeClr>
+    </dgm:fillClrLst>
+    <dgm:linClrLst>
+      <a:schemeClr val="accent2">
+        <a:tint val="40000"/>
+        <a:alpha val="90000"/>
+      </a:schemeClr>
+      <a:schemeClr val="accent3">
+        <a:tint val="40000"/>
+        <a:alpha val="90000"/>
+      </a:schemeClr>
+    </dgm:linClrLst>
+    <dgm:effectClrLst/>
+    <dgm:txLinClrLst/>
+    <dgm:txFillClrLst meth="repeat">
+      <a:schemeClr val="dk1"/>
+    </dgm:txFillClrLst>
+    <dgm:txEffectClrLst/>
+  </dgm:styleLbl>
+  <dgm:styleLbl name="bgAccFollowNode1">
+    <dgm:fillClrLst>
+      <a:schemeClr val="accent2">
+        <a:tint val="40000"/>
+        <a:alpha val="90000"/>
+      </a:schemeClr>
+      <a:schemeClr val="accent3">
+        <a:tint val="40000"/>
+        <a:alpha val="90000"/>
+      </a:schemeClr>
+    </dgm:fillClrLst>
+    <dgm:linClrLst>
+      <a:schemeClr val="accent2">
+        <a:tint val="40000"/>
+        <a:alpha val="90000"/>
+      </a:schemeClr>
+      <a:schemeClr val="accent3">
+        <a:tint val="40000"/>
+        <a:alpha val="90000"/>
+      </a:schemeClr>
+    </dgm:linClrLst>
+    <dgm:effectClrLst/>
+    <dgm:txLinClrLst/>
+    <dgm:txFillClrLst meth="repeat">
+      <a:schemeClr val="dk1"/>
+    </dgm:txFillClrLst>
+    <dgm:txEffectClrLst/>
+  </dgm:styleLbl>
+  <dgm:styleLbl name="fgAcc0">
+    <dgm:fillClrLst meth="repeat">
+      <a:schemeClr val="lt1">
+        <a:alpha val="90000"/>
+      </a:schemeClr>
+    </dgm:fillClrLst>
+    <dgm:linClrLst>
+      <a:schemeClr val="accent1"/>
+    </dgm:linClrLst>
+    <dgm:effectClrLst/>
+    <dgm:txLinClrLst/>
+    <dgm:txFillClrLst meth="repeat">
+      <a:schemeClr val="dk1"/>
+    </dgm:txFillClrLst>
+    <dgm:txEffectClrLst/>
+  </dgm:styleLbl>
+  <dgm:styleLbl name="fgAcc2">
+    <dgm:fillClrLst meth="repeat">
+      <a:schemeClr val="lt1">
+        <a:alpha val="90000"/>
+      </a:schemeClr>
+    </dgm:fillClrLst>
+    <dgm:linClrLst>
+      <a:schemeClr val="accent3"/>
+    </dgm:linClrLst>
+    <dgm:effectClrLst/>
+    <dgm:txLinClrLst/>
+    <dgm:txFillClrLst meth="repeat">
+      <a:schemeClr val="dk1"/>
+    </dgm:txFillClrLst>
+    <dgm:txEffectClrLst/>
+  </dgm:styleLbl>
+  <dgm:styleLbl name="fgAcc3">
+    <dgm:fillClrLst meth="repeat">
+      <a:schemeClr val="lt1">
+        <a:alpha val="90000"/>
+      </a:schemeClr>
+    </dgm:fillClrLst>
+    <dgm:linClrLst>
+      <a:schemeClr val="accent4"/>
+    </dgm:linClrLst>
+    <dgm:effectClrLst/>
+    <dgm:txLinClrLst/>
+    <dgm:txFillClrLst meth="repeat">
+      <a:schemeClr val="dk1"/>
+    </dgm:txFillClrLst>
+    <dgm:txEffectClrLst/>
+  </dgm:styleLbl>
+  <dgm:styleLbl name="fgAcc4">
+    <dgm:fillClrLst meth="repeat">
+      <a:schemeClr val="lt1">
+        <a:alpha val="90000"/>
+      </a:schemeClr>
+    </dgm:fillClrLst>
+    <dgm:linClrLst>
+      <a:schemeClr val="accent5"/>
+    </dgm:linClrLst>
+    <dgm:effectClrLst/>
+    <dgm:txLinClrLst/>
+    <dgm:txFillClrLst meth="repeat">
+      <a:schemeClr val="dk1"/>
+    </dgm:txFillClrLst>
+    <dgm:txEffectClrLst/>
+  </dgm:styleLbl>
+  <dgm:styleLbl name="bgShp">
+    <dgm:fillClrLst meth="repeat">
+      <a:schemeClr val="accent2">
+        <a:tint val="40000"/>
+      </a:schemeClr>
+    </dgm:fillClrLst>
+    <dgm:linClrLst meth="repeat">
+      <a:schemeClr val="dk1"/>
+    </dgm:linClrLst>
+    <dgm:effectClrLst/>
+    <dgm:txLinClrLst/>
+    <dgm:txFillClrLst meth="repeat">
+      <a:schemeClr val="dk1"/>
+    </dgm:txFillClrLst>
+    <dgm:txEffectClrLst/>
+  </dgm:styleLbl>
+  <dgm:styleLbl name="dkBgShp">
+    <dgm:fillClrLst meth="repeat">
+      <a:schemeClr val="accent2">
+        <a:shade val="90000"/>
+      </a:schemeClr>
+    </dgm:fillClrLst>
+    <dgm:linClrLst meth="repeat">
+      <a:schemeClr val="dk1"/>
+    </dgm:linClrLst>
+    <dgm:effectClrLst/>
+    <dgm:txLinClrLst/>
+    <dgm:txFillClrLst meth="repeat">
+      <a:schemeClr val="lt1"/>
+    </dgm:txFillClrLst>
+    <dgm:txEffectClrLst/>
+  </dgm:styleLbl>
+  <dgm:styleLbl name="trBgShp">
+    <dgm:fillClrLst meth="repeat">
+      <a:schemeClr val="accent2">
+        <a:tint val="50000"/>
+        <a:alpha val="40000"/>
+      </a:schemeClr>
+    </dgm:fillClrLst>
+    <dgm:linClrLst meth="repeat">
+      <a:schemeClr val="accent2"/>
+    </dgm:linClrLst>
+    <dgm:effectClrLst/>
+    <dgm:txLinClrLst/>
+    <dgm:txFillClrLst meth="repeat">
+      <a:schemeClr val="lt1"/>
+    </dgm:txFillClrLst>
+    <dgm:txEffectClrLst/>
+  </dgm:styleLbl>
+  <dgm:styleLbl name="fgShp">
+    <dgm:fillClrLst meth="repeat">
+      <a:schemeClr val="accent2">
+        <a:tint val="40000"/>
+      </a:schemeClr>
+    </dgm:fillClrLst>
+    <dgm:linClrLst meth="repeat">
+      <a:schemeClr val="lt1"/>
+    </dgm:linClrLst>
+    <dgm:effectClrLst/>
+    <dgm:txLinClrLst/>
+    <dgm:txFillClrLst meth="repeat">
+      <a:schemeClr val="dk1"/>
+    </dgm:txFillClrLst>
+    <dgm:txEffectClrLst/>
+  </dgm:styleLbl>
+  <dgm:styleLbl name="revTx">
+    <dgm:fillClrLst meth="repeat">
+      <a:schemeClr val="lt1">
+        <a:alpha val="0"/>
+      </a:schemeClr>
+    </dgm:fillClrLst>
+    <dgm:linClrLst meth="repeat">
+      <a:schemeClr val="dk1">
+        <a:alpha val="0"/>
+      </a:schemeClr>
+    </dgm:linClrLst>
+    <dgm:effectClrLst/>
+    <dgm:txLinClrLst/>
+    <dgm:txFillClrLst meth="repeat">
+      <a:schemeClr val="tx1"/>
+    </dgm:txFillClrLst>
+    <dgm:txEffectClrLst/>
+  </dgm:styleLbl>
+</dgm:colorsDef>
+</file>
+
+<file path=ppt/diagrams/data1.xml><?xml version="1.0" encoding="utf-8"?>
+<dgm:dataModel xmlns:dgm="http://schemas.openxmlformats.org/drawingml/2006/diagram" xmlns:a="http://schemas.openxmlformats.org/drawingml/2006/main">
+  <dgm:ptLst>
+    <dgm:pt modelId="{795EFD4A-4B73-4D8C-9D16-8C7551D54637}" type="doc">
+      <dgm:prSet loTypeId="urn:microsoft.com/office/officeart/2008/layout/LinedList" loCatId="list" qsTypeId="urn:microsoft.com/office/officeart/2005/8/quickstyle/simple1" qsCatId="simple" csTypeId="urn:microsoft.com/office/officeart/2005/8/colors/colorful2" csCatId="colorful" phldr="1"/>
+      <dgm:spPr/>
+      <dgm:t>
+        <a:bodyPr/>
+        <a:lstStyle/>
+        <a:p>
+          <a:endParaRPr lang="en-US"/>
+        </a:p>
+      </dgm:t>
+    </dgm:pt>
+    <dgm:pt modelId="{A0D5A0AC-5003-4B6B-BEE0-4723AA9A1392}">
+      <dgm:prSet/>
+      <dgm:spPr/>
+      <dgm:t>
+        <a:bodyPr/>
+        <a:lstStyle/>
+        <a:p>
+          <a:pPr>
+            <a:lnSpc>
+              <a:spcPct val="100000"/>
+            </a:lnSpc>
+          </a:pPr>
+          <a:r>
+            <a:rPr lang="en-US"/>
+            <a:t>PyPDF2 is a pure-python library to work with PDF files.</a:t>
+          </a:r>
+        </a:p>
+      </dgm:t>
+    </dgm:pt>
+    <dgm:pt modelId="{D79978C8-9B4C-46AD-9A7C-ADE780003990}" type="parTrans" cxnId="{218951AF-2285-41A6-8F7E-3F3416B1E395}">
+      <dgm:prSet/>
+      <dgm:spPr/>
+      <dgm:t>
+        <a:bodyPr/>
+        <a:lstStyle/>
+        <a:p>
+          <a:endParaRPr lang="en-US"/>
+        </a:p>
+      </dgm:t>
+    </dgm:pt>
+    <dgm:pt modelId="{CE597798-97D6-4DB0-95AF-5FCDDB83067A}" type="sibTrans" cxnId="{218951AF-2285-41A6-8F7E-3F3416B1E395}">
+      <dgm:prSet/>
+      <dgm:spPr/>
+      <dgm:t>
+        <a:bodyPr/>
+        <a:lstStyle/>
+        <a:p>
+          <a:endParaRPr lang="en-US"/>
+        </a:p>
+      </dgm:t>
+    </dgm:pt>
+    <dgm:pt modelId="{CBE8B26D-D7D6-42B9-BEFF-1D5EC730AD69}">
+      <dgm:prSet/>
+      <dgm:spPr/>
+      <dgm:t>
+        <a:bodyPr/>
+        <a:lstStyle/>
+        <a:p>
+          <a:pPr>
+            <a:lnSpc>
+              <a:spcPct val="100000"/>
+            </a:lnSpc>
+          </a:pPr>
+          <a:r>
+            <a:rPr lang="en-US" dirty="0"/>
+            <a:t>We can use the PyPDF2 module to work with the existing PDF files.</a:t>
+          </a:r>
+        </a:p>
+      </dgm:t>
+    </dgm:pt>
+    <dgm:pt modelId="{9927CF95-F542-423A-91D8-5E51F0CA73EC}" type="parTrans" cxnId="{4643DA81-266B-492F-BF19-4D4475C83327}">
+      <dgm:prSet/>
+      <dgm:spPr/>
+      <dgm:t>
+        <a:bodyPr/>
+        <a:lstStyle/>
+        <a:p>
+          <a:endParaRPr lang="en-US"/>
+        </a:p>
+      </dgm:t>
+    </dgm:pt>
+    <dgm:pt modelId="{04AD4244-DD25-4F7F-A2D6-2112A142EE89}" type="sibTrans" cxnId="{4643DA81-266B-492F-BF19-4D4475C83327}">
+      <dgm:prSet/>
+      <dgm:spPr/>
+      <dgm:t>
+        <a:bodyPr/>
+        <a:lstStyle/>
+        <a:p>
+          <a:endParaRPr lang="en-US"/>
+        </a:p>
+      </dgm:t>
+    </dgm:pt>
+    <dgm:pt modelId="{A64CA95A-B163-494D-BB51-8C81C9CA8876}">
+      <dgm:prSet/>
+      <dgm:spPr/>
+      <dgm:t>
+        <a:bodyPr/>
+        <a:lstStyle/>
+        <a:p>
+          <a:pPr>
+            <a:lnSpc>
+              <a:spcPct val="100000"/>
+            </a:lnSpc>
+          </a:pPr>
+          <a:r>
+            <a:rPr lang="en-US" dirty="0"/>
+            <a:t>We can’t create a new PDF file using this module.</a:t>
+          </a:r>
+        </a:p>
+      </dgm:t>
+    </dgm:pt>
+    <dgm:pt modelId="{FC86C2F1-C6F5-41FD-8DD0-33201362AEC1}" type="parTrans" cxnId="{30F9211D-743A-4155-B523-524E3717E963}">
+      <dgm:prSet/>
+      <dgm:spPr/>
+      <dgm:t>
+        <a:bodyPr/>
+        <a:lstStyle/>
+        <a:p>
+          <a:endParaRPr lang="en-US"/>
+        </a:p>
+      </dgm:t>
+    </dgm:pt>
+    <dgm:pt modelId="{0A25E750-5B39-4105-801F-2ACAADF2C2C6}" type="sibTrans" cxnId="{30F9211D-743A-4155-B523-524E3717E963}">
+      <dgm:prSet/>
+      <dgm:spPr/>
+      <dgm:t>
+        <a:bodyPr/>
+        <a:lstStyle/>
+        <a:p>
+          <a:endParaRPr lang="en-US"/>
+        </a:p>
+      </dgm:t>
+    </dgm:pt>
+    <dgm:pt modelId="{67F83F13-CC53-8047-A3B8-496876777562}">
+      <dgm:prSet/>
+      <dgm:spPr/>
+      <dgm:t>
+        <a:bodyPr/>
+        <a:lstStyle/>
+        <a:p>
+          <a:pPr>
+            <a:lnSpc>
+              <a:spcPct val="100000"/>
+            </a:lnSpc>
+          </a:pPr>
+          <a:r>
+            <a:rPr lang="en-GB" b="0" i="0" dirty="0"/>
+            <a:t>It allows you to read, write, and manipulate PDF documents in Python.</a:t>
+          </a:r>
+          <a:endParaRPr lang="en-US" dirty="0"/>
+        </a:p>
+      </dgm:t>
+    </dgm:pt>
+    <dgm:pt modelId="{4F9B4416-E041-5C48-B2EB-C844AF9ECB5E}" type="parTrans" cxnId="{3E4A45AB-4C00-AA4C-AE32-FB93C8F31027}">
+      <dgm:prSet/>
+      <dgm:spPr/>
+    </dgm:pt>
+    <dgm:pt modelId="{FB452187-8F32-4F4F-97F9-4B104CF6D6DA}" type="sibTrans" cxnId="{3E4A45AB-4C00-AA4C-AE32-FB93C8F31027}">
+      <dgm:prSet/>
+      <dgm:spPr/>
+    </dgm:pt>
+    <dgm:pt modelId="{2F504628-A718-F84E-881B-B71E7298063B}" type="pres">
+      <dgm:prSet presAssocID="{795EFD4A-4B73-4D8C-9D16-8C7551D54637}" presName="vert0" presStyleCnt="0">
+        <dgm:presLayoutVars>
+          <dgm:dir/>
+          <dgm:animOne val="branch"/>
+          <dgm:animLvl val="lvl"/>
+        </dgm:presLayoutVars>
+      </dgm:prSet>
+      <dgm:spPr/>
+    </dgm:pt>
+    <dgm:pt modelId="{868556DC-06A3-9445-9C30-97F19ECDD01E}" type="pres">
+      <dgm:prSet presAssocID="{A0D5A0AC-5003-4B6B-BEE0-4723AA9A1392}" presName="thickLine" presStyleLbl="alignNode1" presStyleIdx="0" presStyleCnt="4"/>
+      <dgm:spPr/>
+    </dgm:pt>
+    <dgm:pt modelId="{38F7FD5B-BF93-6E4A-9446-D996512893C6}" type="pres">
+      <dgm:prSet presAssocID="{A0D5A0AC-5003-4B6B-BEE0-4723AA9A1392}" presName="horz1" presStyleCnt="0"/>
+      <dgm:spPr/>
+    </dgm:pt>
+    <dgm:pt modelId="{80849DBD-847C-BD43-9006-DF8DEB1EDB9F}" type="pres">
+      <dgm:prSet presAssocID="{A0D5A0AC-5003-4B6B-BEE0-4723AA9A1392}" presName="tx1" presStyleLbl="revTx" presStyleIdx="0" presStyleCnt="4"/>
+      <dgm:spPr/>
+    </dgm:pt>
+    <dgm:pt modelId="{68491F8F-EE03-514E-88C2-929940C0C665}" type="pres">
+      <dgm:prSet presAssocID="{A0D5A0AC-5003-4B6B-BEE0-4723AA9A1392}" presName="vert1" presStyleCnt="0"/>
+      <dgm:spPr/>
+    </dgm:pt>
+    <dgm:pt modelId="{41DC5851-C023-DF4A-8916-6742611B8F5B}" type="pres">
+      <dgm:prSet presAssocID="{67F83F13-CC53-8047-A3B8-496876777562}" presName="thickLine" presStyleLbl="alignNode1" presStyleIdx="1" presStyleCnt="4"/>
+      <dgm:spPr/>
+    </dgm:pt>
+    <dgm:pt modelId="{B350BEAB-85D1-BF45-9FDA-4E0F7ACD4CD7}" type="pres">
+      <dgm:prSet presAssocID="{67F83F13-CC53-8047-A3B8-496876777562}" presName="horz1" presStyleCnt="0"/>
+      <dgm:spPr/>
+    </dgm:pt>
+    <dgm:pt modelId="{06EBB556-6006-B54F-8864-88B8E4C71AC9}" type="pres">
+      <dgm:prSet presAssocID="{67F83F13-CC53-8047-A3B8-496876777562}" presName="tx1" presStyleLbl="revTx" presStyleIdx="1" presStyleCnt="4"/>
+      <dgm:spPr/>
+    </dgm:pt>
+    <dgm:pt modelId="{02E6AF72-B869-4D4A-B167-87D0ADF6CC22}" type="pres">
+      <dgm:prSet presAssocID="{67F83F13-CC53-8047-A3B8-496876777562}" presName="vert1" presStyleCnt="0"/>
+      <dgm:spPr/>
+    </dgm:pt>
+    <dgm:pt modelId="{5EA01E13-A24A-FE47-9FCE-C5D0CE911E64}" type="pres">
+      <dgm:prSet presAssocID="{CBE8B26D-D7D6-42B9-BEFF-1D5EC730AD69}" presName="thickLine" presStyleLbl="alignNode1" presStyleIdx="2" presStyleCnt="4"/>
+      <dgm:spPr/>
+    </dgm:pt>
+    <dgm:pt modelId="{CF250DA3-874F-374A-930D-354585AAC490}" type="pres">
+      <dgm:prSet presAssocID="{CBE8B26D-D7D6-42B9-BEFF-1D5EC730AD69}" presName="horz1" presStyleCnt="0"/>
+      <dgm:spPr/>
+    </dgm:pt>
+    <dgm:pt modelId="{1C6119A7-69DD-8C48-9605-764CB3B930EC}" type="pres">
+      <dgm:prSet presAssocID="{CBE8B26D-D7D6-42B9-BEFF-1D5EC730AD69}" presName="tx1" presStyleLbl="revTx" presStyleIdx="2" presStyleCnt="4"/>
+      <dgm:spPr/>
+    </dgm:pt>
+    <dgm:pt modelId="{5D4E9110-5FF0-8B4B-BB96-2819E9D1513A}" type="pres">
+      <dgm:prSet presAssocID="{CBE8B26D-D7D6-42B9-BEFF-1D5EC730AD69}" presName="vert1" presStyleCnt="0"/>
+      <dgm:spPr/>
+    </dgm:pt>
+    <dgm:pt modelId="{C3D0C47B-8E65-694C-B487-42B914057D3B}" type="pres">
+      <dgm:prSet presAssocID="{A64CA95A-B163-494D-BB51-8C81C9CA8876}" presName="thickLine" presStyleLbl="alignNode1" presStyleIdx="3" presStyleCnt="4"/>
+      <dgm:spPr/>
+    </dgm:pt>
+    <dgm:pt modelId="{C82B0A04-CE18-BE4F-8943-D19A31F9001A}" type="pres">
+      <dgm:prSet presAssocID="{A64CA95A-B163-494D-BB51-8C81C9CA8876}" presName="horz1" presStyleCnt="0"/>
+      <dgm:spPr/>
+    </dgm:pt>
+    <dgm:pt modelId="{359774E1-6998-2A42-87A3-1B25788657A9}" type="pres">
+      <dgm:prSet presAssocID="{A64CA95A-B163-494D-BB51-8C81C9CA8876}" presName="tx1" presStyleLbl="revTx" presStyleIdx="3" presStyleCnt="4"/>
+      <dgm:spPr/>
+    </dgm:pt>
+    <dgm:pt modelId="{753D3DE8-7D3F-C74A-8DFB-59CBCCB645A6}" type="pres">
+      <dgm:prSet presAssocID="{A64CA95A-B163-494D-BB51-8C81C9CA8876}" presName="vert1" presStyleCnt="0"/>
+      <dgm:spPr/>
+    </dgm:pt>
+  </dgm:ptLst>
+  <dgm:cxnLst>
+    <dgm:cxn modelId="{30F9211D-743A-4155-B523-524E3717E963}" srcId="{795EFD4A-4B73-4D8C-9D16-8C7551D54637}" destId="{A64CA95A-B163-494D-BB51-8C81C9CA8876}" srcOrd="3" destOrd="0" parTransId="{FC86C2F1-C6F5-41FD-8DD0-33201362AEC1}" sibTransId="{0A25E750-5B39-4105-801F-2ACAADF2C2C6}"/>
+    <dgm:cxn modelId="{07FB0B4C-37F7-A84E-A908-3C2823DFCE23}" type="presOf" srcId="{A0D5A0AC-5003-4B6B-BEE0-4723AA9A1392}" destId="{80849DBD-847C-BD43-9006-DF8DEB1EDB9F}" srcOrd="0" destOrd="0" presId="urn:microsoft.com/office/officeart/2008/layout/LinedList"/>
+    <dgm:cxn modelId="{A000F854-750E-1A4A-AF0D-7B3F78E78126}" type="presOf" srcId="{67F83F13-CC53-8047-A3B8-496876777562}" destId="{06EBB556-6006-B54F-8864-88B8E4C71AC9}" srcOrd="0" destOrd="0" presId="urn:microsoft.com/office/officeart/2008/layout/LinedList"/>
+    <dgm:cxn modelId="{4643DA81-266B-492F-BF19-4D4475C83327}" srcId="{795EFD4A-4B73-4D8C-9D16-8C7551D54637}" destId="{CBE8B26D-D7D6-42B9-BEFF-1D5EC730AD69}" srcOrd="2" destOrd="0" parTransId="{9927CF95-F542-423A-91D8-5E51F0CA73EC}" sibTransId="{04AD4244-DD25-4F7F-A2D6-2112A142EE89}"/>
+    <dgm:cxn modelId="{8A0DDA88-FDAE-A240-AF88-BE22BBB377E6}" type="presOf" srcId="{A64CA95A-B163-494D-BB51-8C81C9CA8876}" destId="{359774E1-6998-2A42-87A3-1B25788657A9}" srcOrd="0" destOrd="0" presId="urn:microsoft.com/office/officeart/2008/layout/LinedList"/>
+    <dgm:cxn modelId="{3E4A45AB-4C00-AA4C-AE32-FB93C8F31027}" srcId="{795EFD4A-4B73-4D8C-9D16-8C7551D54637}" destId="{67F83F13-CC53-8047-A3B8-496876777562}" srcOrd="1" destOrd="0" parTransId="{4F9B4416-E041-5C48-B2EB-C844AF9ECB5E}" sibTransId="{FB452187-8F32-4F4F-97F9-4B104CF6D6DA}"/>
+    <dgm:cxn modelId="{F644D3AE-80A0-9949-A5A9-4A32E424E431}" type="presOf" srcId="{CBE8B26D-D7D6-42B9-BEFF-1D5EC730AD69}" destId="{1C6119A7-69DD-8C48-9605-764CB3B930EC}" srcOrd="0" destOrd="0" presId="urn:microsoft.com/office/officeart/2008/layout/LinedList"/>
+    <dgm:cxn modelId="{218951AF-2285-41A6-8F7E-3F3416B1E395}" srcId="{795EFD4A-4B73-4D8C-9D16-8C7551D54637}" destId="{A0D5A0AC-5003-4B6B-BEE0-4723AA9A1392}" srcOrd="0" destOrd="0" parTransId="{D79978C8-9B4C-46AD-9A7C-ADE780003990}" sibTransId="{CE597798-97D6-4DB0-95AF-5FCDDB83067A}"/>
+    <dgm:cxn modelId="{181502E7-0E84-9F46-A315-D1C99EDF7E2A}" type="presOf" srcId="{795EFD4A-4B73-4D8C-9D16-8C7551D54637}" destId="{2F504628-A718-F84E-881B-B71E7298063B}" srcOrd="0" destOrd="0" presId="urn:microsoft.com/office/officeart/2008/layout/LinedList"/>
+    <dgm:cxn modelId="{FBC32D0B-E617-6844-B300-DCC650295E33}" type="presParOf" srcId="{2F504628-A718-F84E-881B-B71E7298063B}" destId="{868556DC-06A3-9445-9C30-97F19ECDD01E}" srcOrd="0" destOrd="0" presId="urn:microsoft.com/office/officeart/2008/layout/LinedList"/>
+    <dgm:cxn modelId="{F05F209A-198E-874E-B8EA-E2537A5C2D87}" type="presParOf" srcId="{2F504628-A718-F84E-881B-B71E7298063B}" destId="{38F7FD5B-BF93-6E4A-9446-D996512893C6}" srcOrd="1" destOrd="0" presId="urn:microsoft.com/office/officeart/2008/layout/LinedList"/>
+    <dgm:cxn modelId="{061160CA-E504-084A-8587-C402986D5423}" type="presParOf" srcId="{38F7FD5B-BF93-6E4A-9446-D996512893C6}" destId="{80849DBD-847C-BD43-9006-DF8DEB1EDB9F}" srcOrd="0" destOrd="0" presId="urn:microsoft.com/office/officeart/2008/layout/LinedList"/>
+    <dgm:cxn modelId="{7CF1DDEB-7EE7-5A48-8D61-66EAD2569B23}" type="presParOf" srcId="{38F7FD5B-BF93-6E4A-9446-D996512893C6}" destId="{68491F8F-EE03-514E-88C2-929940C0C665}" srcOrd="1" destOrd="0" presId="urn:microsoft.com/office/officeart/2008/layout/LinedList"/>
+    <dgm:cxn modelId="{12EC8CF6-DD15-8C4F-B090-6C0EAFB23B87}" type="presParOf" srcId="{2F504628-A718-F84E-881B-B71E7298063B}" destId="{41DC5851-C023-DF4A-8916-6742611B8F5B}" srcOrd="2" destOrd="0" presId="urn:microsoft.com/office/officeart/2008/layout/LinedList"/>
+    <dgm:cxn modelId="{BE07A383-8E3E-F64A-8B93-DFE26D11571B}" type="presParOf" srcId="{2F504628-A718-F84E-881B-B71E7298063B}" destId="{B350BEAB-85D1-BF45-9FDA-4E0F7ACD4CD7}" srcOrd="3" destOrd="0" presId="urn:microsoft.com/office/officeart/2008/layout/LinedList"/>
+    <dgm:cxn modelId="{4DF17E40-108A-B24D-9AF9-15927640A70F}" type="presParOf" srcId="{B350BEAB-85D1-BF45-9FDA-4E0F7ACD4CD7}" destId="{06EBB556-6006-B54F-8864-88B8E4C71AC9}" srcOrd="0" destOrd="0" presId="urn:microsoft.com/office/officeart/2008/layout/LinedList"/>
+    <dgm:cxn modelId="{64680341-D352-AC45-B33A-51AFC45ED425}" type="presParOf" srcId="{B350BEAB-85D1-BF45-9FDA-4E0F7ACD4CD7}" destId="{02E6AF72-B869-4D4A-B167-87D0ADF6CC22}" srcOrd="1" destOrd="0" presId="urn:microsoft.com/office/officeart/2008/layout/LinedList"/>
+    <dgm:cxn modelId="{6905C30C-E5D9-F441-865A-F794B6AA8AEE}" type="presParOf" srcId="{2F504628-A718-F84E-881B-B71E7298063B}" destId="{5EA01E13-A24A-FE47-9FCE-C5D0CE911E64}" srcOrd="4" destOrd="0" presId="urn:microsoft.com/office/officeart/2008/layout/LinedList"/>
+    <dgm:cxn modelId="{1220A10B-0447-BA4F-804D-3E802BF6E7EE}" type="presParOf" srcId="{2F504628-A718-F84E-881B-B71E7298063B}" destId="{CF250DA3-874F-374A-930D-354585AAC490}" srcOrd="5" destOrd="0" presId="urn:microsoft.com/office/officeart/2008/layout/LinedList"/>
+    <dgm:cxn modelId="{6CF5DC51-4432-0541-861D-EA7B611FAF7B}" type="presParOf" srcId="{CF250DA3-874F-374A-930D-354585AAC490}" destId="{1C6119A7-69DD-8C48-9605-764CB3B930EC}" srcOrd="0" destOrd="0" presId="urn:microsoft.com/office/officeart/2008/layout/LinedList"/>
+    <dgm:cxn modelId="{75310DEE-FB27-E44B-A768-1EE0196765B5}" type="presParOf" srcId="{CF250DA3-874F-374A-930D-354585AAC490}" destId="{5D4E9110-5FF0-8B4B-BB96-2819E9D1513A}" srcOrd="1" destOrd="0" presId="urn:microsoft.com/office/officeart/2008/layout/LinedList"/>
+    <dgm:cxn modelId="{978ED352-B1EF-7247-A6DF-C2715E503E3E}" type="presParOf" srcId="{2F504628-A718-F84E-881B-B71E7298063B}" destId="{C3D0C47B-8E65-694C-B487-42B914057D3B}" srcOrd="6" destOrd="0" presId="urn:microsoft.com/office/officeart/2008/layout/LinedList"/>
+    <dgm:cxn modelId="{95009919-5DC7-9E4F-A882-13590BCD8633}" type="presParOf" srcId="{2F504628-A718-F84E-881B-B71E7298063B}" destId="{C82B0A04-CE18-BE4F-8943-D19A31F9001A}" srcOrd="7" destOrd="0" presId="urn:microsoft.com/office/officeart/2008/layout/LinedList"/>
+    <dgm:cxn modelId="{A1E04E83-9E78-AB49-83C8-78E0C8D1F7B4}" type="presParOf" srcId="{C82B0A04-CE18-BE4F-8943-D19A31F9001A}" destId="{359774E1-6998-2A42-87A3-1B25788657A9}" srcOrd="0" destOrd="0" presId="urn:microsoft.com/office/officeart/2008/layout/LinedList"/>
+    <dgm:cxn modelId="{08DC21C0-8537-1949-A71F-82C206089888}" type="presParOf" srcId="{C82B0A04-CE18-BE4F-8943-D19A31F9001A}" destId="{753D3DE8-7D3F-C74A-8DFB-59CBCCB645A6}" srcOrd="1" destOrd="0" presId="urn:microsoft.com/office/officeart/2008/layout/LinedList"/>
+  </dgm:cxnLst>
+  <dgm:bg/>
+  <dgm:whole/>
+  <dgm:extLst>
+    <a:ext uri="http://schemas.microsoft.com/office/drawing/2008/diagram">
+      <dsp:dataModelExt xmlns:dsp="http://schemas.microsoft.com/office/drawing/2008/diagram" relId="rId6" minVer="http://schemas.openxmlformats.org/drawingml/2006/diagram"/>
+    </a:ext>
+  </dgm:extLst>
+</dgm:dataModel>
+</file>
+
+<file path=ppt/diagrams/drawing1.xml><?xml version="1.0" encoding="utf-8"?>
+<dsp:drawing xmlns:dgm="http://schemas.openxmlformats.org/drawingml/2006/diagram" xmlns:dsp="http://schemas.microsoft.com/office/drawing/2008/diagram" xmlns:a="http://schemas.openxmlformats.org/drawingml/2006/main">
+  <dsp:spTree>
+    <dsp:nvGrpSpPr>
+      <dsp:cNvPr id="0" name=""/>
+      <dsp:cNvGrpSpPr/>
+    </dsp:nvGrpSpPr>
+    <dsp:grpSpPr/>
+    <dsp:sp modelId="{868556DC-06A3-9445-9C30-97F19ECDD01E}">
+      <dsp:nvSpPr>
+        <dsp:cNvPr id="0" name=""/>
+        <dsp:cNvSpPr/>
+      </dsp:nvSpPr>
+      <dsp:spPr>
+        <a:xfrm>
+          <a:off x="0" y="0"/>
+          <a:ext cx="6492875" cy="0"/>
+        </a:xfrm>
+        <a:prstGeom prst="line">
+          <a:avLst/>
+        </a:prstGeom>
+        <a:solidFill>
+          <a:schemeClr val="accent2">
+            <a:hueOff val="0"/>
+            <a:satOff val="0"/>
+            <a:lumOff val="0"/>
+            <a:alphaOff val="0"/>
+          </a:schemeClr>
+        </a:solidFill>
+        <a:ln w="12700" cap="flat" cmpd="sng" algn="ctr">
+          <a:solidFill>
+            <a:schemeClr val="accent2">
+              <a:hueOff val="0"/>
+              <a:satOff val="0"/>
+              <a:lumOff val="0"/>
+              <a:alphaOff val="0"/>
+            </a:schemeClr>
+          </a:solidFill>
+          <a:prstDash val="solid"/>
+          <a:miter lim="800000"/>
+        </a:ln>
+        <a:effectLst/>
+      </dsp:spPr>
+      <dsp:style>
+        <a:lnRef idx="2">
+          <a:scrgbClr r="0" g="0" b="0"/>
+        </a:lnRef>
+        <a:fillRef idx="1">
+          <a:scrgbClr r="0" g="0" b="0"/>
+        </a:fillRef>
+        <a:effectRef idx="0">
+          <a:scrgbClr r="0" g="0" b="0"/>
+        </a:effectRef>
+        <a:fontRef idx="minor">
+          <a:schemeClr val="lt1"/>
+        </a:fontRef>
+      </dsp:style>
+    </dsp:sp>
+    <dsp:sp modelId="{80849DBD-847C-BD43-9006-DF8DEB1EDB9F}">
+      <dsp:nvSpPr>
+        <dsp:cNvPr id="0" name=""/>
+        <dsp:cNvSpPr/>
+      </dsp:nvSpPr>
+      <dsp:spPr>
+        <a:xfrm>
+          <a:off x="0" y="0"/>
+          <a:ext cx="6492875" cy="1276350"/>
+        </a:xfrm>
+        <a:prstGeom prst="rect">
+          <a:avLst/>
+        </a:prstGeom>
+        <a:noFill/>
+        <a:ln>
+          <a:noFill/>
+        </a:ln>
+        <a:effectLst/>
+      </dsp:spPr>
+      <dsp:style>
+        <a:lnRef idx="0">
+          <a:scrgbClr r="0" g="0" b="0"/>
+        </a:lnRef>
+        <a:fillRef idx="0">
+          <a:scrgbClr r="0" g="0" b="0"/>
+        </a:fillRef>
+        <a:effectRef idx="0">
+          <a:scrgbClr r="0" g="0" b="0"/>
+        </a:effectRef>
+        <a:fontRef idx="minor"/>
+      </dsp:style>
+      <dsp:txBody>
+        <a:bodyPr spcFirstLastPara="0" vert="horz" wrap="square" lIns="118110" tIns="118110" rIns="118110" bIns="118110" numCol="1" spcCol="1270" anchor="t" anchorCtr="0">
+          <a:noAutofit/>
+        </a:bodyPr>
+        <a:lstStyle/>
+        <a:p>
+          <a:pPr marL="0" lvl="0" indent="0" algn="l" defTabSz="1377950">
+            <a:lnSpc>
+              <a:spcPct val="100000"/>
+            </a:lnSpc>
+            <a:spcBef>
+              <a:spcPct val="0"/>
+            </a:spcBef>
+            <a:spcAft>
+              <a:spcPct val="35000"/>
+            </a:spcAft>
+            <a:buNone/>
+          </a:pPr>
+          <a:r>
+            <a:rPr lang="en-US" sz="3100" kern="1200"/>
+            <a:t>PyPDF2 is a pure-python library to work with PDF files.</a:t>
+          </a:r>
+        </a:p>
+      </dsp:txBody>
+      <dsp:txXfrm>
+        <a:off x="0" y="0"/>
+        <a:ext cx="6492875" cy="1276350"/>
+      </dsp:txXfrm>
+    </dsp:sp>
+    <dsp:sp modelId="{41DC5851-C023-DF4A-8916-6742611B8F5B}">
+      <dsp:nvSpPr>
+        <dsp:cNvPr id="0" name=""/>
+        <dsp:cNvSpPr/>
+      </dsp:nvSpPr>
+      <dsp:spPr>
+        <a:xfrm>
+          <a:off x="0" y="1276350"/>
+          <a:ext cx="6492875" cy="0"/>
+        </a:xfrm>
+        <a:prstGeom prst="line">
+          <a:avLst/>
+        </a:prstGeom>
+        <a:solidFill>
+          <a:schemeClr val="accent2">
+            <a:hueOff val="-485121"/>
+            <a:satOff val="-27976"/>
+            <a:lumOff val="2876"/>
+            <a:alphaOff val="0"/>
+          </a:schemeClr>
+        </a:solidFill>
+        <a:ln w="12700" cap="flat" cmpd="sng" algn="ctr">
+          <a:solidFill>
+            <a:schemeClr val="accent2">
+              <a:hueOff val="-485121"/>
+              <a:satOff val="-27976"/>
+              <a:lumOff val="2876"/>
+              <a:alphaOff val="0"/>
+            </a:schemeClr>
+          </a:solidFill>
+          <a:prstDash val="solid"/>
+          <a:miter lim="800000"/>
+        </a:ln>
+        <a:effectLst/>
+      </dsp:spPr>
+      <dsp:style>
+        <a:lnRef idx="2">
+          <a:scrgbClr r="0" g="0" b="0"/>
+        </a:lnRef>
+        <a:fillRef idx="1">
+          <a:scrgbClr r="0" g="0" b="0"/>
+        </a:fillRef>
+        <a:effectRef idx="0">
+          <a:scrgbClr r="0" g="0" b="0"/>
+        </a:effectRef>
+        <a:fontRef idx="minor">
+          <a:schemeClr val="lt1"/>
+        </a:fontRef>
+      </dsp:style>
+    </dsp:sp>
+    <dsp:sp modelId="{06EBB556-6006-B54F-8864-88B8E4C71AC9}">
+      <dsp:nvSpPr>
+        <dsp:cNvPr id="0" name=""/>
+        <dsp:cNvSpPr/>
+      </dsp:nvSpPr>
+      <dsp:spPr>
+        <a:xfrm>
+          <a:off x="0" y="1276350"/>
+          <a:ext cx="6492875" cy="1276350"/>
+        </a:xfrm>
+        <a:prstGeom prst="rect">
+          <a:avLst/>
+        </a:prstGeom>
+        <a:noFill/>
+        <a:ln>
+          <a:noFill/>
+        </a:ln>
+        <a:effectLst/>
+      </dsp:spPr>
+      <dsp:style>
+        <a:lnRef idx="0">
+          <a:scrgbClr r="0" g="0" b="0"/>
+        </a:lnRef>
+        <a:fillRef idx="0">
+          <a:scrgbClr r="0" g="0" b="0"/>
+        </a:fillRef>
+        <a:effectRef idx="0">
+          <a:scrgbClr r="0" g="0" b="0"/>
+        </a:effectRef>
+        <a:fontRef idx="minor"/>
+      </dsp:style>
+      <dsp:txBody>
+        <a:bodyPr spcFirstLastPara="0" vert="horz" wrap="square" lIns="118110" tIns="118110" rIns="118110" bIns="118110" numCol="1" spcCol="1270" anchor="t" anchorCtr="0">
+          <a:noAutofit/>
+        </a:bodyPr>
+        <a:lstStyle/>
+        <a:p>
+          <a:pPr marL="0" lvl="0" indent="0" algn="l" defTabSz="1377950">
+            <a:lnSpc>
+              <a:spcPct val="100000"/>
+            </a:lnSpc>
+            <a:spcBef>
+              <a:spcPct val="0"/>
+            </a:spcBef>
+            <a:spcAft>
+              <a:spcPct val="35000"/>
+            </a:spcAft>
+            <a:buNone/>
+          </a:pPr>
+          <a:r>
+            <a:rPr lang="en-GB" sz="3100" b="0" i="0" kern="1200" dirty="0"/>
+            <a:t>It allows you to read, write, and manipulate PDF documents in Python.</a:t>
+          </a:r>
+          <a:endParaRPr lang="en-US" sz="3100" kern="1200" dirty="0"/>
+        </a:p>
+      </dsp:txBody>
+      <dsp:txXfrm>
+        <a:off x="0" y="1276350"/>
+        <a:ext cx="6492875" cy="1276350"/>
+      </dsp:txXfrm>
+    </dsp:sp>
+    <dsp:sp modelId="{5EA01E13-A24A-FE47-9FCE-C5D0CE911E64}">
+      <dsp:nvSpPr>
+        <dsp:cNvPr id="0" name=""/>
+        <dsp:cNvSpPr/>
+      </dsp:nvSpPr>
+      <dsp:spPr>
+        <a:xfrm>
+          <a:off x="0" y="2552700"/>
+          <a:ext cx="6492875" cy="0"/>
+        </a:xfrm>
+        <a:prstGeom prst="line">
+          <a:avLst/>
+        </a:prstGeom>
+        <a:solidFill>
+          <a:schemeClr val="accent2">
+            <a:hueOff val="-970242"/>
+            <a:satOff val="-55952"/>
+            <a:lumOff val="5752"/>
+            <a:alphaOff val="0"/>
+          </a:schemeClr>
+        </a:solidFill>
+        <a:ln w="12700" cap="flat" cmpd="sng" algn="ctr">
+          <a:solidFill>
+            <a:schemeClr val="accent2">
+              <a:hueOff val="-970242"/>
+              <a:satOff val="-55952"/>
+              <a:lumOff val="5752"/>
+              <a:alphaOff val="0"/>
+            </a:schemeClr>
+          </a:solidFill>
+          <a:prstDash val="solid"/>
+          <a:miter lim="800000"/>
+        </a:ln>
+        <a:effectLst/>
+      </dsp:spPr>
+      <dsp:style>
+        <a:lnRef idx="2">
+          <a:scrgbClr r="0" g="0" b="0"/>
+        </a:lnRef>
+        <a:fillRef idx="1">
+          <a:scrgbClr r="0" g="0" b="0"/>
+        </a:fillRef>
+        <a:effectRef idx="0">
+          <a:scrgbClr r="0" g="0" b="0"/>
+        </a:effectRef>
+        <a:fontRef idx="minor">
+          <a:schemeClr val="lt1"/>
+        </a:fontRef>
+      </dsp:style>
+    </dsp:sp>
+    <dsp:sp modelId="{1C6119A7-69DD-8C48-9605-764CB3B930EC}">
+      <dsp:nvSpPr>
+        <dsp:cNvPr id="0" name=""/>
+        <dsp:cNvSpPr/>
+      </dsp:nvSpPr>
+      <dsp:spPr>
+        <a:xfrm>
+          <a:off x="0" y="2552700"/>
+          <a:ext cx="6492875" cy="1276350"/>
+        </a:xfrm>
+        <a:prstGeom prst="rect">
+          <a:avLst/>
+        </a:prstGeom>
+        <a:noFill/>
+        <a:ln>
+          <a:noFill/>
+        </a:ln>
+        <a:effectLst/>
+      </dsp:spPr>
+      <dsp:style>
+        <a:lnRef idx="0">
+          <a:scrgbClr r="0" g="0" b="0"/>
+        </a:lnRef>
+        <a:fillRef idx="0">
+          <a:scrgbClr r="0" g="0" b="0"/>
+        </a:fillRef>
+        <a:effectRef idx="0">
+          <a:scrgbClr r="0" g="0" b="0"/>
+        </a:effectRef>
+        <a:fontRef idx="minor"/>
+      </dsp:style>
+      <dsp:txBody>
+        <a:bodyPr spcFirstLastPara="0" vert="horz" wrap="square" lIns="118110" tIns="118110" rIns="118110" bIns="118110" numCol="1" spcCol="1270" anchor="t" anchorCtr="0">
+          <a:noAutofit/>
+        </a:bodyPr>
+        <a:lstStyle/>
+        <a:p>
+          <a:pPr marL="0" lvl="0" indent="0" algn="l" defTabSz="1377950">
+            <a:lnSpc>
+              <a:spcPct val="100000"/>
+            </a:lnSpc>
+            <a:spcBef>
+              <a:spcPct val="0"/>
+            </a:spcBef>
+            <a:spcAft>
+              <a:spcPct val="35000"/>
+            </a:spcAft>
+            <a:buNone/>
+          </a:pPr>
+          <a:r>
+            <a:rPr lang="en-US" sz="3100" kern="1200" dirty="0"/>
+            <a:t>We can use the PyPDF2 module to work with the existing PDF files.</a:t>
+          </a:r>
+        </a:p>
+      </dsp:txBody>
+      <dsp:txXfrm>
+        <a:off x="0" y="2552700"/>
+        <a:ext cx="6492875" cy="1276350"/>
+      </dsp:txXfrm>
+    </dsp:sp>
+    <dsp:sp modelId="{C3D0C47B-8E65-694C-B487-42B914057D3B}">
+      <dsp:nvSpPr>
+        <dsp:cNvPr id="0" name=""/>
+        <dsp:cNvSpPr/>
+      </dsp:nvSpPr>
+      <dsp:spPr>
+        <a:xfrm>
+          <a:off x="0" y="3829050"/>
+          <a:ext cx="6492875" cy="0"/>
+        </a:xfrm>
+        <a:prstGeom prst="line">
+          <a:avLst/>
+        </a:prstGeom>
+        <a:solidFill>
+          <a:schemeClr val="accent2">
+            <a:hueOff val="-1455363"/>
+            <a:satOff val="-83928"/>
+            <a:lumOff val="8628"/>
+            <a:alphaOff val="0"/>
+          </a:schemeClr>
+        </a:solidFill>
+        <a:ln w="12700" cap="flat" cmpd="sng" algn="ctr">
+          <a:solidFill>
+            <a:schemeClr val="accent2">
+              <a:hueOff val="-1455363"/>
+              <a:satOff val="-83928"/>
+              <a:lumOff val="8628"/>
+              <a:alphaOff val="0"/>
+            </a:schemeClr>
+          </a:solidFill>
+          <a:prstDash val="solid"/>
+          <a:miter lim="800000"/>
+        </a:ln>
+        <a:effectLst/>
+      </dsp:spPr>
+      <dsp:style>
+        <a:lnRef idx="2">
+          <a:scrgbClr r="0" g="0" b="0"/>
+        </a:lnRef>
+        <a:fillRef idx="1">
+          <a:scrgbClr r="0" g="0" b="0"/>
+        </a:fillRef>
+        <a:effectRef idx="0">
+          <a:scrgbClr r="0" g="0" b="0"/>
+        </a:effectRef>
+        <a:fontRef idx="minor">
+          <a:schemeClr val="lt1"/>
+        </a:fontRef>
+      </dsp:style>
+    </dsp:sp>
+    <dsp:sp modelId="{359774E1-6998-2A42-87A3-1B25788657A9}">
+      <dsp:nvSpPr>
+        <dsp:cNvPr id="0" name=""/>
+        <dsp:cNvSpPr/>
+      </dsp:nvSpPr>
+      <dsp:spPr>
+        <a:xfrm>
+          <a:off x="0" y="3829050"/>
+          <a:ext cx="6492875" cy="1276350"/>
+        </a:xfrm>
+        <a:prstGeom prst="rect">
+          <a:avLst/>
+        </a:prstGeom>
+        <a:noFill/>
+        <a:ln>
+          <a:noFill/>
+        </a:ln>
+        <a:effectLst/>
+      </dsp:spPr>
+      <dsp:style>
+        <a:lnRef idx="0">
+          <a:scrgbClr r="0" g="0" b="0"/>
+        </a:lnRef>
+        <a:fillRef idx="0">
+          <a:scrgbClr r="0" g="0" b="0"/>
+        </a:fillRef>
+        <a:effectRef idx="0">
+          <a:scrgbClr r="0" g="0" b="0"/>
+        </a:effectRef>
+        <a:fontRef idx="minor"/>
+      </dsp:style>
+      <dsp:txBody>
+        <a:bodyPr spcFirstLastPara="0" vert="horz" wrap="square" lIns="118110" tIns="118110" rIns="118110" bIns="118110" numCol="1" spcCol="1270" anchor="t" anchorCtr="0">
+          <a:noAutofit/>
+        </a:bodyPr>
+        <a:lstStyle/>
+        <a:p>
+          <a:pPr marL="0" lvl="0" indent="0" algn="l" defTabSz="1377950">
+            <a:lnSpc>
+              <a:spcPct val="100000"/>
+            </a:lnSpc>
+            <a:spcBef>
+              <a:spcPct val="0"/>
+            </a:spcBef>
+            <a:spcAft>
+              <a:spcPct val="35000"/>
+            </a:spcAft>
+            <a:buNone/>
+          </a:pPr>
+          <a:r>
+            <a:rPr lang="en-US" sz="3100" kern="1200" dirty="0"/>
+            <a:t>We can’t create a new PDF file using this module.</a:t>
+          </a:r>
+        </a:p>
+      </dsp:txBody>
+      <dsp:txXfrm>
+        <a:off x="0" y="3829050"/>
+        <a:ext cx="6492875" cy="1276350"/>
+      </dsp:txXfrm>
+    </dsp:sp>
+  </dsp:spTree>
+</dsp:drawing>
+</file>
+
+<file path=ppt/diagrams/layout1.xml><?xml version="1.0" encoding="utf-8"?>
+<dgm:layoutDef xmlns:dgm="http://schemas.openxmlformats.org/drawingml/2006/diagram" xmlns:a="http://schemas.openxmlformats.org/drawingml/2006/main" uniqueId="urn:microsoft.com/office/officeart/2008/layout/LinedList">
+  <dgm:title val=""/>
+  <dgm:desc val=""/>
+  <dgm:catLst>
+    <dgm:cat type="hierarchy" pri="8000"/>
+    <dgm:cat type="list" pri="2500"/>
+  </dgm:catLst>
+  <dgm:sampData>
+    <dgm:dataModel>
+      <dgm:ptLst>
+        <dgm:pt modelId="0" type="doc"/>
+        <dgm:pt modelId="1">
+          <dgm:prSet phldr="1"/>
+        </dgm:pt>
+        <dgm:pt modelId="11">
+          <dgm:prSet phldr="1"/>
+        </dgm:pt>
+        <dgm:pt modelId="12">
+          <dgm:prSet phldr="1"/>
+        </dgm:pt>
+        <dgm:pt modelId="13">
+          <dgm:prSet phldr="1"/>
+        </dgm:pt>
+      </dgm:ptLst>
+      <dgm:cxnLst>
+        <dgm:cxn modelId="2" srcId="0" destId="1" srcOrd="0" destOrd="0"/>
+        <dgm:cxn modelId="3" srcId="1" destId="11" srcOrd="0" destOrd="0"/>
+        <dgm:cxn modelId="4" srcId="1" destId="12" srcOrd="1" destOrd="0"/>
+        <dgm:cxn modelId="5" srcId="1" destId="13" srcOrd="2" destOrd="0"/>
+      </dgm:cxnLst>
+      <dgm:bg/>
+      <dgm:whole/>
+    </dgm:dataModel>
+  </dgm:sampData>
+  <dgm:styleData>
+    <dgm:dataModel>
+      <dgm:ptLst>
+        <dgm:pt modelId="0" type="doc"/>
+        <dgm:pt modelId="1">
+          <dgm:prSet phldr="1"/>
+        </dgm:pt>
+        <dgm:pt modelId="11">
+          <dgm:prSet phldr="1"/>
+        </dgm:pt>
+        <dgm:pt modelId="12">
+          <dgm:prSet phldr="1"/>
+        </dgm:pt>
+      </dgm:ptLst>
+      <dgm:cxnLst>
+        <dgm:cxn modelId="2" srcId="0" destId="1" srcOrd="0" destOrd="0"/>
+        <dgm:cxn modelId="3" srcId="1" destId="11" srcOrd="0" destOrd="0"/>
+        <dgm:cxn modelId="4" srcId="1" destId="12" srcOrd="1" destOrd="0"/>
+      </dgm:cxnLst>
+      <dgm:bg/>
+      <dgm:whole/>
+    </dgm:dataModel>
+  </dgm:styleData>
+  <dgm:clrData>
+    <dgm:dataModel>
+      <dgm:ptLst>
+        <dgm:pt modelId="0" type="doc"/>
+        <dgm:pt modelId="1">
+          <dgm:prSet phldr="1"/>
+        </dgm:pt>
+        <dgm:pt modelId="11">
+          <dgm:prSet phldr="1"/>
+        </dgm:pt>
+        <dgm:pt modelId="12">
+          <dgm:prSet phldr="1"/>
+        </dgm:pt>
+      </dgm:ptLst>
+      <dgm:cxnLst>
+        <dgm:cxn modelId="2" srcId="0" destId="1" srcOrd="0" destOrd="0"/>
+        <dgm:cxn modelId="3" srcId="1" destId="11" srcOrd="0" destOrd="0"/>
+        <dgm:cxn modelId="4" srcId="1" destId="12" srcOrd="1" destOrd="0"/>
+      </dgm:cxnLst>
+      <dgm:bg/>
+      <dgm:whole/>
+    </dgm:dataModel>
+  </dgm:clrData>
+  <dgm:layoutNode name="vert0">
+    <dgm:varLst>
+      <dgm:dir/>
+      <dgm:animOne val="branch"/>
+      <dgm:animLvl val="lvl"/>
+    </dgm:varLst>
+    <dgm:choose name="Name0">
+      <dgm:if name="Name1" func="var" arg="dir" op="equ" val="norm">
+        <dgm:alg type="lin">
+          <dgm:param type="linDir" val="fromT"/>
+          <dgm:param type="nodeHorzAlign" val="l"/>
+        </dgm:alg>
+      </dgm:if>
+      <dgm:else name="Name2">
+        <dgm:alg type="lin">
+          <dgm:param type="linDir" val="fromT"/>
+          <dgm:param type="nodeHorzAlign" val="r"/>
+        </dgm:alg>
+      </dgm:else>
+    </dgm:choose>
+    <dgm:shape xmlns:r="http://schemas.openxmlformats.org/officeDocument/2006/relationships" r:blip="">
+      <dgm:adjLst/>
+    </dgm:shape>
+    <dgm:presOf/>
+    <dgm:constrLst>
+      <dgm:constr type="w" for="ch" forName="horz1" refType="w"/>
+      <dgm:constr type="h" for="ch" forName="horz1" refType="h"/>
+      <dgm:constr type="h" for="des" forName="vert1" refType="h"/>
+      <dgm:constr type="h" for="des" forName="tx1" refType="h"/>
+      <dgm:constr type="h" for="des" forName="horz2" refType="h"/>
+      <dgm:constr type="h" for="des" forName="vert2" refType="h"/>
+      <dgm:constr type="h" for="des" forName="horz3" refType="h"/>
+      <dgm:constr type="h" for="des" forName="vert3" refType="h"/>
+      <dgm:constr type="h" for="des" forName="horz4" refType="h"/>
+      <dgm:constr type="h" for="des" ptType="node" refType="h"/>
+      <dgm:constr type="primFontSz" for="des" forName="tx1" op="equ" val="65"/>
+      <dgm:constr type="primFontSz" for="des" forName="tx2" op="equ" val="65"/>
+      <dgm:constr type="primFontSz" for="des" forName="tx3" op="equ" val="65"/>
+      <dgm:constr type="primFontSz" for="des" forName="tx4" op="equ" val="65"/>
+      <dgm:constr type="w" for="des" forName="thickLine" refType="w"/>
+      <dgm:constr type="h" for="des" forName="thickLine"/>
+      <dgm:constr type="h" for="des" forName="thinLine1"/>
+      <dgm:constr type="h" for="des" forName="thinLine2b"/>
+      <dgm:constr type="h" for="des" forName="thinLine3"/>
+      <dgm:constr type="h" for="des" forName="vertSpace2a" refType="h" fact="0.05"/>
+      <dgm:constr type="h" for="des" forName="vertSpace2b" refType="h" refFor="des" refForName="vertSpace2a"/>
+    </dgm:constrLst>
+    <dgm:forEach name="Name3" axis="ch" ptType="node">
+      <dgm:layoutNode name="thickLine" styleLbl="alignNode1">
+        <dgm:alg type="sp"/>
+        <dgm:shape xmlns:r="http://schemas.openxmlformats.org/officeDocument/2006/relationships" type="line" r:blip="">
+          <dgm:adjLst/>
+        </dgm:shape>
+        <dgm:presOf/>
+      </dgm:layoutNode>
+      <dgm:layoutNode name="horz1">
+        <dgm:choose name="Name4">
+          <dgm:if name="Name5" func="var" arg="dir" op="equ" val="norm">
+            <dgm:alg type="lin">
+              <dgm:param type="linDir" val="fromL"/>
+              <dgm:param type="nodeVertAlign" val="t"/>
+            </dgm:alg>
+          </dgm:if>
+          <dgm:else name="Name6">
+            <dgm:alg type="lin">
+              <dgm:param type="linDir" val="fromR"/>
+              <dgm:param type="nodeVertAlign" val="t"/>
+            </dgm:alg>
+          </dgm:else>
+        </dgm:choose>
+        <dgm:shape xmlns:r="http://schemas.openxmlformats.org/officeDocument/2006/relationships" r:blip="">
+          <dgm:adjLst/>
+        </dgm:shape>
+        <dgm:presOf/>
+        <dgm:choose name="Name7">
+          <dgm:if name="Name8" axis="root des" func="maxDepth" op="equ" val="1">
+            <dgm:constrLst>
+              <dgm:constr type="w" for="ch" forName="tx1" refType="w"/>
+            </dgm:constrLst>
+          </dgm:if>
+          <dgm:if name="Name9" axis="root des" func="maxDepth" op="equ" val="2">
+            <dgm:constrLst>
+              <dgm:constr type="w" for="ch" forName="tx1" refType="w" fact="0.2"/>
+              <dgm:constr type="w" for="des" forName="tx2" refType="w" fact="0.785"/>
+              <dgm:constr type="w" for="des" forName="horzSpace2" refType="w" fact="0.015"/>
+              <dgm:constr type="w" for="des" forName="thinLine2b" refType="w" fact="0.8"/>
+            </dgm:constrLst>
+          </dgm:if>
+          <dgm:if name="Name10" axis="root des" func="maxDepth" op="equ" val="3">
+            <dgm:constrLst>
+              <dgm:constr type="w" for="ch" forName="tx1" refType="w" fact="0.2"/>
+              <dgm:constr type="w" for="des" forName="tx2" refType="w" fact="0.385"/>
+              <dgm:constr type="w" for="des" forName="tx3" refType="w" fact="0.385"/>
+              <dgm:constr type="w" for="des" forName="horzSpace2" refType="w" fact="0.015"/>
+              <dgm:constr type="w" for="des" forName="horzSpace3" refType="w" fact="0.015"/>
+              <dgm:constr type="w" for="des" forName="thinLine2b" refType="w" fact="0.8"/>
+              <dgm:constr type="w" for="des" forName="thinLine3" refType="w" fact="0.385"/>
+            </dgm:constrLst>
+          </dgm:if>
+          <dgm:if name="Name11" axis="root des" func="maxDepth" op="gte" val="4">
+            <dgm:constrLst>
+              <dgm:constr type="w" for="ch" forName="tx1" refType="w" fact="0.2"/>
+              <dgm:constr type="w" for="des" forName="tx2" refType="w" fact="0.2516"/>
+              <dgm:constr type="w" for="des" forName="tx3" refType="w" fact="0.2516"/>
+              <dgm:constr type="w" for="des" forName="tx4" refType="w" fact="0.2516"/>
+              <dgm:constr type="w" for="des" forName="horzSpace2" refType="w" fact="0.015"/>
+              <dgm:constr type="w" for="des" forName="horzSpace3" refType="w" fact="0.015"/>
+              <dgm:constr type="w" for="des" forName="horzSpace4" refType="w" fact="0.015"/>
+              <dgm:constr type="w" for="des" forName="thinLine2b" refType="w" fact="0.8"/>
+              <dgm:constr type="w" for="des" forName="thinLine3" refType="w" fact="0.5332"/>
+            </dgm:constrLst>
+          </dgm:if>
+          <dgm:else name="Name12"/>
+        </dgm:choose>
+        <dgm:layoutNode name="tx1" styleLbl="revTx">
+          <dgm:alg type="tx">
+            <dgm:param type="parTxLTRAlign" val="l"/>
+            <dgm:param type="parTxRTLAlign" val="r"/>
+            <dgm:param type="txAnchorVert" val="t"/>
+          </dgm:alg>
+          <dgm:shape xmlns:r="http://schemas.openxmlformats.org/officeDocument/2006/relationships" type="rect" r:blip="">
+            <dgm:adjLst/>
+          </dgm:shape>
+          <dgm:presOf axis="self"/>
+          <dgm:constrLst>
+            <dgm:constr type="tMarg" refType="primFontSz" fact="0.3"/>
+            <dgm:constr type="bMarg" refType="primFontSz" fact="0.3"/>
+            <dgm:constr type="lMarg" refType="primFontSz" fact="0.3"/>
+            <dgm:constr type="rMarg" refType="primFontSz" fact="0.3"/>
+          </dgm:constrLst>
+          <dgm:ruleLst>
+            <dgm:rule type="primFontSz" val="5" fact="NaN" max="NaN"/>
+          </dgm:ruleLst>
+        </dgm:layoutNode>
+        <dgm:layoutNode name="vert1">
+          <dgm:choose name="Name13">
+            <dgm:if name="Name14" func="var" arg="dir" op="equ" val="norm">
+              <dgm:alg type="lin">
+                <dgm:param type="linDir" val="fromT"/>
+                <dgm:param type="nodeHorzAlign" val="l"/>
+              </dgm:alg>
+            </dgm:if>
+            <dgm:else name="Name15">
+              <dgm:alg type="lin">
+                <dgm:param type="linDir" val="fromT"/>
+                <dgm:param type="nodeHorzAlign" val="r"/>
+              </dgm:alg>
+            </dgm:else>
+          </dgm:choose>
+          <dgm:shape xmlns:r="http://schemas.openxmlformats.org/officeDocument/2006/relationships" r:blip="">
+            <dgm:adjLst/>
+          </dgm:shape>
+          <dgm:presOf/>
+          <dgm:forEach name="Name16" axis="ch" ptType="node">
+            <dgm:choose name="Name17">
+              <dgm:if name="Name18" axis="self" ptType="node" func="pos" op="equ" val="1">
+                <dgm:layoutNode name="vertSpace2a">
+                  <dgm:alg type="sp"/>
+                  <dgm:shape xmlns:r="http://schemas.openxmlformats.org/officeDocument/2006/relationships" r:blip="">
+                    <dgm:adjLst/>
+                  </dgm:shape>
+                  <dgm:presOf/>
+                </dgm:layoutNode>
+              </dgm:if>
+              <dgm:else name="Name19"/>
+            </dgm:choose>
+            <dgm:layoutNode name="horz2">
+              <dgm:choose name="Name20">
+                <dgm:if name="Name21" func="var" arg="dir" op="equ" val="norm">
+                  <dgm:alg type="lin">
+                    <dgm:param type="linDir" val="fromL"/>
+                    <dgm:param type="nodeVertAlign" val="t"/>
+                  </dgm:alg>
+                </dgm:if>
+                <dgm:else name="Name22">
+                  <dgm:alg type="lin">
+                    <dgm:param type="linDir" val="fromR"/>
+                    <dgm:param type="nodeVertAlign" val="t"/>
+                  </dgm:alg>
+                </dgm:else>
+              </dgm:choose>
+              <dgm:shape xmlns:r="http://schemas.openxmlformats.org/officeDocument/2006/relationships" r:blip="">
+                <dgm:adjLst/>
+              </dgm:shape>
+              <dgm:presOf/>
+              <dgm:layoutNode name="horzSpace2">
+                <dgm:alg type="sp"/>
+                <dgm:shape xmlns:r="http://schemas.openxmlformats.org/officeDocument/2006/relationships" r:blip="">
+                  <dgm:adjLst/>
+                </dgm:shape>
+                <dgm:presOf/>
+              </dgm:layoutNode>
+              <dgm:layoutNode name="tx2" styleLbl="revTx">
+                <dgm:alg type="tx">
+                  <dgm:param type="parTxLTRAlign" val="l"/>
+                  <dgm:param type="parTxRTLAlign" val="r"/>
+                  <dgm:param type="txAnchorVert" val="t"/>
+                </dgm:alg>
+                <dgm:shape xmlns:r="http://schemas.openxmlformats.org/officeDocument/2006/relationships" type="rect" r:blip="">
+                  <dgm:adjLst/>
+                </dgm:shape>
+                <dgm:presOf axis="self"/>
+                <dgm:constrLst>
+                  <dgm:constr type="tMarg" refType="primFontSz" fact="0.3"/>
+                  <dgm:constr type="bMarg" refType="primFontSz" fact="0.3"/>
+                  <dgm:constr type="lMarg" refType="primFontSz" fact="0.3"/>
+                  <dgm:constr type="rMarg" refType="primFontSz" fact="0.3"/>
+                </dgm:constrLst>
+                <dgm:ruleLst>
+                  <dgm:rule type="primFontSz" val="5" fact="NaN" max="NaN"/>
+                </dgm:ruleLst>
+              </dgm:layoutNode>
+              <dgm:layoutNode name="vert2">
+                <dgm:choose name="Name23">
+                  <dgm:if name="Name24" func="var" arg="dir" op="equ" val="norm">
+                    <dgm:alg type="lin">
+                      <dgm:param type="linDir" val="fromT"/>
+                      <dgm:param type="nodeHorzAlign" val="l"/>
+                    </dgm:alg>
+                  </dgm:if>
+                  <dgm:else name="Name25">
+                    <dgm:alg type="lin">
+                      <dgm:param type="linDir" val="fromT"/>
+                      <dgm:param type="nodeHorzAlign" val="r"/>
+                    </dgm:alg>
+                  </dgm:else>
+                </dgm:choose>
+                <dgm:shape xmlns:r="http://schemas.openxmlformats.org/officeDocument/2006/relationships" r:blip="">
+                  <dgm:adjLst/>
+                </dgm:shape>
+                <dgm:presOf/>
+                <dgm:forEach name="Name26" axis="ch" ptType="node">
+                  <dgm:layoutNode name="horz3">
+                    <dgm:choose name="Name27">
+                      <dgm:if name="Name28" func="var" arg="dir" op="equ" val="norm">
+                        <dgm:alg type="lin">
+                          <dgm:param type="linDir" val="fromL"/>
+                          <dgm:param type="nodeVertAlign" val="t"/>
+                        </dgm:alg>
+                      </dgm:if>
+                      <dgm:else name="Name29">
+                        <dgm:alg type="lin">
+                          <dgm:param type="linDir" val="fromR"/>
+                          <dgm:param type="nodeVertAlign" val="t"/>
+                        </dgm:alg>
+                      </dgm:else>
+                    </dgm:choose>
+                    <dgm:shape xmlns:r="http://schemas.openxmlformats.org/officeDocument/2006/relationships" r:blip="">
+                      <dgm:adjLst/>
+                    </dgm:shape>
+                    <dgm:presOf/>
+                    <dgm:layoutNode name="horzSpace3">
+                      <dgm:alg type="sp"/>
+                      <dgm:shape xmlns:r="http://schemas.openxmlformats.org/officeDocument/2006/relationships" r:blip="">
+                        <dgm:adjLst/>
+                      </dgm:shape>
+                      <dgm:presOf/>
+                    </dgm:layoutNode>
+                    <dgm:layoutNode name="tx3" styleLbl="revTx">
+                      <dgm:alg type="tx">
+                        <dgm:param type="parTxLTRAlign" val="l"/>
+                        <dgm:param type="parTxRTLAlign" val="r"/>
+                        <dgm:param type="txAnchorVert" val="t"/>
+                      </dgm:alg>
+                      <dgm:shape xmlns:r="http://schemas.openxmlformats.org/officeDocument/2006/relationships" type="rect" r:blip="">
+                        <dgm:adjLst/>
+                      </dgm:shape>
+                      <dgm:presOf axis="self"/>
+                      <dgm:constrLst>
+                        <dgm:constr type="tMarg" refType="primFontSz" fact="0.3"/>
+                        <dgm:constr type="bMarg" refType="primFontSz" fact="0.3"/>
+                        <dgm:constr type="lMarg" refType="primFontSz" fact="0.3"/>
+                        <dgm:constr type="rMarg" refType="primFontSz" fact="0.3"/>
+                      </dgm:constrLst>
+                      <dgm:ruleLst>
+                        <dgm:rule type="primFontSz" val="5" fact="NaN" max="NaN"/>
+                      </dgm:ruleLst>
+                    </dgm:layoutNode>
+                    <dgm:layoutNode name="vert3">
+                      <dgm:choose name="Name30">
+                        <dgm:if name="Name31" func="var" arg="dir" op="equ" val="norm">
+                          <dgm:alg type="lin">
+                            <dgm:param type="linDir" val="fromT"/>
+                            <dgm:param type="nodeHorzAlign" val="l"/>
+                          </dgm:alg>
+                        </dgm:if>
+                        <dgm:else name="Name32">
+                          <dgm:alg type="lin">
+                            <dgm:param type="linDir" val="fromT"/>
+                            <dgm:param type="nodeHorzAlign" val="r"/>
+                          </dgm:alg>
+                        </dgm:else>
+                      </dgm:choose>
+                      <dgm:shape xmlns:r="http://schemas.openxmlformats.org/officeDocument/2006/relationships" r:blip="">
+                        <dgm:adjLst/>
+                      </dgm:shape>
+                      <dgm:presOf/>
+                      <dgm:forEach name="Name33" axis="ch" ptType="node">
+                        <dgm:layoutNode name="horz4">
+                          <dgm:choose name="Name34">
+                            <dgm:if name="Name35" func="var" arg="dir" op="equ" val="norm">
+                              <dgm:alg type="lin">
+                                <dgm:param type="linDir" val="fromL"/>
+                                <dgm:param type="nodeVertAlign" val="t"/>
+                              </dgm:alg>
+                            </dgm:if>
+                            <dgm:else name="Name36">
+                              <dgm:alg type="lin">
+                                <dgm:param type="linDir" val="fromR"/>
+                                <dgm:param type="nodeVertAlign" val="t"/>
+                              </dgm:alg>
+                            </dgm:else>
+                          </dgm:choose>
+                          <dgm:shape xmlns:r="http://schemas.openxmlformats.org/officeDocument/2006/relationships" r:blip="">
+                            <dgm:adjLst/>
+                          </dgm:shape>
+                          <dgm:presOf/>
+                          <dgm:layoutNode name="horzSpace4">
+                            <dgm:alg type="sp"/>
+                            <dgm:shape xmlns:r="http://schemas.openxmlformats.org/officeDocument/2006/relationships" r:blip="">
+                              <dgm:adjLst/>
+                            </dgm:shape>
+                            <dgm:presOf/>
+                          </dgm:layoutNode>
+                          <dgm:layoutNode name="tx4" styleLbl="revTx">
+                            <dgm:varLst>
+                              <dgm:bulletEnabled val="1"/>
+                            </dgm:varLst>
+                            <dgm:alg type="tx">
+                              <dgm:param type="parTxLTRAlign" val="l"/>
+                              <dgm:param type="parTxRTLAlign" val="r"/>
+                              <dgm:param type="txAnchorVert" val="t"/>
+                            </dgm:alg>
+                            <dgm:shape xmlns:r="http://schemas.openxmlformats.org/officeDocument/2006/relationships" type="rect" r:blip="">
+                              <dgm:adjLst/>
+                            </dgm:shape>
+                            <dgm:presOf axis="desOrSelf" ptType="node"/>
+                            <dgm:constrLst>
+                              <dgm:constr type="tMarg" refType="primFontSz" fact="0.3"/>
+                              <dgm:constr type="bMarg" refType="primFontSz" fact="0.3"/>
+                              <dgm:constr type="lMarg" refType="primFontSz" fact="0.3"/>
+                              <dgm:constr type="rMarg" refType="primFontSz" fact="0.3"/>
+                            </dgm:constrLst>
+                            <dgm:ruleLst>
+                              <dgm:rule type="primFontSz" val="5" fact="NaN" max="NaN"/>
+                            </dgm:ruleLst>
+                          </dgm:layoutNode>
+                        </dgm:layoutNode>
+                      </dgm:forEach>
+                    </dgm:layoutNode>
+                  </dgm:layoutNode>
+                  <dgm:forEach name="Name37" axis="followSib" ptType="sibTrans" cnt="1">
+                    <dgm:layoutNode name="thinLine3" styleLbl="callout">
+                      <dgm:alg type="sp"/>
+                      <dgm:shape xmlns:r="http://schemas.openxmlformats.org/officeDocument/2006/relationships" type="line" r:blip="">
+                        <dgm:adjLst/>
+                      </dgm:shape>
+                      <dgm:presOf/>
+                    </dgm:layoutNode>
+                  </dgm:forEach>
+                </dgm:forEach>
+              </dgm:layoutNode>
+            </dgm:layoutNode>
+            <dgm:layoutNode name="thinLine2b" styleLbl="callout">
+              <dgm:alg type="sp"/>
+              <dgm:shape xmlns:r="http://schemas.openxmlformats.org/officeDocument/2006/relationships" type="line" r:blip="">
+                <dgm:adjLst/>
+              </dgm:shape>
+              <dgm:presOf/>
+            </dgm:layoutNode>
+            <dgm:layoutNode name="vertSpace2b">
+              <dgm:alg type="sp"/>
+              <dgm:shape xmlns:r="http://schemas.openxmlformats.org/officeDocument/2006/relationships" r:blip="">
+                <dgm:adjLst/>
+              </dgm:shape>
+              <dgm:presOf/>
+            </dgm:layoutNode>
+          </dgm:forEach>
+        </dgm:layoutNode>
+      </dgm:layoutNode>
+    </dgm:forEach>
+  </dgm:layoutNode>
+</dgm:layoutDef>
+</file>
+
+<file path=ppt/diagrams/quickStyle1.xml><?xml version="1.0" encoding="utf-8"?>
+<dgm:styleDef xmlns:dgm="http://schemas.openxmlformats.org/drawingml/2006/diagram" xmlns:a="http://schemas.openxmlformats.org/drawingml/2006/main" uniqueId="urn:microsoft.com/office/officeart/2005/8/quickstyle/simple1">
+  <dgm:title val=""/>
+  <dgm:desc val=""/>
+  <dgm:catLst>
+    <dgm:cat type="simple" pri="10100"/>
+  </dgm:catLst>
+  <dgm:scene3d>
+    <a:camera prst="orthographicFront"/>
+    <a:lightRig rig="threePt" dir="t"/>
+  </dgm:scene3d>
+  <dgm:styleLbl name="node0">
+    <dgm:scene3d>
+      <a:camera prst="orthographicFront"/>
+      <a:lightRig rig="threePt" dir="t"/>
+    </dgm:scene3d>
+    <dgm:sp3d/>
+    <dgm:txPr/>
+    <dgm:style>
+      <a:lnRef idx="2">
+        <a:scrgbClr r="0" g="0" b="0"/>
+      </a:lnRef>
+      <a:fillRef idx="1">
+        <a:scrgbClr r="0" g="0" b="0"/>
+      </a:fillRef>
+      <a:effectRef idx="0">
+        <a:scrgbClr r="0" g="0" b="0"/>
+      </a:effectRef>
+      <a:fontRef idx="minor">
+        <a:schemeClr val="lt1"/>
+      </a:fontRef>
+    </dgm:style>
+  </dgm:styleLbl>
+  <dgm:styleLbl name="lnNode1">
+    <dgm:scene3d>
+      <a:camera prst="orthographicFront"/>
+      <a:lightRig rig="threePt" dir="t"/>
+    </dgm:scene3d>
+    <dgm:sp3d/>
+    <dgm:txPr/>
+    <dgm:style>
+      <a:lnRef idx="2">
+        <a:scrgbClr r="0" g="0" b="0"/>
+      </a:lnRef>
+      <a:fillRef idx="1">
+        <a:scrgbClr r="0" g="0" b="0"/>
+      </a:fillRef>
+      <a:effectRef idx="0">
+        <a:scrgbClr r="0" g="0" b="0"/>
+      </a:effectRef>
+      <a:fontRef idx="minor">
+        <a:schemeClr val="lt1"/>
+      </a:fontRef>
+    </dgm:style>
+  </dgm:styleLbl>
+  <dgm:styleLbl name="vennNode1">
+    <dgm:scene3d>
+      <a:camera prst="orthographicFront"/>
+      <a:lightRig rig="threePt" dir="t"/>
+    </dgm:scene3d>
+    <dgm:sp3d/>
+    <dgm:txPr/>
+    <dgm:style>
+      <a:lnRef idx="2">
+        <a:scrgbClr r="0" g="0" b="0"/>
+      </a:lnRef>
+      <a:fillRef idx="1">
+        <a:scrgbClr r="0" g="0" b="0"/>
+      </a:fillRef>
+      <a:effectRef idx="0">
+        <a:scrgbClr r="0" g="0" b="0"/>
+      </a:effectRef>
+      <a:fontRef idx="minor">
+        <a:schemeClr val="tx1"/>
+      </a:fontRef>
+    </dgm:style>
+  </dgm:styleLbl>
+  <dgm:styleLbl name="alignNode1">
+    <dgm:scene3d>
+      <a:camera prst="orthographicFront"/>
+      <a:lightRig rig="threePt" dir="t"/>
+    </dgm:scene3d>
+    <dgm:sp3d/>
+    <dgm:txPr/>
+    <dgm:style>
+      <a:lnRef idx="2">
+        <a:scrgbClr r="0" g="0" b="0"/>
+      </a:lnRef>
+      <a:fillRef idx="1">
+        <a:scrgbClr r="0" g="0" b="0"/>
+      </a:fillRef>
+      <a:effectRef idx="0">
+        <a:scrgbClr r="0" g="0" b="0"/>
+      </a:effectRef>
+      <a:fontRef idx="minor">
+        <a:schemeClr val="lt1"/>
+      </a:fontRef>
+    </dgm:style>
+  </dgm:styleLbl>
+  <dgm:styleLbl name="node1">
+    <dgm:scene3d>
+      <a:camera prst="orthographicFront"/>
+      <a:lightRig rig="threePt" dir="t"/>
+    </dgm:scene3d>
+    <dgm:sp3d/>
+    <dgm:txPr/>
+    <dgm:style>
+      <a:lnRef idx="2">
+        <a:scrgbClr r="0" g="0" b="0"/>
+      </a:lnRef>
+      <a:fillRef idx="1">
+        <a:scrgbClr r="0" g="0" b="0"/>
+      </a:fillRef>
+      <a:effectRef idx="0">
+        <a:scrgbClr r="0" g="0" b="0"/>
+      </a:effectRef>
+      <a:fontRef idx="minor">
+        <a:schemeClr val="lt1"/>
+      </a:fontRef>
+    </dgm:style>
+  </dgm:styleLbl>
+  <dgm:styleLbl name="node2">
+    <dgm:scene3d>
+      <a:camera prst="orthographicFront"/>
+      <a:lightRig rig="threePt" dir="t"/>
+    </dgm:scene3d>
+    <dgm:sp3d/>
+    <dgm:txPr/>
+    <dgm:style>
+      <a:lnRef idx="2">
+        <a:scrgbClr r="0" g="0" b="0"/>
+      </a:lnRef>
+      <a:fillRef idx="1">
+        <a:scrgbClr r="0" g="0" b="0"/>
+      </a:fillRef>
+      <a:effectRef idx="0">
+        <a:scrgbClr r="0" g="0" b="0"/>
+      </a:effectRef>
+      <a:fontRef idx="minor">
+        <a:schemeClr val="lt1"/>
+      </a:fontRef>
+    </dgm:style>
+  </dgm:styleLbl>
+  <dgm:styleLbl name="node3">
+    <dgm:scene3d>
+      <a:camera prst="orthographicFront"/>
+      <a:lightRig rig="threePt" dir="t"/>
+    </dgm:scene3d>
+    <dgm:sp3d/>
+    <dgm:txPr/>
+    <dgm:style>
+      <a:lnRef idx="2">
+        <a:scrgbClr r="0" g="0" b="0"/>
+      </a:lnRef>
+      <a:fillRef idx="1">
+        <a:scrgbClr r="0" g="0" b="0"/>
+      </a:fillRef>
+      <a:effectRef idx="0">
+        <a:scrgbClr r="0" g="0" b="0"/>
+      </a:effectRef>
+      <a:fontRef idx="minor">
+        <a:schemeClr val="lt1"/>
+      </a:fontRef>
+    </dgm:style>
+  </dgm:styleLbl>
+  <dgm:styleLbl name="node4">
+    <dgm:scene3d>
+      <a:camera prst="orthographicFront"/>
+      <a:lightRig rig="threePt" dir="t"/>
+    </dgm:scene3d>
+    <dgm:sp3d/>
+    <dgm:txPr/>
+    <dgm:style>
+      <a:lnRef idx="2">
+        <a:scrgbClr r="0" g="0" b="0"/>
+      </a:lnRef>
+      <a:fillRef idx="1">
+        <a:scrgbClr r="0" g="0" b="0"/>
+      </a:fillRef>
+      <a:effectRef idx="0">
+        <a:scrgbClr r="0" g="0" b="0"/>
+      </a:effectRef>
+      <a:fontRef idx="minor">
+        <a:schemeClr val="lt1"/>
+      </a:fontRef>
+    </dgm:style>
+  </dgm:styleLbl>
+  <dgm:styleLbl name="fgImgPlace1">
+    <dgm:scene3d>
+      <a:camera prst="orthographicFront"/>
+      <a:lightRig rig="threePt" dir="t"/>
+    </dgm:scene3d>
+    <dgm:sp3d/>
+    <dgm:txPr/>
+    <dgm:style>
+      <a:lnRef idx="2">
+        <a:scrgbClr r="0" g="0" b="0"/>
+      </a:lnRef>
+      <a:fillRef idx="1">
+        <a:scrgbClr r="0" g="0" b="0"/>
+      </a:fillRef>
+      <a:effectRef idx="0">
+        <a:scrgbClr r="0" g="0" b="0"/>
+      </a:effectRef>
+      <a:fontRef idx="minor"/>
+    </dgm:style>
+  </dgm:styleLbl>
+  <dgm:styleLbl name="alignImgPlace1">
+    <dgm:scene3d>
+      <a:camera prst="orthographicFront"/>
+      <a:lightRig rig="threePt" dir="t"/>
+    </dgm:scene3d>
+    <dgm:sp3d/>
+    <dgm:txPr/>
+    <dgm:style>
+      <a:lnRef idx="2">
+        <a:scrgbClr r="0" g="0" b="0"/>
+      </a:lnRef>
+      <a:fillRef idx="1">
+        <a:scrgbClr r="0" g="0" b="0"/>
+      </a:fillRef>
+      <a:effectRef idx="0">
+        <a:scrgbClr r="0" g="0" b="0"/>
+      </a:effectRef>
+      <a:fontRef idx="minor"/>
+    </dgm:style>
+  </dgm:styleLbl>
+  <dgm:styleLbl name="bgImgPlace1">
+    <dgm:scene3d>
+      <a:camera prst="orthographicFront"/>
+      <a:lightRig rig="threePt" dir="t"/>
+    </dgm:scene3d>
+    <dgm:sp3d/>
+    <dgm:txPr/>
+    <dgm:style>
+      <a:lnRef idx="2">
+        <a:scrgbClr r="0" g="0" b="0"/>
+      </a:lnRef>
+      <a:fillRef idx="1">
+        <a:scrgbClr r="0" g="0" b="0"/>
+      </a:fillRef>
+      <a:effectRef idx="0">
+        <a:scrgbClr r="0" g="0" b="0"/>
+      </a:effectRef>
+      <a:fontRef idx="minor"/>
+    </dgm:style>
+  </dgm:styleLbl>
+  <dgm:styleLbl name="sibTrans2D1">
+    <dgm:scene3d>
+      <a:camera prst="orthographicFront"/>
+      <a:lightRig rig="threePt" dir="t"/>
+    </dgm:scene3d>
+    <dgm:sp3d/>
+    <dgm:txPr/>
+    <dgm:style>
+      <a:lnRef idx="0">
+        <a:scrgbClr r="0" g="0" b="0"/>
+      </a:lnRef>
+      <a:fillRef idx="1">
+        <a:scrgbClr r="0" g="0" b="0"/>
+      </a:fillRef>
+      <a:effectRef idx="0">
+        <a:scrgbClr r="0" g="0" b="0"/>
+      </a:effectRef>
+      <a:fontRef idx="minor">
+        <a:schemeClr val="lt1"/>
+      </a:fontRef>
+    </dgm:style>
+  </dgm:styleLbl>
+  <dgm:styleLbl name="fgSibTrans2D1">
+    <dgm:scene3d>
+      <a:camera prst="orthographicFront"/>
+      <a:lightRig rig="threePt" dir="t"/>
+    </dgm:scene3d>
+    <dgm:sp3d/>
+    <dgm:txPr/>
+    <dgm:style>
+      <a:lnRef idx="0">
+        <a:scrgbClr r="0" g="0" b="0"/>
+      </a:lnRef>
+      <a:fillRef idx="1">
+        <a:scrgbClr r="0" g="0" b="0"/>
+      </a:fillRef>
+      <a:effectRef idx="0">
+        <a:scrgbClr r="0" g="0" b="0"/>
+      </a:effectRef>
+      <a:fontRef idx="minor">
+        <a:schemeClr val="lt1"/>
+      </a:fontRef>
+    </dgm:style>
+  </dgm:styleLbl>
+  <dgm:styleLbl name="bgSibTrans2D1">
+    <dgm:scene3d>
+      <a:camera prst="orthographicFront"/>
+      <a:lightRig rig="threePt" dir="t"/>
+    </dgm:scene3d>
+    <dgm:sp3d/>
+    <dgm:txPr/>
+    <dgm:style>
+      <a:lnRef idx="0">
+        <a:scrgbClr r="0" g="0" b="0"/>
+      </a:lnRef>
+      <a:fillRef idx="1">
+        <a:scrgbClr r="0" g="0" b="0"/>
+      </a:fillRef>
+      <a:effectRef idx="0">
+        <a:scrgbClr r="0" g="0" b="0"/>
+      </a:effectRef>
+      <a:fontRef idx="minor">
+        <a:schemeClr val="lt1"/>
+      </a:fontRef>
+    </dgm:style>
+  </dgm:styleLbl>
+  <dgm:styleLbl name="sibTrans1D1">
+    <dgm:scene3d>
+      <a:camera prst="orthographicFront"/>
+      <a:lightRig rig="threePt" dir="t"/>
+    </dgm:scene3d>
+    <dgm:sp3d/>
+    <dgm:txPr/>
+    <dgm:style>
+      <a:lnRef idx="1">
+        <a:scrgbClr r="0" g="0" b="0"/>
+      </a:lnRef>
+      <a:fillRef idx="0">
+        <a:scrgbClr r="0" g="0" b="0"/>
+      </a:fillRef>
+      <a:effectRef idx="0">
+        <a:scrgbClr r="0" g="0" b="0"/>
+      </a:effectRef>
+      <a:fontRef idx="minor"/>
+    </dgm:style>
+  </dgm:styleLbl>
+  <dgm:styleLbl name="callout">
+    <dgm:scene3d>
+      <a:camera prst="orthographicFront"/>
+      <a:lightRig rig="threePt" dir="t"/>
+    </dgm:scene3d>
+    <dgm:sp3d/>
+    <dgm:txPr/>
+    <dgm:style>
+      <a:lnRef idx="2">
+        <a:scrgbClr r="0" g="0" b="0"/>
+      </a:lnRef>
+      <a:fillRef idx="1">
+        <a:scrgbClr r="0" g="0" b="0"/>
+      </a:fillRef>
+      <a:effectRef idx="0">
+        <a:scrgbClr r="0" g="0" b="0"/>
+      </a:effectRef>
+      <a:fontRef idx="minor"/>
+    </dgm:style>
+  </dgm:styleLbl>
+  <dgm:styleLbl name="asst0">
+    <dgm:scene3d>
+      <a:camera prst="orthographicFront"/>
+      <a:lightRig rig="threePt" dir="t"/>
+    </dgm:scene3d>
+    <dgm:sp3d/>
+    <dgm:txPr/>
+    <dgm:style>
+      <a:lnRef idx="2">
+        <a:scrgbClr r="0" g="0" b="0"/>
+      </a:lnRef>
+      <a:fillRef idx="1">
+        <a:scrgbClr r="0" g="0" b="0"/>
+      </a:fillRef>
+      <a:effectRef idx="0">
+        <a:scrgbClr r="0" g="0" b="0"/>
+      </a:effectRef>
+      <a:fontRef idx="minor">
+        <a:schemeClr val="lt1"/>
+      </a:fontRef>
+    </dgm:style>
+  </dgm:styleLbl>
+  <dgm:styleLbl name="asst1">
+    <dgm:scene3d>
+      <a:camera prst="orthographicFront"/>
+      <a:lightRig rig="threePt" dir="t"/>
+    </dgm:scene3d>
+    <dgm:sp3d/>
+    <dgm:txPr/>
+    <dgm:style>
+      <a:lnRef idx="2">
+        <a:scrgbClr r="0" g="0" b="0"/>
+      </a:lnRef>
+      <a:fillRef idx="1">
+        <a:scrgbClr r="0" g="0" b="0"/>
+      </a:fillRef>
+      <a:effectRef idx="0">
+        <a:scrgbClr r="0" g="0" b="0"/>
+      </a:effectRef>
+      <a:fontRef idx="minor">
+        <a:schemeClr val="lt1"/>
+      </a:fontRef>
+    </dgm:style>
+  </dgm:styleLbl>
+  <dgm:styleLbl name="asst2">
+    <dgm:scene3d>
+      <a:camera prst="orthographicFront"/>
+      <a:lightRig rig="threePt" dir="t"/>
+    </dgm:scene3d>
+    <dgm:sp3d/>
+    <dgm:txPr/>
+    <dgm:style>
+      <a:lnRef idx="2">
+        <a:scrgbClr r="0" g="0" b="0"/>
+      </a:lnRef>
+      <a:fillRef idx="1">
+        <a:scrgbClr r="0" g="0" b="0"/>
+      </a:fillRef>
+      <a:effectRef idx="0">
+        <a:scrgbClr r="0" g="0" b="0"/>
+      </a:effectRef>
+      <a:fontRef idx="minor">
+        <a:schemeClr val="lt1"/>
+      </a:fontRef>
+    </dgm:style>
+  </dgm:styleLbl>
+  <dgm:styleLbl name="asst3">
+    <dgm:scene3d>
+      <a:camera prst="orthographicFront"/>
+      <a:lightRig rig="threePt" dir="t"/>
+    </dgm:scene3d>
+    <dgm:sp3d/>
+    <dgm:txPr/>
+    <dgm:style>
+      <a:lnRef idx="2">
+        <a:scrgbClr r="0" g="0" b="0"/>
+      </a:lnRef>
+      <a:fillRef idx="1">
+        <a:scrgbClr r="0" g="0" b="0"/>
+      </a:fillRef>
+      <a:effectRef idx="0">
+        <a:scrgbClr r="0" g="0" b="0"/>
+      </a:effectRef>
+      <a:fontRef idx="minor">
+        <a:schemeClr val="lt1"/>
+      </a:fontRef>
+    </dgm:style>
+  </dgm:styleLbl>
+  <dgm:styleLbl name="asst4">
+    <dgm:scene3d>
+      <a:camera prst="orthographicFront"/>
+      <a:lightRig rig="threePt" dir="t"/>
+    </dgm:scene3d>
+    <dgm:sp3d/>
+    <dgm:txPr/>
+    <dgm:style>
+      <a:lnRef idx="2">
+        <a:scrgbClr r="0" g="0" b="0"/>
+      </a:lnRef>
+      <a:fillRef idx="1">
+        <a:scrgbClr r="0" g="0" b="0"/>
+      </a:fillRef>
+      <a:effectRef idx="0">
+        <a:scrgbClr r="0" g="0" b="0"/>
+      </a:effectRef>
+      <a:fontRef idx="minor">
+        <a:schemeClr val="lt1"/>
+      </a:fontRef>
+    </dgm:style>
+  </dgm:styleLbl>
+  <dgm:styleLbl name="parChTrans2D1">
+    <dgm:scene3d>
+      <a:camera prst="orthographicFront"/>
+      <a:lightRig rig="threePt" dir="t"/>
+    </dgm:scene3d>
+    <dgm:sp3d/>
+    <dgm:txPr/>
+    <dgm:style>
+      <a:lnRef idx="2">
+        <a:scrgbClr r="0" g="0" b="0"/>
+      </a:lnRef>
+      <a:fillRef idx="1">
+        <a:scrgbClr r="0" g="0" b="0"/>
+      </a:fillRef>
+      <a:effectRef idx="0">
+        <a:scrgbClr r="0" g="0" b="0"/>
+      </a:effectRef>
+      <a:fontRef idx="minor">
+        <a:schemeClr val="lt1"/>
+      </a:fontRef>
+    </dgm:style>
+  </dgm:styleLbl>
+  <dgm:styleLbl name="parChTrans2D2">
+    <dgm:scene3d>
+      <a:camera prst="orthographicFront"/>
+      <a:lightRig rig="threePt" dir="t"/>
+    </dgm:scene3d>
+    <dgm:sp3d/>
+    <dgm:txPr/>
+    <dgm:style>
+      <a:lnRef idx="2">
+        <a:scrgbClr r="0" g="0" b="0"/>
+      </a:lnRef>
+      <a:fillRef idx="1">
+        <a:scrgbClr r="0" g="0" b="0"/>
+      </a:fillRef>
+      <a:effectRef idx="0">
+        <a:scrgbClr r="0" g="0" b="0"/>
+      </a:effectRef>
+      <a:fontRef idx="minor">
+        <a:schemeClr val="lt1"/>
+      </a:fontRef>
+    </dgm:style>
+  </dgm:styleLbl>
+  <dgm:styleLbl name="parChTrans2D3">
+    <dgm:scene3d>
+      <a:camera prst="orthographicFront"/>
+      <a:lightRig rig="threePt" dir="t"/>
+    </dgm:scene3d>
+    <dgm:sp3d/>
+    <dgm:txPr/>
+    <dgm:style>
+      <a:lnRef idx="2">
+        <a:scrgbClr r="0" g="0" b="0"/>
+      </a:lnRef>
+      <a:fillRef idx="1">
+        <a:scrgbClr r="0" g="0" b="0"/>
+      </a:fillRef>
+      <a:effectRef idx="0">
+        <a:scrgbClr r="0" g="0" b="0"/>
+      </a:effectRef>
+      <a:fontRef idx="minor">
+        <a:schemeClr val="lt1"/>
+      </a:fontRef>
+    </dgm:style>
+  </dgm:styleLbl>
+  <dgm:styleLbl name="parChTrans2D4">
+    <dgm:scene3d>
+      <a:camera prst="orthographicFront"/>
+      <a:lightRig rig="threePt" dir="t"/>
+    </dgm:scene3d>
+    <dgm:sp3d/>
+    <dgm:txPr/>
+    <dgm:style>
+      <a:lnRef idx="2">
+        <a:scrgbClr r="0" g="0" b="0"/>
+      </a:lnRef>
+      <a:fillRef idx="1">
+        <a:scrgbClr r="0" g="0" b="0"/>
+      </a:fillRef>
+      <a:effectRef idx="0">
+        <a:scrgbClr r="0" g="0" b="0"/>
+      </a:effectRef>
+      <a:fontRef idx="minor">
+        <a:schemeClr val="lt1"/>
+      </a:fontRef>
+    </dgm:style>
+  </dgm:styleLbl>
+  <dgm:styleLbl name="parChTrans1D1">
+    <dgm:scene3d>
+      <a:camera prst="orthographicFront"/>
+      <a:lightRig rig="threePt" dir="t"/>
+    </dgm:scene3d>
+    <dgm:sp3d/>
+    <dgm:txPr/>
+    <dgm:style>
+      <a:lnRef idx="2">
+        <a:scrgbClr r="0" g="0" b="0"/>
+      </a:lnRef>
+      <a:fillRef idx="0">
+        <a:scrgbClr r="0" g="0" b="0"/>
+      </a:fillRef>
+      <a:effectRef idx="0">
+        <a:scrgbClr r="0" g="0" b="0"/>
+      </a:effectRef>
+      <a:fontRef idx="minor"/>
+    </dgm:style>
+  </dgm:styleLbl>
+  <dgm:styleLbl name="parChTrans1D2">
+    <dgm:scene3d>
+      <a:camera prst="orthographicFront"/>
+      <a:lightRig rig="threePt" dir="t"/>
+    </dgm:scene3d>
+    <dgm:sp3d/>
+    <dgm:txPr/>
+    <dgm:style>
+      <a:lnRef idx="2">
+        <a:scrgbClr r="0" g="0" b="0"/>
+      </a:lnRef>
+      <a:fillRef idx="0">
+        <a:scrgbClr r="0" g="0" b="0"/>
+      </a:fillRef>
+      <a:effectRef idx="0">
+        <a:scrgbClr r="0" g="0" b="0"/>
+      </a:effectRef>
+      <a:fontRef idx="minor"/>
+    </dgm:style>
+  </dgm:styleLbl>
+  <dgm:styleLbl name="parChTrans1D3">
+    <dgm:scene3d>
+      <a:camera prst="orthographicFront"/>
+      <a:lightRig rig="threePt" dir="t"/>
+    </dgm:scene3d>
+    <dgm:sp3d/>
+    <dgm:txPr/>
+    <dgm:style>
+      <a:lnRef idx="2">
+        <a:scrgbClr r="0" g="0" b="0"/>
+      </a:lnRef>
+      <a:fillRef idx="0">
+        <a:scrgbClr r="0" g="0" b="0"/>
+      </a:fillRef>
+      <a:effectRef idx="0">
+        <a:scrgbClr r="0" g="0" b="0"/>
+      </a:effectRef>
+      <a:fontRef idx="minor"/>
+    </dgm:style>
+  </dgm:styleLbl>
+  <dgm:styleLbl name="parChTrans1D4">
+    <dgm:scene3d>
+      <a:camera prst="orthographicFront"/>
+      <a:lightRig rig="threePt" dir="t"/>
+    </dgm:scene3d>
+    <dgm:sp3d/>
+    <dgm:txPr/>
+    <dgm:style>
+      <a:lnRef idx="2">
+        <a:scrgbClr r="0" g="0" b="0"/>
+      </a:lnRef>
+      <a:fillRef idx="0">
+        <a:scrgbClr r="0" g="0" b="0"/>
+      </a:fillRef>
+      <a:effectRef idx="0">
+        <a:scrgbClr r="0" g="0" b="0"/>
+      </a:effectRef>
+      <a:fontRef idx="minor"/>
+    </dgm:style>
+  </dgm:styleLbl>
+  <dgm:styleLbl name="fgAcc1">
+    <dgm:scene3d>
+      <a:camera prst="orthographicFront"/>
+      <a:lightRig rig="threePt" dir="t"/>
+    </dgm:scene3d>
+    <dgm:sp3d/>
+    <dgm:txPr/>
+    <dgm:style>
+      <a:lnRef idx="2">
+        <a:scrgbClr r="0" g="0" b="0"/>
+      </a:lnRef>
+      <a:fillRef idx="1">
+        <a:scrgbClr r="0" g="0" b="0"/>
+      </a:fillRef>
+      <a:effectRef idx="0">
+        <a:scrgbClr r="0" g="0" b="0"/>
+      </a:effectRef>
+      <a:fontRef idx="minor"/>
+    </dgm:style>
+  </dgm:styleLbl>
+  <dgm:styleLbl name="conFgAcc1">
+    <dgm:scene3d>
+      <a:camera prst="orthographicFront"/>
+      <a:lightRig rig="threePt" dir="t"/>
+    </dgm:scene3d>
+    <dgm:sp3d/>
+    <dgm:txPr/>
+    <dgm:style>
+      <a:lnRef idx="2">
+        <a:scrgbClr r="0" g="0" b="0"/>
+      </a:lnRef>
+      <a:fillRef idx="1">
+        <a:scrgbClr r="0" g="0" b="0"/>
+      </a:fillRef>
+      <a:effectRef idx="0">
+        <a:scrgbClr r="0" g="0" b="0"/>
+      </a:effectRef>
+      <a:fontRef idx="minor"/>
+    </dgm:style>
+  </dgm:styleLbl>
+  <dgm:styleLbl name="alignAcc1">
+    <dgm:scene3d>
+      <a:camera prst="orthographicFront"/>
+      <a:lightRig rig="threePt" dir="t"/>
+    </dgm:scene3d>
+    <dgm:sp3d/>
+    <dgm:txPr/>
+    <dgm:style>
+      <a:lnRef idx="2">
+        <a:scrgbClr r="0" g="0" b="0"/>
+      </a:lnRef>
+      <a:fillRef idx="1">
+        <a:scrgbClr r="0" g="0" b="0"/>
+      </a:fillRef>
+      <a:effectRef idx="0">
+        <a:scrgbClr r="0" g="0" b="0"/>
+      </a:effectRef>
+      <a:fontRef idx="minor"/>
+    </dgm:style>
+  </dgm:styleLbl>
+  <dgm:styleLbl name="trAlignAcc1">
+    <dgm:scene3d>
+      <a:camera prst="orthographicFront"/>
+      <a:lightRig rig="threePt" dir="t"/>
+    </dgm:scene3d>
+    <dgm:sp3d/>
+    <dgm:txPr/>
+    <dgm:style>
+      <a:lnRef idx="1">
+        <a:scrgbClr r="0" g="0" b="0"/>
+      </a:lnRef>
+      <a:fillRef idx="1">
+        <a:scrgbClr r="0" g="0" b="0"/>
+      </a:fillRef>
+      <a:effectRef idx="0">
+        <a:scrgbClr r="0" g="0" b="0"/>
+      </a:effectRef>
+      <a:fontRef idx="minor"/>
+    </dgm:style>
+  </dgm:styleLbl>
+  <dgm:styleLbl name="bgAcc1">
+    <dgm:scene3d>
+      <a:camera prst="orthographicFront"/>
+      <a:lightRig rig="threePt" dir="t"/>
+    </dgm:scene3d>
+    <dgm:sp3d/>
+    <dgm:txPr/>
+    <dgm:style>
+      <a:lnRef idx="2">
+        <a:scrgbClr r="0" g="0" b="0"/>
+      </a:lnRef>
+      <a:fillRef idx="1">
+        <a:scrgbClr r="0" g="0" b="0"/>
+      </a:fillRef>
+      <a:effectRef idx="0">
+        <a:scrgbClr r="0" g="0" b="0"/>
+      </a:effectRef>
+      <a:fontRef idx="minor"/>
+    </dgm:style>
+  </dgm:styleLbl>
+  <dgm:styleLbl name="solidFgAcc1">
+    <dgm:scene3d>
+      <a:camera prst="orthographicFront"/>
+      <a:lightRig rig="threePt" dir="t"/>
+    </dgm:scene3d>
+    <dgm:sp3d/>
+    <dgm:txPr/>
+    <dgm:style>
+      <a:lnRef idx="2">
+        <a:scrgbClr r="0" g="0" b="0"/>
+      </a:lnRef>
+      <a:fillRef idx="1">
+        <a:scrgbClr r="0" g="0" b="0"/>
+      </a:fillRef>
+      <a:effectRef idx="0">
+        <a:scrgbClr r="0" g="0" b="0"/>
+      </a:effectRef>
+      <a:fontRef idx="minor"/>
+    </dgm:style>
+  </dgm:styleLbl>
+  <dgm:styleLbl name="solidAlignAcc1">
+    <dgm:scene3d>
+      <a:camera prst="orthographicFront"/>
+      <a:lightRig rig="threePt" dir="t"/>
+    </dgm:scene3d>
+    <dgm:sp3d/>
+    <dgm:txPr/>
+    <dgm:style>
+      <a:lnRef idx="2">
+        <a:scrgbClr r="0" g="0" b="0"/>
+      </a:lnRef>
+      <a:fillRef idx="1">
+        <a:scrgbClr r="0" g="0" b="0"/>
+      </a:fillRef>
+      <a:effectRef idx="0">
+        <a:scrgbClr r="0" g="0" b="0"/>
+      </a:effectRef>
+      <a:fontRef idx="minor"/>
+    </dgm:style>
+  </dgm:styleLbl>
+  <dgm:styleLbl name="solidBgAcc1">
+    <dgm:scene3d>
+      <a:camera prst="orthographicFront"/>
+      <a:lightRig rig="threePt" dir="t"/>
+    </dgm:scene3d>
+    <dgm:sp3d/>
+    <dgm:txPr/>
+    <dgm:style>
+      <a:lnRef idx="2">
+        <a:scrgbClr r="0" g="0" b="0"/>
+      </a:lnRef>
+      <a:fillRef idx="1">
+        <a:scrgbClr r="0" g="0" b="0"/>
+      </a:fillRef>
+      <a:effectRef idx="0">
+        <a:scrgbClr r="0" g="0" b="0"/>
+      </a:effectRef>
+      <a:fontRef idx="minor"/>
+    </dgm:style>
+  </dgm:styleLbl>
+  <dgm:styleLbl name="fgAccFollowNode1">
+    <dgm:scene3d>
+      <a:camera prst="orthographicFront"/>
+      <a:lightRig rig="threePt" dir="t"/>
+    </dgm:scene3d>
+    <dgm:sp3d/>
+    <dgm:txPr/>
+    <dgm:style>
+      <a:lnRef idx="2">
+        <a:scrgbClr r="0" g="0" b="0"/>
+      </a:lnRef>
+      <a:fillRef idx="1">
+        <a:scrgbClr r="0" g="0" b="0"/>
+      </a:fillRef>
+      <a:effectRef idx="0">
+        <a:scrgbClr r="0" g="0" b="0"/>
+      </a:effectRef>
+      <a:fontRef idx="minor"/>
+    </dgm:style>
+  </dgm:styleLbl>
+  <dgm:styleLbl name="alignAccFollowNode1">
+    <dgm:scene3d>
+      <a:camera prst="orthographicFront"/>
+      <a:lightRig rig="threePt" dir="t"/>
+    </dgm:scene3d>
+    <dgm:sp3d/>
+    <dgm:txPr/>
+    <dgm:style>
+      <a:lnRef idx="2">
+        <a:scrgbClr r="0" g="0" b="0"/>
+      </a:lnRef>
+      <a:fillRef idx="1">
+        <a:scrgbClr r="0" g="0" b="0"/>
+      </a:fillRef>
+      <a:effectRef idx="0">
+        <a:scrgbClr r="0" g="0" b="0"/>
+      </a:effectRef>
+      <a:fontRef idx="minor"/>
+    </dgm:style>
+  </dgm:styleLbl>
+  <dgm:styleLbl name="bgAccFollowNode1">
+    <dgm:scene3d>
+      <a:camera prst="orthographicFront"/>
+      <a:lightRig rig="threePt" dir="t"/>
+    </dgm:scene3d>
+    <dgm:sp3d/>
+    <dgm:txPr/>
+    <dgm:style>
+      <a:lnRef idx="2">
+        <a:scrgbClr r="0" g="0" b="0"/>
+      </a:lnRef>
+      <a:fillRef idx="1">
+        <a:scrgbClr r="0" g="0" b="0"/>
+      </a:fillRef>
+      <a:effectRef idx="0">
+        <a:scrgbClr r="0" g="0" b="0"/>
+      </a:effectRef>
+      <a:fontRef idx="minor"/>
+    </dgm:style>
+  </dgm:styleLbl>
+  <dgm:styleLbl name="fgAcc0">
+    <dgm:scene3d>
+      <a:camera prst="orthographicFront"/>
+      <a:lightRig rig="threePt" dir="t"/>
+    </dgm:scene3d>
+    <dgm:sp3d/>
+    <dgm:txPr/>
+    <dgm:style>
+      <a:lnRef idx="2">
+        <a:scrgbClr r="0" g="0" b="0"/>
+      </a:lnRef>
+      <a:fillRef idx="1">
+        <a:scrgbClr r="0" g="0" b="0"/>
+      </a:fillRef>
+      <a:effectRef idx="0">
+        <a:scrgbClr r="0" g="0" b="0"/>
+      </a:effectRef>
+      <a:fontRef idx="minor"/>
+    </dgm:style>
+  </dgm:styleLbl>
+  <dgm:styleLbl name="fgAcc2">
+    <dgm:scene3d>
+      <a:camera prst="orthographicFront"/>
+      <a:lightRig rig="threePt" dir="t"/>
+    </dgm:scene3d>
+    <dgm:sp3d/>
+    <dgm:txPr/>
+    <dgm:style>
+      <a:lnRef idx="2">
+        <a:scrgbClr r="0" g="0" b="0"/>
+      </a:lnRef>
+      <a:fillRef idx="1">
+        <a:scrgbClr r="0" g="0" b="0"/>
+      </a:fillRef>
+      <a:effectRef idx="0">
+        <a:scrgbClr r="0" g="0" b="0"/>
+      </a:effectRef>
+      <a:fontRef idx="minor"/>
+    </dgm:style>
+  </dgm:styleLbl>
+  <dgm:styleLbl name="fgAcc3">
+    <dgm:scene3d>
+      <a:camera prst="orthographicFront"/>
+      <a:lightRig rig="threePt" dir="t"/>
+    </dgm:scene3d>
+    <dgm:sp3d/>
+    <dgm:txPr/>
+    <dgm:style>
+      <a:lnRef idx="2">
+        <a:scrgbClr r="0" g="0" b="0"/>
+      </a:lnRef>
+      <a:fillRef idx="1">
+        <a:scrgbClr r="0" g="0" b="0"/>
+      </a:fillRef>
+      <a:effectRef idx="0">
+        <a:scrgbClr r="0" g="0" b="0"/>
+      </a:effectRef>
+      <a:fontRef idx="minor"/>
+    </dgm:style>
+  </dgm:styleLbl>
+  <dgm:styleLbl name="fgAcc4">
+    <dgm:scene3d>
+      <a:camera prst="orthographicFront"/>
+      <a:lightRig rig="threePt" dir="t"/>
+    </dgm:scene3d>
+    <dgm:sp3d/>
+    <dgm:txPr/>
+    <dgm:style>
+      <a:lnRef idx="2">
+        <a:scrgbClr r="0" g="0" b="0"/>
+      </a:lnRef>
+      <a:fillRef idx="1">
+        <a:scrgbClr r="0" g="0" b="0"/>
+      </a:fillRef>
+      <a:effectRef idx="0">
+        <a:scrgbClr r="0" g="0" b="0"/>
+      </a:effectRef>
+      <a:fontRef idx="minor"/>
+    </dgm:style>
+  </dgm:styleLbl>
+  <dgm:styleLbl name="bgShp">
+    <dgm:scene3d>
+      <a:camera prst="orthographicFront"/>
+      <a:lightRig rig="threePt" dir="t"/>
+    </dgm:scene3d>
+    <dgm:sp3d/>
+    <dgm:txPr/>
+    <dgm:style>
+      <a:lnRef idx="0">
+        <a:scrgbClr r="0" g="0" b="0"/>
+      </a:lnRef>
+      <a:fillRef idx="1">
+        <a:scrgbClr r="0" g="0" b="0"/>
+      </a:fillRef>
+      <a:effectRef idx="0">
+        <a:scrgbClr r="0" g="0" b="0"/>
+      </a:effectRef>
+      <a:fontRef idx="minor"/>
+    </dgm:style>
+  </dgm:styleLbl>
+  <dgm:styleLbl name="dkBgShp">
+    <dgm:scene3d>
+      <a:camera prst="orthographicFront"/>
+      <a:lightRig rig="threePt" dir="t"/>
+    </dgm:scene3d>
+    <dgm:sp3d/>
+    <dgm:txPr/>
+    <dgm:style>
+      <a:lnRef idx="0">
+        <a:scrgbClr r="0" g="0" b="0"/>
+      </a:lnRef>
+      <a:fillRef idx="1">
+        <a:scrgbClr r="0" g="0" b="0"/>
+      </a:fillRef>
+      <a:effectRef idx="0">
+        <a:scrgbClr r="0" g="0" b="0"/>
+      </a:effectRef>
+      <a:fontRef idx="minor"/>
+    </dgm:style>
+  </dgm:styleLbl>
+  <dgm:styleLbl name="trBgShp">
+    <dgm:scene3d>
+      <a:camera prst="orthographicFront"/>
+      <a:lightRig rig="threePt" dir="t"/>
+    </dgm:scene3d>
+    <dgm:sp3d/>
+    <dgm:txPr/>
+    <dgm:style>
+      <a:lnRef idx="0">
+        <a:scrgbClr r="0" g="0" b="0"/>
+      </a:lnRef>
+      <a:fillRef idx="1">
+        <a:scrgbClr r="0" g="0" b="0"/>
+      </a:fillRef>
+      <a:effectRef idx="0">
+        <a:scrgbClr r="0" g="0" b="0"/>
+      </a:effectRef>
+      <a:fontRef idx="minor"/>
+    </dgm:style>
+  </dgm:styleLbl>
+  <dgm:styleLbl name="fgShp">
+    <dgm:scene3d>
+      <a:camera prst="orthographicFront"/>
+      <a:lightRig rig="threePt" dir="t"/>
+    </dgm:scene3d>
+    <dgm:sp3d/>
+    <dgm:txPr/>
+    <dgm:style>
+      <a:lnRef idx="2">
+        <a:scrgbClr r="0" g="0" b="0"/>
+      </a:lnRef>
+      <a:fillRef idx="1">
+        <a:scrgbClr r="0" g="0" b="0"/>
+      </a:fillRef>
+      <a:effectRef idx="0">
+        <a:scrgbClr r="0" g="0" b="0"/>
+      </a:effectRef>
+      <a:fontRef idx="minor"/>
+    </dgm:style>
+  </dgm:styleLbl>
+  <dgm:styleLbl name="revTx">
+    <dgm:scene3d>
+      <a:camera prst="orthographicFront"/>
+      <a:lightRig rig="threePt" dir="t"/>
+    </dgm:scene3d>
+    <dgm:sp3d/>
+    <dgm:txPr/>
+    <dgm:style>
+      <a:lnRef idx="0">
+        <a:scrgbClr r="0" g="0" b="0"/>
+      </a:lnRef>
+      <a:fillRef idx="0">
+        <a:scrgbClr r="0" g="0" b="0"/>
+      </a:fillRef>
+      <a:effectRef idx="0">
+        <a:scrgbClr r="0" g="0" b="0"/>
+      </a:effectRef>
+      <a:fontRef idx="minor"/>
+    </dgm:style>
+  </dgm:styleLbl>
+</dgm:styleDef>
+</file>
+
 <file path=ppt/slideLayouts/slideLayout1.xml><?xml version="1.0" encoding="utf-8"?>
 <p:sldLayout xmlns:a="http://schemas.openxmlformats.org/drawingml/2006/main" xmlns:r="http://schemas.openxmlformats.org/officeDocument/2006/relationships" xmlns:p="http://schemas.openxmlformats.org/presentationml/2006/main" type="title" preserve="1">
   <p:cSld name="Title Slide">
@@ -157,10 +3170,9 @@
           </a:lstStyle>
           <a:p>
             <a:r>
-              <a:rPr lang="en-US" smtClean="0"/>
+              <a:rPr lang="en-US"/>
               <a:t>Click to edit Master title style</a:t>
             </a:r>
-            <a:endParaRPr lang="en-US"/>
           </a:p>
         </p:txBody>
       </p:sp>
@@ -222,10 +3234,9 @@
           </a:lstStyle>
           <a:p>
             <a:r>
-              <a:rPr lang="en-US" smtClean="0"/>
+              <a:rPr lang="en-US"/>
               <a:t>Click to edit Master subtitle style</a:t>
             </a:r>
-            <a:endParaRPr lang="en-US"/>
           </a:p>
         </p:txBody>
       </p:sp>
@@ -246,7 +3257,7 @@
           <a:p>
             <a:fld id="{52E23DBD-9264-4D29-8057-516EA45CA391}" type="datetimeFigureOut">
               <a:rPr lang="en-US" smtClean="0"/>
-              <a:t>9/16/2022</a:t>
+              <a:t>12/30/22</a:t>
             </a:fld>
             <a:endParaRPr lang="en-US"/>
           </a:p>
@@ -340,10 +3351,9 @@
           <a:lstStyle/>
           <a:p>
             <a:r>
-              <a:rPr lang="en-US" smtClean="0"/>
+              <a:rPr lang="en-US"/>
               <a:t>Click to edit Master title style</a:t>
             </a:r>
-            <a:endParaRPr lang="en-US"/>
           </a:p>
         </p:txBody>
       </p:sp>
@@ -364,38 +3374,37 @@
           <a:p>
             <a:pPr lvl="0"/>
             <a:r>
-              <a:rPr lang="en-US" smtClean="0"/>
+              <a:rPr lang="en-US"/>
               <a:t>Edit Master text styles</a:t>
             </a:r>
           </a:p>
           <a:p>
             <a:pPr lvl="1"/>
             <a:r>
-              <a:rPr lang="en-US" smtClean="0"/>
+              <a:rPr lang="en-US"/>
               <a:t>Second level</a:t>
             </a:r>
           </a:p>
           <a:p>
             <a:pPr lvl="2"/>
             <a:r>
-              <a:rPr lang="en-US" smtClean="0"/>
+              <a:rPr lang="en-US"/>
               <a:t>Third level</a:t>
             </a:r>
           </a:p>
           <a:p>
             <a:pPr lvl="3"/>
             <a:r>
-              <a:rPr lang="en-US" smtClean="0"/>
+              <a:rPr lang="en-US"/>
               <a:t>Fourth level</a:t>
             </a:r>
           </a:p>
           <a:p>
             <a:pPr lvl="4"/>
             <a:r>
-              <a:rPr lang="en-US" smtClean="0"/>
+              <a:rPr lang="en-US"/>
               <a:t>Fifth level</a:t>
             </a:r>
-            <a:endParaRPr lang="en-US"/>
           </a:p>
         </p:txBody>
       </p:sp>
@@ -416,7 +3425,7 @@
           <a:p>
             <a:fld id="{52E23DBD-9264-4D29-8057-516EA45CA391}" type="datetimeFigureOut">
               <a:rPr lang="en-US" smtClean="0"/>
-              <a:t>9/16/2022</a:t>
+              <a:t>12/30/22</a:t>
             </a:fld>
             <a:endParaRPr lang="en-US"/>
           </a:p>
@@ -515,10 +3524,9 @@
           <a:lstStyle/>
           <a:p>
             <a:r>
-              <a:rPr lang="en-US" smtClean="0"/>
+              <a:rPr lang="en-US"/>
               <a:t>Click to edit Master title style</a:t>
             </a:r>
-            <a:endParaRPr lang="en-US"/>
           </a:p>
         </p:txBody>
       </p:sp>
@@ -544,38 +3552,37 @@
           <a:p>
             <a:pPr lvl="0"/>
             <a:r>
-              <a:rPr lang="en-US" smtClean="0"/>
+              <a:rPr lang="en-US"/>
               <a:t>Edit Master text styles</a:t>
             </a:r>
           </a:p>
           <a:p>
             <a:pPr lvl="1"/>
             <a:r>
-              <a:rPr lang="en-US" smtClean="0"/>
+              <a:rPr lang="en-US"/>
               <a:t>Second level</a:t>
             </a:r>
           </a:p>
           <a:p>
             <a:pPr lvl="2"/>
             <a:r>
-              <a:rPr lang="en-US" smtClean="0"/>
+              <a:rPr lang="en-US"/>
               <a:t>Third level</a:t>
             </a:r>
           </a:p>
           <a:p>
             <a:pPr lvl="3"/>
             <a:r>
-              <a:rPr lang="en-US" smtClean="0"/>
+              <a:rPr lang="en-US"/>
               <a:t>Fourth level</a:t>
             </a:r>
           </a:p>
           <a:p>
             <a:pPr lvl="4"/>
             <a:r>
-              <a:rPr lang="en-US" smtClean="0"/>
+              <a:rPr lang="en-US"/>
               <a:t>Fifth level</a:t>
             </a:r>
-            <a:endParaRPr lang="en-US"/>
           </a:p>
         </p:txBody>
       </p:sp>
@@ -596,7 +3603,7 @@
           <a:p>
             <a:fld id="{52E23DBD-9264-4D29-8057-516EA45CA391}" type="datetimeFigureOut">
               <a:rPr lang="en-US" smtClean="0"/>
-              <a:t>9/16/2022</a:t>
+              <a:t>12/30/22</a:t>
             </a:fld>
             <a:endParaRPr lang="en-US"/>
           </a:p>
@@ -690,10 +3697,9 @@
           <a:lstStyle/>
           <a:p>
             <a:r>
-              <a:rPr lang="en-US" smtClean="0"/>
+              <a:rPr lang="en-US"/>
               <a:t>Click to edit Master title style</a:t>
             </a:r>
-            <a:endParaRPr lang="en-US"/>
           </a:p>
         </p:txBody>
       </p:sp>
@@ -714,38 +3720,37 @@
           <a:p>
             <a:pPr lvl="0"/>
             <a:r>
-              <a:rPr lang="en-US" smtClean="0"/>
+              <a:rPr lang="en-US"/>
               <a:t>Edit Master text styles</a:t>
             </a:r>
           </a:p>
           <a:p>
             <a:pPr lvl="1"/>
             <a:r>
-              <a:rPr lang="en-US" smtClean="0"/>
+              <a:rPr lang="en-US"/>
               <a:t>Second level</a:t>
             </a:r>
           </a:p>
           <a:p>
             <a:pPr lvl="2"/>
             <a:r>
-              <a:rPr lang="en-US" smtClean="0"/>
+              <a:rPr lang="en-US"/>
               <a:t>Third level</a:t>
             </a:r>
           </a:p>
           <a:p>
             <a:pPr lvl="3"/>
             <a:r>
-              <a:rPr lang="en-US" smtClean="0"/>
+              <a:rPr lang="en-US"/>
               <a:t>Fourth level</a:t>
             </a:r>
           </a:p>
           <a:p>
             <a:pPr lvl="4"/>
             <a:r>
-              <a:rPr lang="en-US" smtClean="0"/>
+              <a:rPr lang="en-US"/>
               <a:t>Fifth level</a:t>
             </a:r>
-            <a:endParaRPr lang="en-US"/>
           </a:p>
         </p:txBody>
       </p:sp>
@@ -766,7 +3771,7 @@
           <a:p>
             <a:fld id="{52E23DBD-9264-4D29-8057-516EA45CA391}" type="datetimeFigureOut">
               <a:rPr lang="en-US" smtClean="0"/>
-              <a:t>9/16/2022</a:t>
+              <a:t>12/30/22</a:t>
             </a:fld>
             <a:endParaRPr lang="en-US"/>
           </a:p>
@@ -869,10 +3874,9 @@
           </a:lstStyle>
           <a:p>
             <a:r>
-              <a:rPr lang="en-US" smtClean="0"/>
+              <a:rPr lang="en-US"/>
               <a:t>Click to edit Master title style</a:t>
             </a:r>
-            <a:endParaRPr lang="en-US"/>
           </a:p>
         </p:txBody>
       </p:sp>
@@ -989,7 +3993,7 @@
           <a:p>
             <a:pPr lvl="0"/>
             <a:r>
-              <a:rPr lang="en-US" smtClean="0"/>
+              <a:rPr lang="en-US"/>
               <a:t>Edit Master text styles</a:t>
             </a:r>
           </a:p>
@@ -1012,7 +4016,7 @@
           <a:p>
             <a:fld id="{52E23DBD-9264-4D29-8057-516EA45CA391}" type="datetimeFigureOut">
               <a:rPr lang="en-US" smtClean="0"/>
-              <a:t>9/16/2022</a:t>
+              <a:t>12/30/22</a:t>
             </a:fld>
             <a:endParaRPr lang="en-US"/>
           </a:p>
@@ -1106,10 +4110,9 @@
           <a:lstStyle/>
           <a:p>
             <a:r>
-              <a:rPr lang="en-US" smtClean="0"/>
+              <a:rPr lang="en-US"/>
               <a:t>Click to edit Master title style</a:t>
             </a:r>
-            <a:endParaRPr lang="en-US"/>
           </a:p>
         </p:txBody>
       </p:sp>
@@ -1135,38 +4138,37 @@
           <a:p>
             <a:pPr lvl="0"/>
             <a:r>
-              <a:rPr lang="en-US" smtClean="0"/>
+              <a:rPr lang="en-US"/>
               <a:t>Edit Master text styles</a:t>
             </a:r>
           </a:p>
           <a:p>
             <a:pPr lvl="1"/>
             <a:r>
-              <a:rPr lang="en-US" smtClean="0"/>
+              <a:rPr lang="en-US"/>
               <a:t>Second level</a:t>
             </a:r>
           </a:p>
           <a:p>
             <a:pPr lvl="2"/>
             <a:r>
-              <a:rPr lang="en-US" smtClean="0"/>
+              <a:rPr lang="en-US"/>
               <a:t>Third level</a:t>
             </a:r>
           </a:p>
           <a:p>
             <a:pPr lvl="3"/>
             <a:r>
-              <a:rPr lang="en-US" smtClean="0"/>
+              <a:rPr lang="en-US"/>
               <a:t>Fourth level</a:t>
             </a:r>
           </a:p>
           <a:p>
             <a:pPr lvl="4"/>
             <a:r>
-              <a:rPr lang="en-US" smtClean="0"/>
+              <a:rPr lang="en-US"/>
               <a:t>Fifth level</a:t>
             </a:r>
-            <a:endParaRPr lang="en-US"/>
           </a:p>
         </p:txBody>
       </p:sp>
@@ -1192,38 +4194,37 @@
           <a:p>
             <a:pPr lvl="0"/>
             <a:r>
-              <a:rPr lang="en-US" smtClean="0"/>
+              <a:rPr lang="en-US"/>
               <a:t>Edit Master text styles</a:t>
             </a:r>
           </a:p>
           <a:p>
             <a:pPr lvl="1"/>
             <a:r>
-              <a:rPr lang="en-US" smtClean="0"/>
+              <a:rPr lang="en-US"/>
               <a:t>Second level</a:t>
             </a:r>
           </a:p>
           <a:p>
             <a:pPr lvl="2"/>
             <a:r>
-              <a:rPr lang="en-US" smtClean="0"/>
+              <a:rPr lang="en-US"/>
               <a:t>Third level</a:t>
             </a:r>
           </a:p>
           <a:p>
             <a:pPr lvl="3"/>
             <a:r>
-              <a:rPr lang="en-US" smtClean="0"/>
+              <a:rPr lang="en-US"/>
               <a:t>Fourth level</a:t>
             </a:r>
           </a:p>
           <a:p>
             <a:pPr lvl="4"/>
             <a:r>
-              <a:rPr lang="en-US" smtClean="0"/>
+              <a:rPr lang="en-US"/>
               <a:t>Fifth level</a:t>
             </a:r>
-            <a:endParaRPr lang="en-US"/>
           </a:p>
         </p:txBody>
       </p:sp>
@@ -1244,7 +4245,7 @@
           <a:p>
             <a:fld id="{52E23DBD-9264-4D29-8057-516EA45CA391}" type="datetimeFigureOut">
               <a:rPr lang="en-US" smtClean="0"/>
-              <a:t>9/16/2022</a:t>
+              <a:t>12/30/22</a:t>
             </a:fld>
             <a:endParaRPr lang="en-US"/>
           </a:p>
@@ -1343,10 +4344,9 @@
           <a:lstStyle/>
           <a:p>
             <a:r>
-              <a:rPr lang="en-US" smtClean="0"/>
+              <a:rPr lang="en-US"/>
               <a:t>Click to edit Master title style</a:t>
             </a:r>
-            <a:endParaRPr lang="en-US"/>
           </a:p>
         </p:txBody>
       </p:sp>
@@ -1409,7 +4409,7 @@
           <a:p>
             <a:pPr lvl="0"/>
             <a:r>
-              <a:rPr lang="en-US" smtClean="0"/>
+              <a:rPr lang="en-US"/>
               <a:t>Edit Master text styles</a:t>
             </a:r>
           </a:p>
@@ -1437,38 +4437,37 @@
           <a:p>
             <a:pPr lvl="0"/>
             <a:r>
-              <a:rPr lang="en-US" smtClean="0"/>
+              <a:rPr lang="en-US"/>
               <a:t>Edit Master text styles</a:t>
             </a:r>
           </a:p>
           <a:p>
             <a:pPr lvl="1"/>
             <a:r>
-              <a:rPr lang="en-US" smtClean="0"/>
+              <a:rPr lang="en-US"/>
               <a:t>Second level</a:t>
             </a:r>
           </a:p>
           <a:p>
             <a:pPr lvl="2"/>
             <a:r>
-              <a:rPr lang="en-US" smtClean="0"/>
+              <a:rPr lang="en-US"/>
               <a:t>Third level</a:t>
             </a:r>
           </a:p>
           <a:p>
             <a:pPr lvl="3"/>
             <a:r>
-              <a:rPr lang="en-US" smtClean="0"/>
+              <a:rPr lang="en-US"/>
               <a:t>Fourth level</a:t>
             </a:r>
           </a:p>
           <a:p>
             <a:pPr lvl="4"/>
             <a:r>
-              <a:rPr lang="en-US" smtClean="0"/>
+              <a:rPr lang="en-US"/>
               <a:t>Fifth level</a:t>
             </a:r>
-            <a:endParaRPr lang="en-US"/>
           </a:p>
         </p:txBody>
       </p:sp>
@@ -1531,7 +4530,7 @@
           <a:p>
             <a:pPr lvl="0"/>
             <a:r>
-              <a:rPr lang="en-US" smtClean="0"/>
+              <a:rPr lang="en-US"/>
               <a:t>Edit Master text styles</a:t>
             </a:r>
           </a:p>
@@ -1559,38 +4558,37 @@
           <a:p>
             <a:pPr lvl="0"/>
             <a:r>
-              <a:rPr lang="en-US" smtClean="0"/>
+              <a:rPr lang="en-US"/>
               <a:t>Edit Master text styles</a:t>
             </a:r>
           </a:p>
           <a:p>
             <a:pPr lvl="1"/>
             <a:r>
-              <a:rPr lang="en-US" smtClean="0"/>
+              <a:rPr lang="en-US"/>
               <a:t>Second level</a:t>
             </a:r>
           </a:p>
           <a:p>
             <a:pPr lvl="2"/>
             <a:r>
-              <a:rPr lang="en-US" smtClean="0"/>
+              <a:rPr lang="en-US"/>
               <a:t>Third level</a:t>
             </a:r>
           </a:p>
           <a:p>
             <a:pPr lvl="3"/>
             <a:r>
-              <a:rPr lang="en-US" smtClean="0"/>
+              <a:rPr lang="en-US"/>
               <a:t>Fourth level</a:t>
             </a:r>
           </a:p>
           <a:p>
             <a:pPr lvl="4"/>
             <a:r>
-              <a:rPr lang="en-US" smtClean="0"/>
+              <a:rPr lang="en-US"/>
               <a:t>Fifth level</a:t>
             </a:r>
-            <a:endParaRPr lang="en-US"/>
           </a:p>
         </p:txBody>
       </p:sp>
@@ -1611,7 +4609,7 @@
           <a:p>
             <a:fld id="{52E23DBD-9264-4D29-8057-516EA45CA391}" type="datetimeFigureOut">
               <a:rPr lang="en-US" smtClean="0"/>
-              <a:t>9/16/2022</a:t>
+              <a:t>12/30/22</a:t>
             </a:fld>
             <a:endParaRPr lang="en-US"/>
           </a:p>
@@ -1705,10 +4703,9 @@
           <a:lstStyle/>
           <a:p>
             <a:r>
-              <a:rPr lang="en-US" smtClean="0"/>
+              <a:rPr lang="en-US"/>
               <a:t>Click to edit Master title style</a:t>
             </a:r>
-            <a:endParaRPr lang="en-US"/>
           </a:p>
         </p:txBody>
       </p:sp>
@@ -1729,7 +4726,7 @@
           <a:p>
             <a:fld id="{52E23DBD-9264-4D29-8057-516EA45CA391}" type="datetimeFigureOut">
               <a:rPr lang="en-US" smtClean="0"/>
-              <a:t>9/16/2022</a:t>
+              <a:t>12/30/22</a:t>
             </a:fld>
             <a:endParaRPr lang="en-US"/>
           </a:p>
@@ -1824,7 +4821,7 @@
           <a:p>
             <a:fld id="{52E23DBD-9264-4D29-8057-516EA45CA391}" type="datetimeFigureOut">
               <a:rPr lang="en-US" smtClean="0"/>
-              <a:t>9/16/2022</a:t>
+              <a:t>12/30/22</a:t>
             </a:fld>
             <a:endParaRPr lang="en-US"/>
           </a:p>
@@ -1927,10 +4924,9 @@
           </a:lstStyle>
           <a:p>
             <a:r>
-              <a:rPr lang="en-US" smtClean="0"/>
+              <a:rPr lang="en-US"/>
               <a:t>Click to edit Master title style</a:t>
             </a:r>
-            <a:endParaRPr lang="en-US"/>
           </a:p>
         </p:txBody>
       </p:sp>
@@ -1984,38 +4980,37 @@
           <a:p>
             <a:pPr lvl="0"/>
             <a:r>
-              <a:rPr lang="en-US" smtClean="0"/>
+              <a:rPr lang="en-US"/>
               <a:t>Edit Master text styles</a:t>
             </a:r>
           </a:p>
           <a:p>
             <a:pPr lvl="1"/>
             <a:r>
-              <a:rPr lang="en-US" smtClean="0"/>
+              <a:rPr lang="en-US"/>
               <a:t>Second level</a:t>
             </a:r>
           </a:p>
           <a:p>
             <a:pPr lvl="2"/>
             <a:r>
-              <a:rPr lang="en-US" smtClean="0"/>
+              <a:rPr lang="en-US"/>
               <a:t>Third level</a:t>
             </a:r>
           </a:p>
           <a:p>
             <a:pPr lvl="3"/>
             <a:r>
-              <a:rPr lang="en-US" smtClean="0"/>
+              <a:rPr lang="en-US"/>
               <a:t>Fourth level</a:t>
             </a:r>
           </a:p>
           <a:p>
             <a:pPr lvl="4"/>
             <a:r>
-              <a:rPr lang="en-US" smtClean="0"/>
+              <a:rPr lang="en-US"/>
               <a:t>Fifth level</a:t>
             </a:r>
-            <a:endParaRPr lang="en-US"/>
           </a:p>
         </p:txBody>
       </p:sp>
@@ -2078,7 +5073,7 @@
           <a:p>
             <a:pPr lvl="0"/>
             <a:r>
-              <a:rPr lang="en-US" smtClean="0"/>
+              <a:rPr lang="en-US"/>
               <a:t>Edit Master text styles</a:t>
             </a:r>
           </a:p>
@@ -2101,7 +5096,7 @@
           <a:p>
             <a:fld id="{52E23DBD-9264-4D29-8057-516EA45CA391}" type="datetimeFigureOut">
               <a:rPr lang="en-US" smtClean="0"/>
-              <a:t>9/16/2022</a:t>
+              <a:t>12/30/22</a:t>
             </a:fld>
             <a:endParaRPr lang="en-US"/>
           </a:p>
@@ -2204,10 +5199,9 @@
           </a:lstStyle>
           <a:p>
             <a:r>
-              <a:rPr lang="en-US" smtClean="0"/>
+              <a:rPr lang="en-US"/>
               <a:t>Click to edit Master title style</a:t>
             </a:r>
-            <a:endParaRPr lang="en-US"/>
           </a:p>
         </p:txBody>
       </p:sp>
@@ -2331,7 +5325,7 @@
           <a:p>
             <a:pPr lvl="0"/>
             <a:r>
-              <a:rPr lang="en-US" smtClean="0"/>
+              <a:rPr lang="en-US"/>
               <a:t>Edit Master text styles</a:t>
             </a:r>
           </a:p>
@@ -2354,7 +5348,7 @@
           <a:p>
             <a:fld id="{52E23DBD-9264-4D29-8057-516EA45CA391}" type="datetimeFigureOut">
               <a:rPr lang="en-US" smtClean="0"/>
-              <a:t>9/16/2022</a:t>
+              <a:t>12/30/22</a:t>
             </a:fld>
             <a:endParaRPr lang="en-US"/>
           </a:p>
@@ -2463,10 +5457,9 @@
           <a:lstStyle/>
           <a:p>
             <a:r>
-              <a:rPr lang="en-US" smtClean="0"/>
+              <a:rPr lang="en-US"/>
               <a:t>Click to edit Master title style</a:t>
             </a:r>
-            <a:endParaRPr lang="en-US"/>
           </a:p>
         </p:txBody>
       </p:sp>
@@ -2497,38 +5490,37 @@
           <a:p>
             <a:pPr lvl="0"/>
             <a:r>
-              <a:rPr lang="en-US" smtClean="0"/>
+              <a:rPr lang="en-US"/>
               <a:t>Edit Master text styles</a:t>
             </a:r>
           </a:p>
           <a:p>
             <a:pPr lvl="1"/>
             <a:r>
-              <a:rPr lang="en-US" smtClean="0"/>
+              <a:rPr lang="en-US"/>
               <a:t>Second level</a:t>
             </a:r>
           </a:p>
           <a:p>
             <a:pPr lvl="2"/>
             <a:r>
-              <a:rPr lang="en-US" smtClean="0"/>
+              <a:rPr lang="en-US"/>
               <a:t>Third level</a:t>
             </a:r>
           </a:p>
           <a:p>
             <a:pPr lvl="3"/>
             <a:r>
-              <a:rPr lang="en-US" smtClean="0"/>
+              <a:rPr lang="en-US"/>
               <a:t>Fourth level</a:t>
             </a:r>
           </a:p>
           <a:p>
             <a:pPr lvl="4"/>
             <a:r>
-              <a:rPr lang="en-US" smtClean="0"/>
+              <a:rPr lang="en-US"/>
               <a:t>Fifth level</a:t>
             </a:r>
-            <a:endParaRPr lang="en-US"/>
           </a:p>
         </p:txBody>
       </p:sp>
@@ -2567,7 +5559,7 @@
           <a:p>
             <a:fld id="{52E23DBD-9264-4D29-8057-516EA45CA391}" type="datetimeFigureOut">
               <a:rPr lang="en-US" smtClean="0"/>
-              <a:t>9/16/2022</a:t>
+              <a:t>12/30/22</a:t>
             </a:fld>
             <a:endParaRPr lang="en-US"/>
           </a:p>
@@ -2958,6 +5950,14 @@
 <file path=ppt/slides/slide1.xml><?xml version="1.0" encoding="utf-8"?>
 <p:sld xmlns:a="http://schemas.openxmlformats.org/drawingml/2006/main" xmlns:r="http://schemas.openxmlformats.org/officeDocument/2006/relationships" xmlns:p="http://schemas.openxmlformats.org/presentationml/2006/main">
   <p:cSld>
+    <p:bg>
+      <p:bgPr>
+        <a:solidFill>
+          <a:schemeClr val="bg1"/>
+        </a:solidFill>
+        <a:effectLst/>
+      </p:bgPr>
+    </p:bg>
     <p:spTree>
       <p:nvGrpSpPr>
         <p:cNvPr id="1" name=""/>
@@ -2974,6 +5974,129 @@
       </p:grpSpPr>
       <p:sp>
         <p:nvSpPr>
+          <p:cNvPr id="18" name="Rectangle 13">
+            <a:extLst>
+              <a:ext uri="{FF2B5EF4-FFF2-40B4-BE49-F238E27FC236}">
+                <a16:creationId xmlns:a16="http://schemas.microsoft.com/office/drawing/2014/main" id="{71B2258F-86CA-4D4D-8270-BC05FCDEBFB3}"/>
+              </a:ext>
+              <a:ext uri="{C183D7F6-B498-43B3-948B-1728B52AA6E4}">
+                <adec:decorative xmlns:adec="http://schemas.microsoft.com/office/drawing/2017/decorative" val="1"/>
+              </a:ext>
+            </a:extLst>
+          </p:cNvPr>
+          <p:cNvSpPr>
+            <a:spLocks noGrp="1" noRot="1" noChangeAspect="1" noMove="1" noResize="1" noEditPoints="1" noAdjustHandles="1" noChangeArrowheads="1" noChangeShapeType="1" noTextEdit="1"/>
+          </p:cNvSpPr>
+          <p:nvPr>
+            <p:extLst>
+              <p:ext uri="{386F3935-93C4-4BCD-93E2-E3B085C9AB24}">
+                <p16:designElem xmlns:p16="http://schemas.microsoft.com/office/powerpoint/2015/main" val="1"/>
+              </p:ext>
+            </p:extLst>
+          </p:nvPr>
+        </p:nvSpPr>
+        <p:spPr>
+          <a:xfrm>
+            <a:off x="0" y="0"/>
+            <a:ext cx="12192000" cy="6857999"/>
+          </a:xfrm>
+          <a:prstGeom prst="rect">
+            <a:avLst/>
+          </a:prstGeom>
+          <a:solidFill>
+            <a:srgbClr val="000000"/>
+          </a:solidFill>
+          <a:ln>
+            <a:noFill/>
+          </a:ln>
+        </p:spPr>
+        <p:style>
+          <a:lnRef idx="2">
+            <a:schemeClr val="accent1">
+              <a:shade val="50000"/>
+            </a:schemeClr>
+          </a:lnRef>
+          <a:fillRef idx="1">
+            <a:schemeClr val="accent1"/>
+          </a:fillRef>
+          <a:effectRef idx="0">
+            <a:schemeClr val="accent1"/>
+          </a:effectRef>
+          <a:fontRef idx="minor">
+            <a:schemeClr val="lt1"/>
+          </a:fontRef>
+        </p:style>
+        <p:txBody>
+          <a:bodyPr rtlCol="0" anchor="ctr"/>
+          <a:lstStyle/>
+          <a:p>
+            <a:pPr marL="0" marR="0" lvl="0" indent="0" algn="ctr" defTabSz="914400" rtl="0" eaLnBrk="1" fontAlgn="auto" latinLnBrk="0" hangingPunct="1">
+              <a:lnSpc>
+                <a:spcPct val="100000"/>
+              </a:lnSpc>
+              <a:spcBef>
+                <a:spcPts val="0"/>
+              </a:spcBef>
+              <a:spcAft>
+                <a:spcPts val="0"/>
+              </a:spcAft>
+              <a:buClrTx/>
+              <a:buSzTx/>
+              <a:buFontTx/>
+              <a:buNone/>
+              <a:tabLst/>
+              <a:defRPr/>
+            </a:pPr>
+            <a:endParaRPr kumimoji="0" lang="en-US" sz="1800" b="0" i="0" u="none" strike="noStrike" kern="1200" cap="none" spc="0" normalizeH="0" baseline="0" noProof="0">
+              <a:ln>
+                <a:noFill/>
+              </a:ln>
+              <a:solidFill>
+                <a:prstClr val="white"/>
+              </a:solidFill>
+              <a:effectLst/>
+              <a:uLnTx/>
+              <a:uFillTx/>
+              <a:latin typeface="Calibri" panose="020F0502020204030204"/>
+              <a:ea typeface="+mn-ea"/>
+              <a:cs typeface="+mn-cs"/>
+            </a:endParaRPr>
+          </a:p>
+        </p:txBody>
+      </p:sp>
+      <p:pic>
+        <p:nvPicPr>
+          <p:cNvPr id="5" name="Picture 4">
+            <a:extLst>
+              <a:ext uri="{FF2B5EF4-FFF2-40B4-BE49-F238E27FC236}">
+                <a16:creationId xmlns:a16="http://schemas.microsoft.com/office/drawing/2014/main" id="{03BC0689-6403-85CC-7A85-74A04FE9CE34}"/>
+              </a:ext>
+            </a:extLst>
+          </p:cNvPr>
+          <p:cNvPicPr>
+            <a:picLocks noChangeAspect="1"/>
+          </p:cNvPicPr>
+          <p:nvPr/>
+        </p:nvPicPr>
+        <p:blipFill rotWithShape="1">
+          <a:blip r:embed="rId2">
+            <a:alphaModFix amt="50000"/>
+          </a:blip>
+          <a:srcRect t="1747"/>
+          <a:stretch/>
+        </p:blipFill>
+        <p:spPr>
+          <a:xfrm>
+            <a:off x="20" y="1"/>
+            <a:ext cx="12191980" cy="6857999"/>
+          </a:xfrm>
+          <a:prstGeom prst="rect">
+            <a:avLst/>
+          </a:prstGeom>
+        </p:spPr>
+      </p:pic>
+      <p:sp>
+        <p:nvSpPr>
           <p:cNvPr id="2" name="Title 1"/>
           <p:cNvSpPr>
             <a:spLocks noGrp="1"/>
@@ -2982,16 +6105,26 @@
             <p:ph type="ctrTitle"/>
           </p:nvPr>
         </p:nvSpPr>
-        <p:spPr/>
+        <p:spPr>
+          <a:xfrm>
+            <a:off x="4852204" y="2945417"/>
+            <a:ext cx="2487592" cy="967164"/>
+          </a:xfrm>
+        </p:spPr>
         <p:txBody>
-          <a:bodyPr/>
+          <a:bodyPr>
+            <a:normAutofit/>
+          </a:bodyPr>
           <a:lstStyle/>
           <a:p>
             <a:r>
-              <a:rPr lang="en-US" dirty="0" smtClean="0"/>
+              <a:rPr lang="en-US" sz="4400" dirty="0">
+                <a:solidFill>
+                  <a:srgbClr val="FFFFFF"/>
+                </a:solidFill>
+              </a:rPr>
               <a:t>PyPdf2</a:t>
             </a:r>
-            <a:endParaRPr lang="en-US" dirty="0"/>
           </a:p>
         </p:txBody>
       </p:sp>
@@ -3005,20 +6138,26 @@
             <p:ph type="subTitle" idx="1"/>
           </p:nvPr>
         </p:nvSpPr>
-        <p:spPr/>
+        <p:spPr>
+          <a:xfrm>
+            <a:off x="838200" y="4159404"/>
+            <a:ext cx="10515600" cy="1098395"/>
+          </a:xfrm>
+        </p:spPr>
         <p:txBody>
-          <a:bodyPr/>
+          <a:bodyPr>
+            <a:normAutofit/>
+          </a:bodyPr>
           <a:lstStyle/>
           <a:p>
             <a:r>
-              <a:rPr lang="en-US" dirty="0" smtClean="0"/>
-              <a:t>Musadaq </a:t>
-            </a:r>
-            <a:r>
-              <a:rPr lang="en-US" dirty="0" err="1" smtClean="0"/>
-              <a:t>Mansoor</a:t>
-            </a:r>
-            <a:endParaRPr lang="en-US" dirty="0"/>
+              <a:rPr lang="en-US" sz="2000">
+                <a:solidFill>
+                  <a:srgbClr val="FFFFFF"/>
+                </a:solidFill>
+              </a:rPr>
+              <a:t>Musadaq Mansoor</a:t>
+            </a:r>
           </a:p>
         </p:txBody>
       </p:sp>
@@ -3038,6 +6177,14 @@
 <file path=ppt/slides/slide2.xml><?xml version="1.0" encoding="utf-8"?>
 <p:sld xmlns:a="http://schemas.openxmlformats.org/drawingml/2006/main" xmlns:r="http://schemas.openxmlformats.org/officeDocument/2006/relationships" xmlns:p="http://schemas.openxmlformats.org/presentationml/2006/main">
   <p:cSld>
+    <p:bg>
+      <p:bgPr>
+        <a:solidFill>
+          <a:schemeClr val="bg1"/>
+        </a:solidFill>
+        <a:effectLst/>
+      </p:bgPr>
+    </p:bg>
     <p:spTree>
       <p:nvGrpSpPr>
         <p:cNvPr id="1" name=""/>
@@ -3054,6 +6201,600 @@
       </p:grpSpPr>
       <p:sp>
         <p:nvSpPr>
+          <p:cNvPr id="11" name="Freeform: Shape 10">
+            <a:extLst>
+              <a:ext uri="{FF2B5EF4-FFF2-40B4-BE49-F238E27FC236}">
+                <a16:creationId xmlns:a16="http://schemas.microsoft.com/office/drawing/2014/main" id="{42285737-90EE-47DC-AC80-8AE156B11969}"/>
+              </a:ext>
+              <a:ext uri="{C183D7F6-B498-43B3-948B-1728B52AA6E4}">
+                <adec:decorative xmlns:adec="http://schemas.microsoft.com/office/drawing/2017/decorative" val="1"/>
+              </a:ext>
+            </a:extLst>
+          </p:cNvPr>
+          <p:cNvSpPr>
+            <a:spLocks noGrp="1" noRot="1" noChangeAspect="1" noMove="1" noResize="1" noEditPoints="1" noAdjustHandles="1" noChangeArrowheads="1" noChangeShapeType="1" noTextEdit="1"/>
+          </p:cNvSpPr>
+          <p:nvPr>
+            <p:extLst>
+              <p:ext uri="{386F3935-93C4-4BCD-93E2-E3B085C9AB24}">
+                <p16:designElem xmlns:p16="http://schemas.microsoft.com/office/powerpoint/2015/main" val="1"/>
+              </p:ext>
+            </p:extLst>
+          </p:nvPr>
+        </p:nvSpPr>
+        <p:spPr>
+          <a:xfrm flipV="1">
+            <a:off x="-1" y="-1"/>
+            <a:ext cx="4403709" cy="6858001"/>
+          </a:xfrm>
+          <a:custGeom>
+            <a:avLst/>
+            <a:gdLst>
+              <a:gd name="connsiteX0" fmla="*/ 3223890 w 4403709"/>
+              <a:gd name="connsiteY0" fmla="*/ 6858001 h 6858001"/>
+              <a:gd name="connsiteX1" fmla="*/ 4101908 w 4403709"/>
+              <a:gd name="connsiteY1" fmla="*/ 6858001 h 6858001"/>
+              <a:gd name="connsiteX2" fmla="*/ 3254950 w 4403709"/>
+              <a:gd name="connsiteY2" fmla="*/ 1599356 h 6858001"/>
+              <a:gd name="connsiteX3" fmla="*/ 3254950 w 4403709"/>
+              <a:gd name="connsiteY3" fmla="*/ 1594062 h 6858001"/>
+              <a:gd name="connsiteX4" fmla="*/ 4403709 w 4403709"/>
+              <a:gd name="connsiteY4" fmla="*/ 0 h 6858001"/>
+              <a:gd name="connsiteX5" fmla="*/ 3254950 w 4403709"/>
+              <a:gd name="connsiteY5" fmla="*/ 0 h 6858001"/>
+              <a:gd name="connsiteX6" fmla="*/ 2903520 w 4403709"/>
+              <a:gd name="connsiteY6" fmla="*/ 0 h 6858001"/>
+              <a:gd name="connsiteX7" fmla="*/ 0 w 4403709"/>
+              <a:gd name="connsiteY7" fmla="*/ 0 h 6858001"/>
+              <a:gd name="connsiteX8" fmla="*/ 0 w 4403709"/>
+              <a:gd name="connsiteY8" fmla="*/ 6858000 h 6858001"/>
+              <a:gd name="connsiteX9" fmla="*/ 3223890 w 4403709"/>
+              <a:gd name="connsiteY9" fmla="*/ 6858000 h 6858001"/>
+            </a:gdLst>
+            <a:ahLst/>
+            <a:cxnLst>
+              <a:cxn ang="0">
+                <a:pos x="connsiteX0" y="connsiteY0"/>
+              </a:cxn>
+              <a:cxn ang="0">
+                <a:pos x="connsiteX1" y="connsiteY1"/>
+              </a:cxn>
+              <a:cxn ang="0">
+                <a:pos x="connsiteX2" y="connsiteY2"/>
+              </a:cxn>
+              <a:cxn ang="0">
+                <a:pos x="connsiteX3" y="connsiteY3"/>
+              </a:cxn>
+              <a:cxn ang="0">
+                <a:pos x="connsiteX4" y="connsiteY4"/>
+              </a:cxn>
+              <a:cxn ang="0">
+                <a:pos x="connsiteX5" y="connsiteY5"/>
+              </a:cxn>
+              <a:cxn ang="0">
+                <a:pos x="connsiteX6" y="connsiteY6"/>
+              </a:cxn>
+              <a:cxn ang="0">
+                <a:pos x="connsiteX7" y="connsiteY7"/>
+              </a:cxn>
+              <a:cxn ang="0">
+                <a:pos x="connsiteX8" y="connsiteY8"/>
+              </a:cxn>
+              <a:cxn ang="0">
+                <a:pos x="connsiteX9" y="connsiteY9"/>
+              </a:cxn>
+            </a:cxnLst>
+            <a:rect l="l" t="t" r="r" b="b"/>
+            <a:pathLst>
+              <a:path w="4403709" h="6858001">
+                <a:moveTo>
+                  <a:pt x="3223890" y="6858001"/>
+                </a:moveTo>
+                <a:lnTo>
+                  <a:pt x="4101908" y="6858001"/>
+                </a:lnTo>
+                <a:lnTo>
+                  <a:pt x="3254950" y="1599356"/>
+                </a:lnTo>
+                <a:lnTo>
+                  <a:pt x="3254950" y="1594062"/>
+                </a:lnTo>
+                <a:lnTo>
+                  <a:pt x="4403709" y="0"/>
+                </a:lnTo>
+                <a:lnTo>
+                  <a:pt x="3254950" y="0"/>
+                </a:lnTo>
+                <a:lnTo>
+                  <a:pt x="2903520" y="0"/>
+                </a:lnTo>
+                <a:lnTo>
+                  <a:pt x="0" y="0"/>
+                </a:lnTo>
+                <a:lnTo>
+                  <a:pt x="0" y="6858000"/>
+                </a:lnTo>
+                <a:lnTo>
+                  <a:pt x="3223890" y="6858000"/>
+                </a:lnTo>
+                <a:close/>
+              </a:path>
+            </a:pathLst>
+          </a:custGeom>
+          <a:ln>
+            <a:noFill/>
+          </a:ln>
+        </p:spPr>
+        <p:style>
+          <a:lnRef idx="2">
+            <a:schemeClr val="accent1">
+              <a:shade val="50000"/>
+            </a:schemeClr>
+          </a:lnRef>
+          <a:fillRef idx="1002">
+            <a:schemeClr val="dk1"/>
+          </a:fillRef>
+          <a:effectRef idx="0">
+            <a:schemeClr val="accent1"/>
+          </a:effectRef>
+          <a:fontRef idx="minor">
+            <a:schemeClr val="lt1"/>
+          </a:fontRef>
+        </p:style>
+        <p:txBody>
+          <a:bodyPr rtlCol="0" anchor="ctr"/>
+          <a:lstStyle/>
+          <a:p>
+            <a:pPr marL="0" marR="0" lvl="0" indent="0" algn="ctr" defTabSz="457200" rtl="0" eaLnBrk="1" fontAlgn="auto" latinLnBrk="0" hangingPunct="1">
+              <a:lnSpc>
+                <a:spcPct val="100000"/>
+              </a:lnSpc>
+              <a:spcBef>
+                <a:spcPts val="0"/>
+              </a:spcBef>
+              <a:spcAft>
+                <a:spcPts val="0"/>
+              </a:spcAft>
+              <a:buClrTx/>
+              <a:buSzTx/>
+              <a:buFontTx/>
+              <a:buNone/>
+              <a:tabLst/>
+              <a:defRPr/>
+            </a:pPr>
+            <a:endParaRPr kumimoji="0" lang="en-US" sz="1800" b="0" i="0" u="none" strike="noStrike" kern="1200" cap="none" spc="0" normalizeH="0" baseline="0" noProof="0">
+              <a:ln>
+                <a:noFill/>
+              </a:ln>
+              <a:solidFill>
+                <a:prstClr val="black"/>
+              </a:solidFill>
+              <a:effectLst/>
+              <a:uLnTx/>
+              <a:uFillTx/>
+              <a:latin typeface="Calibri" panose="020F0502020204030204"/>
+              <a:ea typeface="+mn-ea"/>
+              <a:cs typeface="+mn-cs"/>
+            </a:endParaRPr>
+          </a:p>
+        </p:txBody>
+      </p:sp>
+      <p:grpSp>
+        <p:nvGrpSpPr>
+          <p:cNvPr id="13" name="Group 12">
+            <a:extLst>
+              <a:ext uri="{FF2B5EF4-FFF2-40B4-BE49-F238E27FC236}">
+                <a16:creationId xmlns:a16="http://schemas.microsoft.com/office/drawing/2014/main" id="{B57BDC17-F1B3-455F-BBF1-680AA1F25C06}"/>
+              </a:ext>
+              <a:ext uri="{C183D7F6-B498-43B3-948B-1728B52AA6E4}">
+                <adec:decorative xmlns:adec="http://schemas.microsoft.com/office/drawing/2017/decorative" val="1"/>
+              </a:ext>
+            </a:extLst>
+          </p:cNvPr>
+          <p:cNvGrpSpPr>
+            <a:grpSpLocks noGrp="1" noUngrp="1" noRot="1" noChangeAspect="1" noMove="1" noResize="1"/>
+          </p:cNvGrpSpPr>
+          <p:nvPr>
+            <p:extLst>
+              <p:ext uri="{386F3935-93C4-4BCD-93E2-E3B085C9AB24}">
+                <p16:designElem xmlns:p16="http://schemas.microsoft.com/office/powerpoint/2015/main" val="1"/>
+              </p:ext>
+            </p:extLst>
+          </p:nvPr>
+        </p:nvGrpSpPr>
+        <p:grpSpPr>
+          <a:xfrm>
+            <a:off x="3315292" y="0"/>
+            <a:ext cx="2436813" cy="6858001"/>
+            <a:chOff x="1320800" y="0"/>
+            <a:chExt cx="2436813" cy="6858001"/>
+          </a:xfrm>
+        </p:grpSpPr>
+        <p:sp>
+          <p:nvSpPr>
+            <p:cNvPr id="14" name="Freeform 6">
+              <a:extLst>
+                <a:ext uri="{FF2B5EF4-FFF2-40B4-BE49-F238E27FC236}">
+                  <a16:creationId xmlns:a16="http://schemas.microsoft.com/office/drawing/2014/main" id="{64E2FA9A-FEF7-4501-B0EB-5E45EDD2177A}"/>
+                </a:ext>
+                <a:ext uri="{C183D7F6-B498-43B3-948B-1728B52AA6E4}">
+                  <adec:decorative xmlns:adec="http://schemas.microsoft.com/office/drawing/2017/decorative" val="1"/>
+                </a:ext>
+              </a:extLst>
+            </p:cNvPr>
+            <p:cNvSpPr/>
+            <p:nvPr>
+              <p:extLst>
+                <p:ext uri="{386F3935-93C4-4BCD-93E2-E3B085C9AB24}">
+                  <p16:designElem xmlns:p16="http://schemas.microsoft.com/office/powerpoint/2015/main" val="1"/>
+                </p:ext>
+              </p:extLst>
+            </p:nvPr>
+          </p:nvSpPr>
+          <p:spPr bwMode="auto">
+            <a:xfrm>
+              <a:off x="1627188" y="0"/>
+              <a:ext cx="1122363" cy="5329238"/>
+            </a:xfrm>
+            <a:custGeom>
+              <a:avLst/>
+              <a:gdLst/>
+              <a:ahLst/>
+              <a:cxnLst/>
+              <a:rect l="0" t="0" r="r" b="b"/>
+              <a:pathLst>
+                <a:path w="707" h="3357">
+                  <a:moveTo>
+                    <a:pt x="0" y="3330"/>
+                  </a:moveTo>
+                  <a:lnTo>
+                    <a:pt x="156" y="3357"/>
+                  </a:lnTo>
+                  <a:lnTo>
+                    <a:pt x="707" y="0"/>
+                  </a:lnTo>
+                  <a:lnTo>
+                    <a:pt x="547" y="0"/>
+                  </a:lnTo>
+                  <a:lnTo>
+                    <a:pt x="0" y="3330"/>
+                  </a:lnTo>
+                  <a:close/>
+                </a:path>
+              </a:pathLst>
+            </a:custGeom>
+            <a:solidFill>
+              <a:schemeClr val="accent1"/>
+            </a:solidFill>
+            <a:ln>
+              <a:noFill/>
+            </a:ln>
+          </p:spPr>
+        </p:sp>
+        <p:sp>
+          <p:nvSpPr>
+            <p:cNvPr id="15" name="Freeform 7">
+              <a:extLst>
+                <a:ext uri="{FF2B5EF4-FFF2-40B4-BE49-F238E27FC236}">
+                  <a16:creationId xmlns:a16="http://schemas.microsoft.com/office/drawing/2014/main" id="{BC38192B-B4CB-47D4-A3B1-10010247F158}"/>
+                </a:ext>
+                <a:ext uri="{C183D7F6-B498-43B3-948B-1728B52AA6E4}">
+                  <adec:decorative xmlns:adec="http://schemas.microsoft.com/office/drawing/2017/decorative" val="1"/>
+                </a:ext>
+              </a:extLst>
+            </p:cNvPr>
+            <p:cNvSpPr/>
+            <p:nvPr>
+              <p:extLst>
+                <p:ext uri="{386F3935-93C4-4BCD-93E2-E3B085C9AB24}">
+                  <p16:designElem xmlns:p16="http://schemas.microsoft.com/office/powerpoint/2015/main" val="1"/>
+                </p:ext>
+              </p:extLst>
+            </p:nvPr>
+          </p:nvSpPr>
+          <p:spPr bwMode="auto">
+            <a:xfrm>
+              <a:off x="1320800" y="0"/>
+              <a:ext cx="1117600" cy="5276850"/>
+            </a:xfrm>
+            <a:custGeom>
+              <a:avLst/>
+              <a:gdLst/>
+              <a:ahLst/>
+              <a:cxnLst/>
+              <a:rect l="0" t="0" r="r" b="b"/>
+              <a:pathLst>
+                <a:path w="704" h="3324">
+                  <a:moveTo>
+                    <a:pt x="704" y="0"/>
+                  </a:moveTo>
+                  <a:lnTo>
+                    <a:pt x="545" y="0"/>
+                  </a:lnTo>
+                  <a:lnTo>
+                    <a:pt x="0" y="3300"/>
+                  </a:lnTo>
+                  <a:lnTo>
+                    <a:pt x="157" y="3324"/>
+                  </a:lnTo>
+                  <a:lnTo>
+                    <a:pt x="704" y="0"/>
+                  </a:lnTo>
+                  <a:close/>
+                </a:path>
+              </a:pathLst>
+            </a:custGeom>
+            <a:solidFill>
+              <a:srgbClr val="595959"/>
+            </a:solidFill>
+            <a:ln>
+              <a:noFill/>
+            </a:ln>
+          </p:spPr>
+        </p:sp>
+        <p:sp>
+          <p:nvSpPr>
+            <p:cNvPr id="16" name="Freeform 8">
+              <a:extLst>
+                <a:ext uri="{FF2B5EF4-FFF2-40B4-BE49-F238E27FC236}">
+                  <a16:creationId xmlns:a16="http://schemas.microsoft.com/office/drawing/2014/main" id="{96330E33-E171-4B0F-82B5-AF7230399B5C}"/>
+                </a:ext>
+                <a:ext uri="{C183D7F6-B498-43B3-948B-1728B52AA6E4}">
+                  <adec:decorative xmlns:adec="http://schemas.microsoft.com/office/drawing/2017/decorative" val="1"/>
+                </a:ext>
+              </a:extLst>
+            </p:cNvPr>
+            <p:cNvSpPr/>
+            <p:nvPr>
+              <p:extLst>
+                <p:ext uri="{386F3935-93C4-4BCD-93E2-E3B085C9AB24}">
+                  <p16:designElem xmlns:p16="http://schemas.microsoft.com/office/powerpoint/2015/main" val="1"/>
+                </p:ext>
+              </p:extLst>
+            </p:nvPr>
+          </p:nvSpPr>
+          <p:spPr bwMode="auto">
+            <a:xfrm>
+              <a:off x="1320800" y="5238750"/>
+              <a:ext cx="1228725" cy="1619250"/>
+            </a:xfrm>
+            <a:custGeom>
+              <a:avLst/>
+              <a:gdLst/>
+              <a:ahLst/>
+              <a:cxnLst/>
+              <a:rect l="0" t="0" r="r" b="b"/>
+              <a:pathLst>
+                <a:path w="774" h="1020">
+                  <a:moveTo>
+                    <a:pt x="0" y="0"/>
+                  </a:moveTo>
+                  <a:lnTo>
+                    <a:pt x="740" y="1020"/>
+                  </a:lnTo>
+                  <a:lnTo>
+                    <a:pt x="774" y="1020"/>
+                  </a:lnTo>
+                  <a:lnTo>
+                    <a:pt x="0" y="0"/>
+                  </a:lnTo>
+                  <a:close/>
+                </a:path>
+              </a:pathLst>
+            </a:custGeom>
+            <a:solidFill>
+              <a:srgbClr val="262626"/>
+            </a:solidFill>
+            <a:ln>
+              <a:noFill/>
+            </a:ln>
+          </p:spPr>
+        </p:sp>
+        <p:sp>
+          <p:nvSpPr>
+            <p:cNvPr id="17" name="Freeform 9">
+              <a:extLst>
+                <a:ext uri="{FF2B5EF4-FFF2-40B4-BE49-F238E27FC236}">
+                  <a16:creationId xmlns:a16="http://schemas.microsoft.com/office/drawing/2014/main" id="{332B1723-69BF-42D7-B757-0FA059E15256}"/>
+                </a:ext>
+                <a:ext uri="{C183D7F6-B498-43B3-948B-1728B52AA6E4}">
+                  <adec:decorative xmlns:adec="http://schemas.microsoft.com/office/drawing/2017/decorative" val="1"/>
+                </a:ext>
+              </a:extLst>
+            </p:cNvPr>
+            <p:cNvSpPr/>
+            <p:nvPr>
+              <p:extLst>
+                <p:ext uri="{386F3935-93C4-4BCD-93E2-E3B085C9AB24}">
+                  <p16:designElem xmlns:p16="http://schemas.microsoft.com/office/powerpoint/2015/main" val="1"/>
+                </p:ext>
+              </p:extLst>
+            </p:nvPr>
+          </p:nvSpPr>
+          <p:spPr bwMode="auto">
+            <a:xfrm>
+              <a:off x="1627188" y="5291138"/>
+              <a:ext cx="1495425" cy="1566863"/>
+            </a:xfrm>
+            <a:custGeom>
+              <a:avLst/>
+              <a:gdLst/>
+              <a:ahLst/>
+              <a:cxnLst/>
+              <a:rect l="0" t="0" r="r" b="b"/>
+              <a:pathLst>
+                <a:path w="942" h="987">
+                  <a:moveTo>
+                    <a:pt x="0" y="0"/>
+                  </a:moveTo>
+                  <a:lnTo>
+                    <a:pt x="909" y="987"/>
+                  </a:lnTo>
+                  <a:lnTo>
+                    <a:pt x="942" y="987"/>
+                  </a:lnTo>
+                  <a:lnTo>
+                    <a:pt x="0" y="0"/>
+                  </a:lnTo>
+                  <a:close/>
+                </a:path>
+              </a:pathLst>
+            </a:custGeom>
+            <a:solidFill>
+              <a:schemeClr val="accent1">
+                <a:lumMod val="50000"/>
+              </a:schemeClr>
+            </a:solidFill>
+            <a:ln>
+              <a:noFill/>
+            </a:ln>
+          </p:spPr>
+        </p:sp>
+        <p:sp>
+          <p:nvSpPr>
+            <p:cNvPr id="18" name="Freeform 10">
+              <a:extLst>
+                <a:ext uri="{FF2B5EF4-FFF2-40B4-BE49-F238E27FC236}">
+                  <a16:creationId xmlns:a16="http://schemas.microsoft.com/office/drawing/2014/main" id="{F115D62D-1E96-48D1-A78D-D370A0BFB9B5}"/>
+                </a:ext>
+                <a:ext uri="{C183D7F6-B498-43B3-948B-1728B52AA6E4}">
+                  <adec:decorative xmlns:adec="http://schemas.microsoft.com/office/drawing/2017/decorative" val="1"/>
+                </a:ext>
+              </a:extLst>
+            </p:cNvPr>
+            <p:cNvSpPr/>
+            <p:nvPr>
+              <p:extLst>
+                <p:ext uri="{386F3935-93C4-4BCD-93E2-E3B085C9AB24}">
+                  <p16:designElem xmlns:p16="http://schemas.microsoft.com/office/powerpoint/2015/main" val="1"/>
+                </p:ext>
+              </p:extLst>
+            </p:nvPr>
+          </p:nvSpPr>
+          <p:spPr bwMode="auto">
+            <a:xfrm>
+              <a:off x="1627188" y="5286375"/>
+              <a:ext cx="2130425" cy="1571625"/>
+            </a:xfrm>
+            <a:custGeom>
+              <a:avLst/>
+              <a:gdLst/>
+              <a:ahLst/>
+              <a:cxnLst/>
+              <a:rect l="0" t="0" r="r" b="b"/>
+              <a:pathLst>
+                <a:path w="1342" h="990">
+                  <a:moveTo>
+                    <a:pt x="0" y="3"/>
+                  </a:moveTo>
+                  <a:lnTo>
+                    <a:pt x="942" y="990"/>
+                  </a:lnTo>
+                  <a:lnTo>
+                    <a:pt x="1342" y="990"/>
+                  </a:lnTo>
+                  <a:lnTo>
+                    <a:pt x="156" y="27"/>
+                  </a:lnTo>
+                  <a:lnTo>
+                    <a:pt x="0" y="0"/>
+                  </a:lnTo>
+                  <a:lnTo>
+                    <a:pt x="0" y="3"/>
+                  </a:lnTo>
+                  <a:close/>
+                </a:path>
+              </a:pathLst>
+            </a:custGeom>
+            <a:solidFill>
+              <a:schemeClr val="accent1">
+                <a:lumMod val="75000"/>
+              </a:schemeClr>
+            </a:solidFill>
+            <a:ln>
+              <a:noFill/>
+            </a:ln>
+          </p:spPr>
+        </p:sp>
+        <p:sp>
+          <p:nvSpPr>
+            <p:cNvPr id="19" name="Freeform 11">
+              <a:extLst>
+                <a:ext uri="{FF2B5EF4-FFF2-40B4-BE49-F238E27FC236}">
+                  <a16:creationId xmlns:a16="http://schemas.microsoft.com/office/drawing/2014/main" id="{91C2876A-169D-4822-A766-C00578C88B4B}"/>
+                </a:ext>
+                <a:ext uri="{C183D7F6-B498-43B3-948B-1728B52AA6E4}">
+                  <adec:decorative xmlns:adec="http://schemas.microsoft.com/office/drawing/2017/decorative" val="1"/>
+                </a:ext>
+              </a:extLst>
+            </p:cNvPr>
+            <p:cNvSpPr/>
+            <p:nvPr>
+              <p:extLst>
+                <p:ext uri="{386F3935-93C4-4BCD-93E2-E3B085C9AB24}">
+                  <p16:designElem xmlns:p16="http://schemas.microsoft.com/office/powerpoint/2015/main" val="1"/>
+                </p:ext>
+              </p:extLst>
+            </p:nvPr>
+          </p:nvSpPr>
+          <p:spPr bwMode="auto">
+            <a:xfrm>
+              <a:off x="1320800" y="5238750"/>
+              <a:ext cx="1695450" cy="1619250"/>
+            </a:xfrm>
+            <a:custGeom>
+              <a:avLst/>
+              <a:gdLst/>
+              <a:ahLst/>
+              <a:cxnLst/>
+              <a:rect l="0" t="0" r="r" b="b"/>
+              <a:pathLst>
+                <a:path w="1068" h="1020">
+                  <a:moveTo>
+                    <a:pt x="1068" y="1020"/>
+                  </a:moveTo>
+                  <a:lnTo>
+                    <a:pt x="184" y="60"/>
+                  </a:lnTo>
+                  <a:lnTo>
+                    <a:pt x="154" y="27"/>
+                  </a:lnTo>
+                  <a:lnTo>
+                    <a:pt x="157" y="27"/>
+                  </a:lnTo>
+                  <a:lnTo>
+                    <a:pt x="157" y="24"/>
+                  </a:lnTo>
+                  <a:lnTo>
+                    <a:pt x="154" y="24"/>
+                  </a:lnTo>
+                  <a:lnTo>
+                    <a:pt x="0" y="0"/>
+                  </a:lnTo>
+                  <a:lnTo>
+                    <a:pt x="0" y="0"/>
+                  </a:lnTo>
+                  <a:lnTo>
+                    <a:pt x="774" y="1020"/>
+                  </a:lnTo>
+                  <a:lnTo>
+                    <a:pt x="1068" y="1020"/>
+                  </a:lnTo>
+                  <a:close/>
+                </a:path>
+              </a:pathLst>
+            </a:custGeom>
+            <a:solidFill>
+              <a:srgbClr val="404040"/>
+            </a:solidFill>
+            <a:ln>
+              <a:noFill/>
+            </a:ln>
+          </p:spPr>
+        </p:sp>
+      </p:grpSp>
+      <p:sp>
+        <p:nvSpPr>
           <p:cNvPr id="4" name="Title 3"/>
           <p:cNvSpPr>
             <a:spLocks noGrp="1"/>
@@ -3062,63 +6803,60 @@
             <p:ph type="title"/>
           </p:nvPr>
         </p:nvSpPr>
-        <p:spPr/>
+        <p:spPr>
+          <a:xfrm>
+            <a:off x="535020" y="685800"/>
+            <a:ext cx="2780271" cy="5105400"/>
+          </a:xfrm>
+        </p:spPr>
         <p:txBody>
-          <a:bodyPr/>
+          <a:bodyPr>
+            <a:normAutofit/>
+          </a:bodyPr>
           <a:lstStyle/>
           <a:p>
             <a:r>
-              <a:rPr lang="en-US" dirty="0" smtClean="0"/>
-              <a:t>PyPDF</a:t>
-            </a:r>
-            <a:r>
-              <a:rPr lang="en-US" dirty="0"/>
-              <a:t>2</a:t>
+              <a:rPr lang="en-US" sz="4000">
+                <a:solidFill>
+                  <a:srgbClr val="FFFFFF"/>
+                </a:solidFill>
+              </a:rPr>
+              <a:t>PyPDF2</a:t>
             </a:r>
           </a:p>
         </p:txBody>
       </p:sp>
-      <p:sp>
-        <p:nvSpPr>
-          <p:cNvPr id="5" name="Content Placeholder 4"/>
-          <p:cNvSpPr>
-            <a:spLocks noGrp="1"/>
-          </p:cNvSpPr>
+      <p:graphicFrame>
+        <p:nvGraphicFramePr>
+          <p:cNvPr id="7" name="Content Placeholder 4">
+            <a:extLst>
+              <a:ext uri="{FF2B5EF4-FFF2-40B4-BE49-F238E27FC236}">
+                <a16:creationId xmlns:a16="http://schemas.microsoft.com/office/drawing/2014/main" id="{A0DA6242-C445-7054-36E8-005EB7F840A5}"/>
+              </a:ext>
+            </a:extLst>
+          </p:cNvPr>
+          <p:cNvGraphicFramePr>
+            <a:graphicFrameLocks noGrp="1"/>
+          </p:cNvGraphicFramePr>
           <p:nvPr>
             <p:ph idx="1"/>
+            <p:extLst>
+              <p:ext uri="{D42A27DB-BD31-4B8C-83A1-F6EECF244321}">
+                <p14:modId xmlns:p14="http://schemas.microsoft.com/office/powerpoint/2010/main" val="3009200056"/>
+              </p:ext>
+            </p:extLst>
           </p:nvPr>
-        </p:nvSpPr>
-        <p:spPr/>
-        <p:txBody>
-          <a:bodyPr/>
-          <a:lstStyle/>
-          <a:p>
-            <a:r>
-              <a:rPr lang="en-US" dirty="0"/>
-              <a:t>PyPDF2 is a pure-python library to work with PDF files. We can use the PyPDF2 module to work with the existing PDF files. We can’t create a new PDF file using this module</a:t>
-            </a:r>
-            <a:r>
-              <a:rPr lang="en-US" dirty="0" smtClean="0"/>
-              <a:t>.</a:t>
-            </a:r>
-          </a:p>
-          <a:p>
-            <a:endParaRPr lang="en-US" dirty="0"/>
-          </a:p>
-          <a:p>
-            <a:r>
-              <a:rPr lang="en-US" dirty="0" smtClean="0"/>
-              <a:t>Installing PyPDF2</a:t>
-            </a:r>
-          </a:p>
-          <a:p>
-            <a:r>
-              <a:rPr lang="en-US" dirty="0"/>
-              <a:t>pip install PyPDF2</a:t>
-            </a:r>
-          </a:p>
-        </p:txBody>
-      </p:sp>
+        </p:nvGraphicFramePr>
+        <p:xfrm>
+          <a:off x="5010150" y="685800"/>
+          <a:ext cx="6492875" cy="5105400"/>
+        </p:xfrm>
+        <a:graphic>
+          <a:graphicData uri="http://schemas.openxmlformats.org/drawingml/2006/diagram">
+            <dgm:relIds xmlns:dgm="http://schemas.openxmlformats.org/drawingml/2006/diagram" xmlns:r="http://schemas.openxmlformats.org/officeDocument/2006/relationships" r:dm="rId2" r:lo="rId3" r:qs="rId4" r:cs="rId5"/>
+          </a:graphicData>
+        </a:graphic>
+      </p:graphicFrame>
     </p:spTree>
     <p:extLst>
       <p:ext uri="{BB962C8B-B14F-4D97-AF65-F5344CB8AC3E}">
@@ -3135,6 +6873,14 @@
 <file path=ppt/slides/slide3.xml><?xml version="1.0" encoding="utf-8"?>
 <p:sld xmlns:a="http://schemas.openxmlformats.org/drawingml/2006/main" xmlns:r="http://schemas.openxmlformats.org/officeDocument/2006/relationships" xmlns:p="http://schemas.openxmlformats.org/presentationml/2006/main">
   <p:cSld>
+    <p:bg>
+      <p:bgPr>
+        <a:solidFill>
+          <a:schemeClr val="bg1"/>
+        </a:solidFill>
+        <a:effectLst/>
+      </p:bgPr>
+    </p:bg>
     <p:spTree>
       <p:nvGrpSpPr>
         <p:cNvPr id="1" name=""/>
@@ -3151,6 +6897,100 @@
       </p:grpSpPr>
       <p:sp>
         <p:nvSpPr>
+          <p:cNvPr id="9" name="Rectangle 8">
+            <a:extLst>
+              <a:ext uri="{FF2B5EF4-FFF2-40B4-BE49-F238E27FC236}">
+                <a16:creationId xmlns:a16="http://schemas.microsoft.com/office/drawing/2014/main" id="{9228552E-C8B1-4A80-8448-0787CE0FC704}"/>
+              </a:ext>
+              <a:ext uri="{C183D7F6-B498-43B3-948B-1728B52AA6E4}">
+                <adec:decorative xmlns:adec="http://schemas.microsoft.com/office/drawing/2017/decorative" val="1"/>
+              </a:ext>
+            </a:extLst>
+          </p:cNvPr>
+          <p:cNvSpPr>
+            <a:spLocks noGrp="1" noRot="1" noChangeAspect="1" noMove="1" noResize="1" noEditPoints="1" noAdjustHandles="1" noChangeArrowheads="1" noChangeShapeType="1" noTextEdit="1"/>
+          </p:cNvSpPr>
+          <p:nvPr>
+            <p:extLst>
+              <p:ext uri="{386F3935-93C4-4BCD-93E2-E3B085C9AB24}">
+                <p16:designElem xmlns:p16="http://schemas.microsoft.com/office/powerpoint/2015/main" val="1"/>
+              </p:ext>
+            </p:extLst>
+          </p:nvPr>
+        </p:nvSpPr>
+        <p:spPr>
+          <a:xfrm>
+            <a:off x="0" y="0"/>
+            <a:ext cx="12192000" cy="6858000"/>
+          </a:xfrm>
+          <a:prstGeom prst="rect">
+            <a:avLst/>
+          </a:prstGeom>
+          <a:solidFill>
+            <a:srgbClr val="000000"/>
+          </a:solidFill>
+          <a:ln>
+            <a:noFill/>
+          </a:ln>
+        </p:spPr>
+        <p:style>
+          <a:lnRef idx="2">
+            <a:schemeClr val="accent1">
+              <a:shade val="50000"/>
+            </a:schemeClr>
+          </a:lnRef>
+          <a:fillRef idx="1">
+            <a:schemeClr val="accent1"/>
+          </a:fillRef>
+          <a:effectRef idx="0">
+            <a:schemeClr val="accent1"/>
+          </a:effectRef>
+          <a:fontRef idx="minor">
+            <a:schemeClr val="lt1"/>
+          </a:fontRef>
+        </p:style>
+        <p:txBody>
+          <a:bodyPr rtlCol="0" anchor="ctr"/>
+          <a:lstStyle/>
+          <a:p>
+            <a:pPr algn="ctr"/>
+            <a:endParaRPr lang="en-US"/>
+          </a:p>
+        </p:txBody>
+      </p:sp>
+      <p:pic>
+        <p:nvPicPr>
+          <p:cNvPr id="5" name="Picture 4" descr="Computer script on a screen">
+            <a:extLst>
+              <a:ext uri="{FF2B5EF4-FFF2-40B4-BE49-F238E27FC236}">
+                <a16:creationId xmlns:a16="http://schemas.microsoft.com/office/drawing/2014/main" id="{89E11DEE-E5BD-CB47-3146-A21349BF2884}"/>
+              </a:ext>
+            </a:extLst>
+          </p:cNvPr>
+          <p:cNvPicPr>
+            <a:picLocks noChangeAspect="1"/>
+          </p:cNvPicPr>
+          <p:nvPr/>
+        </p:nvPicPr>
+        <p:blipFill rotWithShape="1">
+          <a:blip r:embed="rId2">
+            <a:alphaModFix amt="35000"/>
+          </a:blip>
+          <a:srcRect t="5981" b="9750"/>
+          <a:stretch/>
+        </p:blipFill>
+        <p:spPr>
+          <a:xfrm>
+            <a:off x="20" y="10"/>
+            <a:ext cx="12191980" cy="6857990"/>
+          </a:xfrm>
+          <a:prstGeom prst="rect">
+            <a:avLst/>
+          </a:prstGeom>
+        </p:spPr>
+      </p:pic>
+      <p:sp>
+        <p:nvSpPr>
           <p:cNvPr id="2" name="Title 1"/>
           <p:cNvSpPr>
             <a:spLocks noGrp="1"/>
@@ -3159,16 +6999,26 @@
             <p:ph type="title"/>
           </p:nvPr>
         </p:nvSpPr>
-        <p:spPr/>
+        <p:spPr>
+          <a:xfrm>
+            <a:off x="838200" y="365125"/>
+            <a:ext cx="10515600" cy="1325563"/>
+          </a:xfrm>
+        </p:spPr>
         <p:txBody>
-          <a:bodyPr/>
+          <a:bodyPr>
+            <a:normAutofit/>
+          </a:bodyPr>
           <a:lstStyle/>
           <a:p>
             <a:r>
-              <a:rPr lang="en-US" dirty="0" smtClean="0"/>
+              <a:rPr lang="en-US">
+                <a:solidFill>
+                  <a:srgbClr val="FFFFFF"/>
+                </a:solidFill>
+              </a:rPr>
               <a:t>Extracting Metadata</a:t>
             </a:r>
-            <a:endParaRPr lang="en-US" dirty="0"/>
           </a:p>
         </p:txBody>
       </p:sp>
@@ -3182,16 +7032,27 @@
             <p:ph idx="1"/>
           </p:nvPr>
         </p:nvSpPr>
-        <p:spPr/>
+        <p:spPr>
+          <a:xfrm>
+            <a:off x="838200" y="1825625"/>
+            <a:ext cx="10515600" cy="4351338"/>
+          </a:xfrm>
+        </p:spPr>
         <p:txBody>
-          <a:bodyPr/>
+          <a:bodyPr>
+            <a:normAutofit/>
+          </a:bodyPr>
           <a:lstStyle/>
           <a:p>
             <a:pPr marL="0" indent="0">
               <a:buNone/>
             </a:pPr>
             <a:r>
-              <a:rPr lang="en-US" dirty="0"/>
+              <a:rPr lang="en-US">
+                <a:solidFill>
+                  <a:srgbClr val="FFFFFF"/>
+                </a:solidFill>
+              </a:rPr>
               <a:t>import PyPDF2</a:t>
             </a:r>
           </a:p>
@@ -3200,36 +7061,12 @@
               <a:buNone/>
             </a:pPr>
             <a:r>
-              <a:rPr lang="en-US" dirty="0" smtClean="0"/>
-              <a:t>with </a:t>
-            </a:r>
-            <a:r>
-              <a:rPr lang="en-US" dirty="0"/>
-              <a:t>open(</a:t>
-            </a:r>
-            <a:r>
-              <a:rPr lang="en-US" dirty="0" smtClean="0"/>
-              <a:t>'Python.pdf</a:t>
-            </a:r>
-            <a:r>
-              <a:rPr lang="en-US" dirty="0"/>
-              <a:t>', '</a:t>
-            </a:r>
-            <a:r>
-              <a:rPr lang="en-US" dirty="0" err="1"/>
-              <a:t>rb</a:t>
-            </a:r>
-            <a:r>
-              <a:rPr lang="en-US" dirty="0"/>
-              <a:t>') as </a:t>
-            </a:r>
-            <a:r>
-              <a:rPr lang="en-US" dirty="0" err="1"/>
-              <a:t>pdf_file</a:t>
-            </a:r>
-            <a:r>
-              <a:rPr lang="en-US" dirty="0"/>
-              <a:t>:</a:t>
+              <a:rPr lang="en-US">
+                <a:solidFill>
+                  <a:srgbClr val="FFFFFF"/>
+                </a:solidFill>
+              </a:rPr>
+              <a:t>with open('Python.pdf', 'rb') as pdf_file:</a:t>
             </a:r>
           </a:p>
           <a:p>
@@ -3237,24 +7074,12 @@
               <a:buNone/>
             </a:pPr>
             <a:r>
-              <a:rPr lang="en-US" dirty="0"/>
-              <a:t>    </a:t>
-            </a:r>
-            <a:r>
-              <a:rPr lang="en-US" dirty="0" err="1"/>
-              <a:t>pdf_reader</a:t>
-            </a:r>
-            <a:r>
-              <a:rPr lang="en-US" dirty="0"/>
-              <a:t> = PyPDF2.PdfFileReader(</a:t>
-            </a:r>
-            <a:r>
-              <a:rPr lang="en-US" dirty="0" err="1"/>
-              <a:t>pdf_file</a:t>
-            </a:r>
-            <a:r>
-              <a:rPr lang="en-US" dirty="0"/>
-              <a:t>)</a:t>
+              <a:rPr lang="en-US">
+                <a:solidFill>
+                  <a:srgbClr val="FFFFFF"/>
+                </a:solidFill>
+              </a:rPr>
+              <a:t>    pdf_reader = PyPDF2.PdfFileReader(pdf_file)</a:t>
             </a:r>
           </a:p>
           <a:p>
@@ -3262,24 +7087,12 @@
               <a:buNone/>
             </a:pPr>
             <a:r>
-              <a:rPr lang="en-US" dirty="0"/>
-              <a:t>    print(</a:t>
-            </a:r>
-            <a:r>
-              <a:rPr lang="en-US" dirty="0" err="1"/>
-              <a:t>f'Number</a:t>
-            </a:r>
-            <a:r>
-              <a:rPr lang="en-US" dirty="0"/>
-              <a:t> of Pages in PDF File is {</a:t>
-            </a:r>
-            <a:r>
-              <a:rPr lang="en-US" dirty="0" err="1"/>
-              <a:t>pdf_reader.getNumPages</a:t>
-            </a:r>
-            <a:r>
-              <a:rPr lang="en-US" dirty="0"/>
-              <a:t>()}')</a:t>
+              <a:rPr lang="en-US">
+                <a:solidFill>
+                  <a:srgbClr val="FFFFFF"/>
+                </a:solidFill>
+              </a:rPr>
+              <a:t>    print(f'Number of Pages in PDF File is {pdf_reader.getNumPages()}')</a:t>
             </a:r>
           </a:p>
           <a:p>
@@ -3287,24 +7100,12 @@
               <a:buNone/>
             </a:pPr>
             <a:r>
-              <a:rPr lang="en-US" dirty="0"/>
-              <a:t>    print(</a:t>
-            </a:r>
-            <a:r>
-              <a:rPr lang="en-US" dirty="0" err="1"/>
-              <a:t>f'PDF</a:t>
-            </a:r>
-            <a:r>
-              <a:rPr lang="en-US" dirty="0"/>
-              <a:t> Metadata is {</a:t>
-            </a:r>
-            <a:r>
-              <a:rPr lang="en-US" dirty="0" err="1"/>
-              <a:t>pdf_reader.documentInfo</a:t>
-            </a:r>
-            <a:r>
-              <a:rPr lang="en-US" dirty="0"/>
-              <a:t>}')</a:t>
+              <a:rPr lang="en-US">
+                <a:solidFill>
+                  <a:srgbClr val="FFFFFF"/>
+                </a:solidFill>
+              </a:rPr>
+              <a:t>    print(f'PDF Metadata is {pdf_reader.documentInfo}')</a:t>
             </a:r>
           </a:p>
           <a:p>
@@ -3312,24 +7113,12 @@
               <a:buNone/>
             </a:pPr>
             <a:r>
-              <a:rPr lang="en-US" dirty="0"/>
-              <a:t>    print(</a:t>
-            </a:r>
-            <a:r>
-              <a:rPr lang="en-US" dirty="0" err="1"/>
-              <a:t>f'PDF</a:t>
-            </a:r>
-            <a:r>
-              <a:rPr lang="en-US" dirty="0"/>
-              <a:t> File Author is {</a:t>
-            </a:r>
-            <a:r>
-              <a:rPr lang="en-US" dirty="0" err="1"/>
-              <a:t>pdf_reader.documentInfo</a:t>
-            </a:r>
-            <a:r>
-              <a:rPr lang="en-US" dirty="0"/>
-              <a:t>["/Author"]}')</a:t>
+              <a:rPr lang="en-US">
+                <a:solidFill>
+                  <a:srgbClr val="FFFFFF"/>
+                </a:solidFill>
+              </a:rPr>
+              <a:t>    print(f'PDF File Author is {pdf_reader.documentInfo["/Author"]}')</a:t>
             </a:r>
           </a:p>
           <a:p>
@@ -3337,24 +7126,12 @@
               <a:buNone/>
             </a:pPr>
             <a:r>
-              <a:rPr lang="en-US" dirty="0"/>
-              <a:t>    print(</a:t>
-            </a:r>
-            <a:r>
-              <a:rPr lang="en-US" dirty="0" err="1"/>
-              <a:t>f'PDF</a:t>
-            </a:r>
-            <a:r>
-              <a:rPr lang="en-US" dirty="0"/>
-              <a:t> File Creator is {</a:t>
-            </a:r>
-            <a:r>
-              <a:rPr lang="en-US" dirty="0" err="1"/>
-              <a:t>pdf_reader.documentInfo</a:t>
-            </a:r>
-            <a:r>
-              <a:rPr lang="en-US" dirty="0"/>
-              <a:t>["/Creator"]}')</a:t>
+              <a:rPr lang="en-US">
+                <a:solidFill>
+                  <a:srgbClr val="FFFFFF"/>
+                </a:solidFill>
+              </a:rPr>
+              <a:t>    print(f'PDF File Creator is {pdf_reader.documentInfo["/Creator"]}')</a:t>
             </a:r>
           </a:p>
         </p:txBody>
@@ -3367,7 +7144,7 @@
     </p:extLst>
   </p:cSld>
   <p:clrMapOvr>
-    <a:masterClrMapping/>
+    <a:overrideClrMapping bg1="dk1" tx1="lt1" bg2="dk2" tx2="lt2" accent1="accent1" accent2="accent2" accent3="accent3" accent4="accent4" accent5="accent5" accent6="accent6" hlink="hlink" folHlink="folHlink"/>
   </p:clrMapOvr>
 </p:sld>
 </file>
@@ -3375,6 +7152,14 @@
 <file path=ppt/slides/slide4.xml><?xml version="1.0" encoding="utf-8"?>
 <p:sld xmlns:a="http://schemas.openxmlformats.org/drawingml/2006/main" xmlns:r="http://schemas.openxmlformats.org/officeDocument/2006/relationships" xmlns:p="http://schemas.openxmlformats.org/presentationml/2006/main">
   <p:cSld>
+    <p:bg>
+      <p:bgPr>
+        <a:solidFill>
+          <a:schemeClr val="bg1"/>
+        </a:solidFill>
+        <a:effectLst/>
+      </p:bgPr>
+    </p:bg>
     <p:spTree>
       <p:nvGrpSpPr>
         <p:cNvPr id="1" name=""/>
@@ -3391,6 +7176,100 @@
       </p:grpSpPr>
       <p:sp>
         <p:nvSpPr>
+          <p:cNvPr id="9" name="Rectangle 8">
+            <a:extLst>
+              <a:ext uri="{FF2B5EF4-FFF2-40B4-BE49-F238E27FC236}">
+                <a16:creationId xmlns:a16="http://schemas.microsoft.com/office/drawing/2014/main" id="{9228552E-C8B1-4A80-8448-0787CE0FC704}"/>
+              </a:ext>
+              <a:ext uri="{C183D7F6-B498-43B3-948B-1728B52AA6E4}">
+                <adec:decorative xmlns:adec="http://schemas.microsoft.com/office/drawing/2017/decorative" val="1"/>
+              </a:ext>
+            </a:extLst>
+          </p:cNvPr>
+          <p:cNvSpPr>
+            <a:spLocks noGrp="1" noRot="1" noChangeAspect="1" noMove="1" noResize="1" noEditPoints="1" noAdjustHandles="1" noChangeArrowheads="1" noChangeShapeType="1" noTextEdit="1"/>
+          </p:cNvSpPr>
+          <p:nvPr>
+            <p:extLst>
+              <p:ext uri="{386F3935-93C4-4BCD-93E2-E3B085C9AB24}">
+                <p16:designElem xmlns:p16="http://schemas.microsoft.com/office/powerpoint/2015/main" val="1"/>
+              </p:ext>
+            </p:extLst>
+          </p:nvPr>
+        </p:nvSpPr>
+        <p:spPr>
+          <a:xfrm>
+            <a:off x="0" y="0"/>
+            <a:ext cx="12192000" cy="6858000"/>
+          </a:xfrm>
+          <a:prstGeom prst="rect">
+            <a:avLst/>
+          </a:prstGeom>
+          <a:solidFill>
+            <a:srgbClr val="000000"/>
+          </a:solidFill>
+          <a:ln>
+            <a:noFill/>
+          </a:ln>
+        </p:spPr>
+        <p:style>
+          <a:lnRef idx="2">
+            <a:schemeClr val="accent1">
+              <a:shade val="50000"/>
+            </a:schemeClr>
+          </a:lnRef>
+          <a:fillRef idx="1">
+            <a:schemeClr val="accent1"/>
+          </a:fillRef>
+          <a:effectRef idx="0">
+            <a:schemeClr val="accent1"/>
+          </a:effectRef>
+          <a:fontRef idx="minor">
+            <a:schemeClr val="lt1"/>
+          </a:fontRef>
+        </p:style>
+        <p:txBody>
+          <a:bodyPr rtlCol="0" anchor="ctr"/>
+          <a:lstStyle/>
+          <a:p>
+            <a:pPr algn="ctr"/>
+            <a:endParaRPr lang="en-US"/>
+          </a:p>
+        </p:txBody>
+      </p:sp>
+      <p:pic>
+        <p:nvPicPr>
+          <p:cNvPr id="5" name="Picture 4" descr="Computer script on a screen">
+            <a:extLst>
+              <a:ext uri="{FF2B5EF4-FFF2-40B4-BE49-F238E27FC236}">
+                <a16:creationId xmlns:a16="http://schemas.microsoft.com/office/drawing/2014/main" id="{89E11DEE-E5BD-CB47-3146-A21349BF2884}"/>
+              </a:ext>
+            </a:extLst>
+          </p:cNvPr>
+          <p:cNvPicPr>
+            <a:picLocks noChangeAspect="1"/>
+          </p:cNvPicPr>
+          <p:nvPr/>
+        </p:nvPicPr>
+        <p:blipFill rotWithShape="1">
+          <a:blip r:embed="rId2">
+            <a:alphaModFix amt="35000"/>
+          </a:blip>
+          <a:srcRect t="5981" b="9750"/>
+          <a:stretch/>
+        </p:blipFill>
+        <p:spPr>
+          <a:xfrm>
+            <a:off x="20" y="10"/>
+            <a:ext cx="12191980" cy="6857990"/>
+          </a:xfrm>
+          <a:prstGeom prst="rect">
+            <a:avLst/>
+          </a:prstGeom>
+        </p:spPr>
+      </p:pic>
+      <p:sp>
+        <p:nvSpPr>
           <p:cNvPr id="2" name="Title 1"/>
           <p:cNvSpPr>
             <a:spLocks noGrp="1"/>
@@ -3399,16 +7278,26 @@
             <p:ph type="title"/>
           </p:nvPr>
         </p:nvSpPr>
-        <p:spPr/>
+        <p:spPr>
+          <a:xfrm>
+            <a:off x="838200" y="365125"/>
+            <a:ext cx="10515600" cy="1325563"/>
+          </a:xfrm>
+        </p:spPr>
         <p:txBody>
-          <a:bodyPr/>
+          <a:bodyPr>
+            <a:normAutofit/>
+          </a:bodyPr>
           <a:lstStyle/>
           <a:p>
             <a:r>
-              <a:rPr lang="en-US" dirty="0" smtClean="0"/>
-              <a:t>Extracting Text of Pages</a:t>
-            </a:r>
-            <a:endParaRPr lang="en-US" dirty="0"/>
+              <a:rPr lang="en-US">
+                <a:solidFill>
+                  <a:srgbClr val="FFFFFF"/>
+                </a:solidFill>
+              </a:rPr>
+              <a:t>Extracting Metadata</a:t>
+            </a:r>
           </a:p>
         </p:txBody>
       </p:sp>
@@ -3422,29 +7311,43 @@
             <p:ph idx="1"/>
           </p:nvPr>
         </p:nvSpPr>
-        <p:spPr/>
+        <p:spPr>
+          <a:xfrm>
+            <a:off x="838200" y="1825625"/>
+            <a:ext cx="10515600" cy="4351338"/>
+          </a:xfrm>
+        </p:spPr>
         <p:txBody>
           <a:bodyPr>
             <a:normAutofit fontScale="62500" lnSpcReduction="20000"/>
           </a:bodyPr>
           <a:lstStyle/>
           <a:p>
+            <a:pPr marL="0" indent="0">
+              <a:buNone/>
+            </a:pPr>
             <a:r>
               <a:rPr lang="en-US" dirty="0"/>
               <a:t>import PyPDF2</a:t>
             </a:r>
           </a:p>
           <a:p>
+            <a:pPr marL="0" indent="0">
+              <a:buNone/>
+            </a:pPr>
             <a:endParaRPr lang="en-US" dirty="0"/>
           </a:p>
           <a:p>
+            <a:pPr marL="0" indent="0">
+              <a:buNone/>
+            </a:pPr>
             <a:r>
               <a:rPr lang="en-US" dirty="0"/>
-              <a:t>with open(</a:t>
-            </a:r>
-            <a:r>
-              <a:rPr lang="en-US" dirty="0" smtClean="0"/>
-              <a:t>'Python.pdf</a:t>
+              <a:t>with open('</a:t>
+            </a:r>
+            <a:r>
+              <a:rPr lang="en-US" dirty="0" err="1"/>
+              <a:t>Python.pdf</a:t>
             </a:r>
             <a:r>
               <a:rPr lang="en-US" dirty="0"/>
@@ -3468,6 +7371,9 @@
             </a:r>
           </a:p>
           <a:p>
+            <a:pPr marL="0" indent="0">
+              <a:buNone/>
+            </a:pPr>
             <a:r>
               <a:rPr lang="en-US" dirty="0"/>
               <a:t>    </a:t>
@@ -3490,15 +7396,24 @@
             </a:r>
           </a:p>
           <a:p>
+            <a:pPr marL="0" indent="0">
+              <a:buNone/>
+            </a:pPr>
             <a:endParaRPr lang="en-US" dirty="0"/>
           </a:p>
           <a:p>
+            <a:pPr marL="0" indent="0">
+              <a:buNone/>
+            </a:pPr>
             <a:r>
               <a:rPr lang="en-US" dirty="0"/>
               <a:t>    # printing first page contents</a:t>
             </a:r>
           </a:p>
           <a:p>
+            <a:pPr marL="0" indent="0">
+              <a:buNone/>
+            </a:pPr>
             <a:r>
               <a:rPr lang="en-US" dirty="0"/>
               <a:t>    </a:t>
@@ -3512,12 +7427,98 @@
               <a:t> = </a:t>
             </a:r>
             <a:r>
-              <a:rPr lang="en-US" dirty="0" err="1" smtClean="0"/>
+              <a:rPr lang="en-US" dirty="0" err="1"/>
               <a:t>pdf_reader.getPage</a:t>
             </a:r>
             <a:r>
-              <a:rPr lang="en-US" dirty="0" smtClean="0"/>
-              <a:t>(0</a:t>
+              <a:rPr lang="en-US" dirty="0"/>
+              <a:t>(0)</a:t>
+            </a:r>
+          </a:p>
+          <a:p>
+            <a:pPr marL="0" indent="0">
+              <a:buNone/>
+            </a:pPr>
+            <a:r>
+              <a:rPr lang="en-US" dirty="0"/>
+              <a:t>    print(</a:t>
+            </a:r>
+            <a:r>
+              <a:rPr lang="en-US" dirty="0" err="1"/>
+              <a:t>pdf_page.extractText</a:t>
+            </a:r>
+            <a:r>
+              <a:rPr lang="en-US" dirty="0"/>
+              <a:t>())</a:t>
+            </a:r>
+          </a:p>
+          <a:p>
+            <a:pPr marL="0" indent="0">
+              <a:buNone/>
+            </a:pPr>
+            <a:endParaRPr lang="en-US" dirty="0"/>
+          </a:p>
+          <a:p>
+            <a:pPr marL="0" indent="0">
+              <a:buNone/>
+            </a:pPr>
+            <a:r>
+              <a:rPr lang="en-US" dirty="0"/>
+              <a:t>    # reading all the pages content one by one</a:t>
+            </a:r>
+          </a:p>
+          <a:p>
+            <a:pPr marL="0" indent="0">
+              <a:buNone/>
+            </a:pPr>
+            <a:r>
+              <a:rPr lang="en-US" dirty="0"/>
+              <a:t>    for </a:t>
+            </a:r>
+            <a:r>
+              <a:rPr lang="en-US" dirty="0" err="1"/>
+              <a:t>page_num</a:t>
+            </a:r>
+            <a:r>
+              <a:rPr lang="en-US" dirty="0"/>
+              <a:t> in range(</a:t>
+            </a:r>
+            <a:r>
+              <a:rPr lang="en-US" dirty="0" err="1"/>
+              <a:t>pdf_reader.numPages</a:t>
+            </a:r>
+            <a:r>
+              <a:rPr lang="en-US" dirty="0"/>
+              <a:t>):</a:t>
+            </a:r>
+          </a:p>
+          <a:p>
+            <a:pPr marL="0" indent="0">
+              <a:buNone/>
+            </a:pPr>
+            <a:r>
+              <a:rPr lang="en-US" dirty="0"/>
+              <a:t>        </a:t>
+            </a:r>
+            <a:r>
+              <a:rPr lang="en-US" dirty="0" err="1"/>
+              <a:t>pdf_page</a:t>
+            </a:r>
+            <a:r>
+              <a:rPr lang="en-US" dirty="0"/>
+              <a:t> = </a:t>
+            </a:r>
+            <a:r>
+              <a:rPr lang="en-US" dirty="0" err="1"/>
+              <a:t>pdf_reader.getPage</a:t>
+            </a:r>
+            <a:r>
+              <a:rPr lang="en-US" dirty="0"/>
+              <a:t>(</a:t>
+            </a:r>
+            <a:r>
+              <a:rPr lang="en-US" dirty="0" err="1"/>
+              <a:t>page_num</a:t>
             </a:r>
             <a:r>
               <a:rPr lang="en-US" dirty="0"/>
@@ -3525,86 +7526,9 @@
             </a:r>
           </a:p>
           <a:p>
-            <a:r>
-              <a:rPr lang="en-US" dirty="0"/>
-              <a:t>    </a:t>
-            </a:r>
-            <a:r>
-              <a:rPr lang="en-US" dirty="0" smtClean="0"/>
-              <a:t>print(</a:t>
-            </a:r>
-            <a:r>
-              <a:rPr lang="en-US" dirty="0" err="1" smtClean="0"/>
-              <a:t>pdf_page.extractText</a:t>
-            </a:r>
-            <a:r>
-              <a:rPr lang="en-US" dirty="0" smtClean="0"/>
-              <a:t>())</a:t>
-            </a:r>
-            <a:endParaRPr lang="en-US" dirty="0"/>
-          </a:p>
-          <a:p>
-            <a:endParaRPr lang="en-US" dirty="0"/>
-          </a:p>
-          <a:p>
-            <a:r>
-              <a:rPr lang="en-US" dirty="0"/>
-              <a:t>    # reading all the pages content one by one</a:t>
-            </a:r>
-          </a:p>
-          <a:p>
-            <a:r>
-              <a:rPr lang="en-US" dirty="0"/>
-              <a:t>    for </a:t>
-            </a:r>
-            <a:r>
-              <a:rPr lang="en-US" dirty="0" err="1"/>
-              <a:t>page_num</a:t>
-            </a:r>
-            <a:r>
-              <a:rPr lang="en-US" dirty="0"/>
-              <a:t> in range(</a:t>
-            </a:r>
-            <a:r>
-              <a:rPr lang="en-US" dirty="0" err="1"/>
-              <a:t>pdf_reader.numPages</a:t>
-            </a:r>
-            <a:r>
-              <a:rPr lang="en-US" dirty="0"/>
-              <a:t>):</a:t>
-            </a:r>
-          </a:p>
-          <a:p>
-            <a:r>
-              <a:rPr lang="en-US" dirty="0"/>
-              <a:t>        </a:t>
-            </a:r>
-            <a:r>
-              <a:rPr lang="en-US" dirty="0" err="1"/>
-              <a:t>pdf_page</a:t>
-            </a:r>
-            <a:r>
-              <a:rPr lang="en-US" dirty="0"/>
-              <a:t> = </a:t>
-            </a:r>
-            <a:r>
-              <a:rPr lang="en-US" dirty="0" err="1"/>
-              <a:t>pdf_reader.getPage</a:t>
-            </a:r>
-            <a:r>
-              <a:rPr lang="en-US" dirty="0"/>
-              <a:t>(</a:t>
-            </a:r>
-            <a:r>
-              <a:rPr lang="en-US" dirty="0" err="1"/>
-              <a:t>page_num</a:t>
-            </a:r>
-            <a:r>
-              <a:rPr lang="en-US" dirty="0"/>
-              <a:t>)</a:t>
-            </a:r>
-          </a:p>
-          <a:p>
+            <a:pPr marL="0" indent="0">
+              <a:buNone/>
+            </a:pPr>
             <a:r>
               <a:rPr lang="en-US" dirty="0"/>
               <a:t>        print(</a:t>
@@ -3623,7 +7547,201 @@
     </p:spTree>
     <p:extLst>
       <p:ext uri="{BB962C8B-B14F-4D97-AF65-F5344CB8AC3E}">
-        <p14:creationId xmlns:p14="http://schemas.microsoft.com/office/powerpoint/2010/main" val="2675979240"/>
+        <p14:creationId xmlns:p14="http://schemas.microsoft.com/office/powerpoint/2010/main" val="1479405539"/>
+      </p:ext>
+    </p:extLst>
+  </p:cSld>
+  <p:clrMapOvr>
+    <a:overrideClrMapping bg1="dk1" tx1="lt1" bg2="dk2" tx2="lt2" accent1="accent1" accent2="accent2" accent3="accent3" accent4="accent4" accent5="accent5" accent6="accent6" hlink="hlink" folHlink="folHlink"/>
+  </p:clrMapOvr>
+</p:sld>
+</file>
+
+<file path=ppt/slides/slide5.xml><?xml version="1.0" encoding="utf-8"?>
+<p:sld xmlns:a="http://schemas.openxmlformats.org/drawingml/2006/main" xmlns:r="http://schemas.openxmlformats.org/officeDocument/2006/relationships" xmlns:p="http://schemas.openxmlformats.org/presentationml/2006/main">
+  <p:cSld>
+    <p:bg>
+      <p:bgPr>
+        <a:solidFill>
+          <a:schemeClr val="bg1"/>
+        </a:solidFill>
+        <a:effectLst/>
+      </p:bgPr>
+    </p:bg>
+    <p:spTree>
+      <p:nvGrpSpPr>
+        <p:cNvPr id="1" name=""/>
+        <p:cNvGrpSpPr/>
+        <p:nvPr/>
+      </p:nvGrpSpPr>
+      <p:grpSpPr>
+        <a:xfrm>
+          <a:off x="0" y="0"/>
+          <a:ext cx="0" cy="0"/>
+          <a:chOff x="0" y="0"/>
+          <a:chExt cx="0" cy="0"/>
+        </a:xfrm>
+      </p:grpSpPr>
+      <p:sp>
+        <p:nvSpPr>
+          <p:cNvPr id="18" name="Rectangle 13">
+            <a:extLst>
+              <a:ext uri="{FF2B5EF4-FFF2-40B4-BE49-F238E27FC236}">
+                <a16:creationId xmlns:a16="http://schemas.microsoft.com/office/drawing/2014/main" id="{71B2258F-86CA-4D4D-8270-BC05FCDEBFB3}"/>
+              </a:ext>
+              <a:ext uri="{C183D7F6-B498-43B3-948B-1728B52AA6E4}">
+                <adec:decorative xmlns:adec="http://schemas.microsoft.com/office/drawing/2017/decorative" val="1"/>
+              </a:ext>
+            </a:extLst>
+          </p:cNvPr>
+          <p:cNvSpPr>
+            <a:spLocks noGrp="1" noRot="1" noChangeAspect="1" noMove="1" noResize="1" noEditPoints="1" noAdjustHandles="1" noChangeArrowheads="1" noChangeShapeType="1" noTextEdit="1"/>
+          </p:cNvSpPr>
+          <p:nvPr>
+            <p:extLst>
+              <p:ext uri="{386F3935-93C4-4BCD-93E2-E3B085C9AB24}">
+                <p16:designElem xmlns:p16="http://schemas.microsoft.com/office/powerpoint/2015/main" val="1"/>
+              </p:ext>
+            </p:extLst>
+          </p:nvPr>
+        </p:nvSpPr>
+        <p:spPr>
+          <a:xfrm>
+            <a:off x="0" y="0"/>
+            <a:ext cx="12192000" cy="6857999"/>
+          </a:xfrm>
+          <a:prstGeom prst="rect">
+            <a:avLst/>
+          </a:prstGeom>
+          <a:solidFill>
+            <a:srgbClr val="000000"/>
+          </a:solidFill>
+          <a:ln>
+            <a:noFill/>
+          </a:ln>
+        </p:spPr>
+        <p:style>
+          <a:lnRef idx="2">
+            <a:schemeClr val="accent1">
+              <a:shade val="50000"/>
+            </a:schemeClr>
+          </a:lnRef>
+          <a:fillRef idx="1">
+            <a:schemeClr val="accent1"/>
+          </a:fillRef>
+          <a:effectRef idx="0">
+            <a:schemeClr val="accent1"/>
+          </a:effectRef>
+          <a:fontRef idx="minor">
+            <a:schemeClr val="lt1"/>
+          </a:fontRef>
+        </p:style>
+        <p:txBody>
+          <a:bodyPr rtlCol="0" anchor="ctr"/>
+          <a:lstStyle/>
+          <a:p>
+            <a:pPr marL="0" marR="0" lvl="0" indent="0" algn="ctr" defTabSz="914400" rtl="0" eaLnBrk="1" fontAlgn="auto" latinLnBrk="0" hangingPunct="1">
+              <a:lnSpc>
+                <a:spcPct val="100000"/>
+              </a:lnSpc>
+              <a:spcBef>
+                <a:spcPts val="0"/>
+              </a:spcBef>
+              <a:spcAft>
+                <a:spcPts val="0"/>
+              </a:spcAft>
+              <a:buClrTx/>
+              <a:buSzTx/>
+              <a:buFontTx/>
+              <a:buNone/>
+              <a:tabLst/>
+              <a:defRPr/>
+            </a:pPr>
+            <a:endParaRPr kumimoji="0" lang="en-US" sz="1800" b="0" i="0" u="none" strike="noStrike" kern="1200" cap="none" spc="0" normalizeH="0" baseline="0" noProof="0">
+              <a:ln>
+                <a:noFill/>
+              </a:ln>
+              <a:solidFill>
+                <a:prstClr val="white"/>
+              </a:solidFill>
+              <a:effectLst/>
+              <a:uLnTx/>
+              <a:uFillTx/>
+              <a:latin typeface="Calibri" panose="020F0502020204030204"/>
+              <a:ea typeface="+mn-ea"/>
+              <a:cs typeface="+mn-cs"/>
+            </a:endParaRPr>
+          </a:p>
+        </p:txBody>
+      </p:sp>
+      <p:pic>
+        <p:nvPicPr>
+          <p:cNvPr id="5" name="Picture 4">
+            <a:extLst>
+              <a:ext uri="{FF2B5EF4-FFF2-40B4-BE49-F238E27FC236}">
+                <a16:creationId xmlns:a16="http://schemas.microsoft.com/office/drawing/2014/main" id="{03BC0689-6403-85CC-7A85-74A04FE9CE34}"/>
+              </a:ext>
+            </a:extLst>
+          </p:cNvPr>
+          <p:cNvPicPr>
+            <a:picLocks noChangeAspect="1"/>
+          </p:cNvPicPr>
+          <p:nvPr/>
+        </p:nvPicPr>
+        <p:blipFill rotWithShape="1">
+          <a:blip r:embed="rId2">
+            <a:alphaModFix amt="50000"/>
+          </a:blip>
+          <a:srcRect t="1747"/>
+          <a:stretch/>
+        </p:blipFill>
+        <p:spPr>
+          <a:xfrm>
+            <a:off x="20" y="1"/>
+            <a:ext cx="12191980" cy="6857999"/>
+          </a:xfrm>
+          <a:prstGeom prst="rect">
+            <a:avLst/>
+          </a:prstGeom>
+        </p:spPr>
+      </p:pic>
+      <p:sp>
+        <p:nvSpPr>
+          <p:cNvPr id="2" name="Title 1"/>
+          <p:cNvSpPr>
+            <a:spLocks noGrp="1"/>
+          </p:cNvSpPr>
+          <p:nvPr>
+            <p:ph type="ctrTitle"/>
+          </p:nvPr>
+        </p:nvSpPr>
+        <p:spPr>
+          <a:xfrm>
+            <a:off x="838200" y="1122362"/>
+            <a:ext cx="10515600" cy="2900518"/>
+          </a:xfrm>
+        </p:spPr>
+        <p:txBody>
+          <a:bodyPr>
+            <a:normAutofit/>
+          </a:bodyPr>
+          <a:lstStyle/>
+          <a:p>
+            <a:r>
+              <a:rPr lang="en-US" sz="4400" dirty="0">
+                <a:solidFill>
+                  <a:srgbClr val="FFFFFF"/>
+                </a:solidFill>
+              </a:rPr>
+              <a:t>Thanks</a:t>
+            </a:r>
+          </a:p>
+        </p:txBody>
+      </p:sp>
+    </p:spTree>
+    <p:extLst>
+      <p:ext uri="{BB962C8B-B14F-4D97-AF65-F5344CB8AC3E}">
+        <p14:creationId xmlns:p14="http://schemas.microsoft.com/office/powerpoint/2010/main" val="2387896872"/>
       </p:ext>
     </p:extLst>
   </p:cSld>
